--- a/资料/课件/IPhone开发教程17-电话&短信&邮件系统功能调用.pptx
+++ b/资料/课件/IPhone开发教程17-电话&短信&邮件系统功能调用.pptx
@@ -5,40 +5,22 @@
     <p:sldMasterId id="2147488748" r:id="rId1"/>
   </p:sldMasterIdLst>
   <p:notesMasterIdLst>
-    <p:notesMasterId r:id="rId25"/>
+    <p:notesMasterId r:id="rId7"/>
   </p:notesMasterIdLst>
   <p:handoutMasterIdLst>
-    <p:handoutMasterId r:id="rId26"/>
+    <p:handoutMasterId r:id="rId8"/>
   </p:handoutMasterIdLst>
   <p:sldIdLst>
     <p:sldId id="1551" r:id="rId2"/>
-    <p:sldId id="1552" r:id="rId3"/>
-    <p:sldId id="1553" r:id="rId4"/>
-    <p:sldId id="1554" r:id="rId5"/>
-    <p:sldId id="1555" r:id="rId6"/>
-    <p:sldId id="1556" r:id="rId7"/>
-    <p:sldId id="1557" r:id="rId8"/>
-    <p:sldId id="1558" r:id="rId9"/>
-    <p:sldId id="1559" r:id="rId10"/>
-    <p:sldId id="1560" r:id="rId11"/>
-    <p:sldId id="1561" r:id="rId12"/>
-    <p:sldId id="1562" r:id="rId13"/>
-    <p:sldId id="1563" r:id="rId14"/>
-    <p:sldId id="1564" r:id="rId15"/>
-    <p:sldId id="1565" r:id="rId16"/>
-    <p:sldId id="1566" r:id="rId17"/>
-    <p:sldId id="1567" r:id="rId18"/>
-    <p:sldId id="1569" r:id="rId19"/>
-    <p:sldId id="1570" r:id="rId20"/>
-    <p:sldId id="1571" r:id="rId21"/>
-    <p:sldId id="1572" r:id="rId22"/>
-    <p:sldId id="1573" r:id="rId23"/>
-    <p:sldId id="1568" r:id="rId24"/>
+    <p:sldId id="1553" r:id="rId3"/>
+    <p:sldId id="1569" r:id="rId4"/>
+    <p:sldId id="1570" r:id="rId5"/>
+    <p:sldId id="1568" r:id="rId6"/>
   </p:sldIdLst>
   <p:sldSz cx="9144000" cy="6858000" type="screen4x3"/>
   <p:notesSz cx="6797675" cy="9874250"/>
   <p:custDataLst>
-    <p:tags r:id="rId28"/>
+    <p:tags r:id="rId10"/>
   </p:custDataLst>
   <p:defaultTextStyle>
     <a:defPPr>
@@ -171,34 +153,16 @@
         <p14:section name="Default Section" id="{5009879F-230C-4AAA-9B60-41FFDFBA99F4}">
           <p14:sldIdLst>
             <p14:sldId id="1551"/>
-            <p14:sldId id="1552"/>
             <p14:sldId id="1553"/>
-            <p14:sldId id="1554"/>
-            <p14:sldId id="1555"/>
-            <p14:sldId id="1556"/>
-            <p14:sldId id="1557"/>
-            <p14:sldId id="1558"/>
-            <p14:sldId id="1559"/>
-            <p14:sldId id="1560"/>
-            <p14:sldId id="1561"/>
-            <p14:sldId id="1562"/>
-            <p14:sldId id="1563"/>
-            <p14:sldId id="1564"/>
-            <p14:sldId id="1565"/>
-            <p14:sldId id="1566"/>
-            <p14:sldId id="1567"/>
             <p14:sldId id="1569"/>
             <p14:sldId id="1570"/>
-            <p14:sldId id="1571"/>
-            <p14:sldId id="1572"/>
-            <p14:sldId id="1573"/>
             <p14:sldId id="1568"/>
           </p14:sldIdLst>
         </p14:section>
       </p14:sectionLst>
     </p:ext>
     <p:ext uri="{EFAFB233-063F-42B5-8137-9DF3F51BA10A}">
-      <p15:sldGuideLst xmlns="" xmlns:p15="http://schemas.microsoft.com/office/powerpoint/2012/main">
+      <p15:sldGuideLst xmlns:p15="http://schemas.microsoft.com/office/powerpoint/2012/main" xmlns="">
         <p15:guide id="1" orient="horz">
           <p15:clr>
             <a:srgbClr val="A4A3A4"/>
@@ -212,7 +176,7 @@
       </p15:sldGuideLst>
     </p:ext>
     <p:ext uri="{2D200454-40CA-4A62-9FC3-DE9A4176ACB9}">
-      <p15:notesGuideLst xmlns="" xmlns:p15="http://schemas.microsoft.com/office/powerpoint/2012/main">
+      <p15:notesGuideLst xmlns:p15="http://schemas.microsoft.com/office/powerpoint/2012/main" xmlns="">
         <p15:guide id="1" orient="horz" pos="3109">
           <p15:clr>
             <a:srgbClr val="A4A3A4"/>
@@ -316,7 +280,7 @@
                 <a:ea typeface="微软雅黑" pitchFamily="34" charset="-122"/>
               </a:rPr>
               <a:pPr/>
-              <a:t>15/3/11</a:t>
+              <a:t>15/3/16</a:t>
             </a:fld>
             <a:endParaRPr lang="zh-CN" altLang="en-US" dirty="0">
               <a:ea typeface="微软雅黑" pitchFamily="34" charset="-122"/>
@@ -520,7 +484,7 @@
             <a:fld id="{DF9E65B2-A0B4-4242-9432-201E84F17494}" type="datetime1">
               <a:rPr lang="en-US" smtClean="0"/>
               <a:pPr/>
-              <a:t>15/3/11</a:t>
+              <a:t>15/3/16</a:t>
             </a:fld>
             <a:endParaRPr lang="en-US" dirty="0"/>
           </a:p>
@@ -1449,7 +1413,7 @@
             <a:fld id="{055FF6D4-D4D7-426A-98F7-170A3668379E}" type="datetime1">
               <a:rPr lang="en-US" smtClean="0"/>
               <a:pPr/>
-              <a:t>15/3/11</a:t>
+              <a:t>15/3/16</a:t>
             </a:fld>
             <a:endParaRPr lang="en-US" dirty="0"/>
           </a:p>
@@ -2076,7 +2040,7 @@
             <a:fld id="{74CBEAF9-9E58-4CC8-A6FF-6DD8A58DEEA4}" type="datetimeFigureOut">
               <a:rPr lang="en-US" smtClean="0"/>
               <a:pPr eaLnBrk="1" latinLnBrk="0" hangingPunct="1"/>
-              <a:t>15/3/11</a:t>
+              <a:t>15/3/16</a:t>
             </a:fld>
             <a:endParaRPr lang="en-US"/>
           </a:p>
@@ -2594,7 +2558,7 @@
             <a:fld id="{74CBEAF9-9E58-4CC8-A6FF-6DD8A58DEEA4}" type="datetimeFigureOut">
               <a:rPr lang="en-US" smtClean="0"/>
               <a:pPr algn="l" eaLnBrk="1" latinLnBrk="0" hangingPunct="1"/>
-              <a:t>15/3/11</a:t>
+              <a:t>15/3/16</a:t>
             </a:fld>
             <a:endParaRPr lang="en-US" dirty="0">
               <a:solidFill>
@@ -3129,7 +3093,7 @@
             <a:fld id="{74CBEAF9-9E58-4CC8-A6FF-6DD8A58DEEA4}" type="datetimeFigureOut">
               <a:rPr lang="en-US" smtClean="0"/>
               <a:pPr algn="l" eaLnBrk="1" latinLnBrk="0" hangingPunct="1"/>
-              <a:t>15/3/11</a:t>
+              <a:t>15/3/16</a:t>
             </a:fld>
             <a:endParaRPr lang="en-US" dirty="0">
               <a:solidFill>
@@ -3965,7 +3929,7 @@
             <a:fld id="{74CBEAF9-9E58-4CC8-A6FF-6DD8A58DEEA4}" type="datetimeFigureOut">
               <a:rPr lang="en-US" smtClean="0"/>
               <a:pPr eaLnBrk="1" latinLnBrk="0" hangingPunct="1"/>
-              <a:t>15/3/11</a:t>
+              <a:t>15/3/16</a:t>
             </a:fld>
             <a:endParaRPr lang="en-US"/>
           </a:p>
@@ -4547,7 +4511,7 @@
             <a:fld id="{42295D47-465E-4A05-802B-049480555B6D}" type="datetime1">
               <a:rPr lang="en-US" smtClean="0"/>
               <a:pPr/>
-              <a:t>15/3/11</a:t>
+              <a:t>15/3/16</a:t>
             </a:fld>
             <a:endParaRPr lang="en-US"/>
           </a:p>
@@ -5178,7 +5142,7 @@
             <a:fld id="{74CBEAF9-9E58-4CC8-A6FF-6DD8A58DEEA4}" type="datetimeFigureOut">
               <a:rPr lang="en-US" smtClean="0"/>
               <a:pPr algn="l" eaLnBrk="1" latinLnBrk="0" hangingPunct="1"/>
-              <a:t>15/3/11</a:t>
+              <a:t>15/3/16</a:t>
             </a:fld>
             <a:endParaRPr lang="en-US" dirty="0">
               <a:solidFill>
@@ -5960,7 +5924,7 @@
             <a:fld id="{74CBEAF9-9E58-4CC8-A6FF-6DD8A58DEEA4}" type="datetimeFigureOut">
               <a:rPr lang="en-US" smtClean="0"/>
               <a:pPr eaLnBrk="1" latinLnBrk="0" hangingPunct="1"/>
-              <a:t>15/3/11</a:t>
+              <a:t>15/3/16</a:t>
             </a:fld>
             <a:endParaRPr lang="en-US"/>
           </a:p>
@@ -6421,7 +6385,7 @@
             <a:fld id="{74CBEAF9-9E58-4CC8-A6FF-6DD8A58DEEA4}" type="datetimeFigureOut">
               <a:rPr lang="en-US" smtClean="0"/>
               <a:pPr eaLnBrk="1" latinLnBrk="0" hangingPunct="1"/>
-              <a:t>15/3/11</a:t>
+              <a:t>15/3/16</a:t>
             </a:fld>
             <a:endParaRPr lang="en-US"/>
           </a:p>
@@ -6850,7 +6814,7 @@
             <a:fld id="{74CBEAF9-9E58-4CC8-A6FF-6DD8A58DEEA4}" type="datetimeFigureOut">
               <a:rPr lang="en-US" smtClean="0"/>
               <a:pPr eaLnBrk="1" latinLnBrk="0" hangingPunct="1"/>
-              <a:t>15/3/11</a:t>
+              <a:t>15/3/16</a:t>
             </a:fld>
             <a:endParaRPr lang="en-US"/>
           </a:p>
@@ -7471,7 +7435,7 @@
             <a:fld id="{74CBEAF9-9E58-4CC8-A6FF-6DD8A58DEEA4}" type="datetimeFigureOut">
               <a:rPr lang="en-US" smtClean="0"/>
               <a:pPr eaLnBrk="1" latinLnBrk="0" hangingPunct="1"/>
-              <a:t>15/3/11</a:t>
+              <a:t>15/3/16</a:t>
             </a:fld>
             <a:endParaRPr lang="en-US"/>
           </a:p>
@@ -7736,7 +7700,7 @@
             <a:fld id="{74CBEAF9-9E58-4CC8-A6FF-6DD8A58DEEA4}" type="datetimeFigureOut">
               <a:rPr lang="en-US" smtClean="0"/>
               <a:pPr algn="l" eaLnBrk="1" latinLnBrk="0" hangingPunct="1"/>
-              <a:t>15/3/11</a:t>
+              <a:t>15/3/16</a:t>
             </a:fld>
             <a:endParaRPr lang="en-US" dirty="0">
               <a:solidFill>
@@ -8384,7 +8348,9 @@
         </p:nvSpPr>
         <p:spPr/>
         <p:txBody>
-          <a:bodyPr/>
+          <a:bodyPr>
+            <a:normAutofit/>
+          </a:bodyPr>
           <a:lstStyle/>
           <a:p>
             <a:r>
@@ -8397,15 +8363,31 @@
             </a:r>
             <a:r>
               <a:rPr lang="en-US" altLang="zh-CN" b="0" dirty="0" smtClean="0"/>
-              <a:t>6</a:t>
+              <a:t>7</a:t>
             </a:r>
             <a:r>
               <a:rPr lang="en-US" altLang="zh-CN" b="0" dirty="0" smtClean="0"/>
               <a:t>: </a:t>
             </a:r>
             <a:r>
-              <a:rPr lang="zh-CN" altLang="en-US" b="0" dirty="0"/>
-              <a:t>多点触摸、手势、加速计</a:t>
+              <a:rPr lang="zh-CN" altLang="en-US" b="0" dirty="0" smtClean="0"/>
+              <a:t>电话</a:t>
+            </a:r>
+            <a:r>
+              <a:rPr lang="zh-CN" altLang="en-US" b="0" dirty="0" smtClean="0"/>
+              <a:t>、</a:t>
+            </a:r>
+            <a:r>
+              <a:rPr lang="zh-CN" altLang="en-US" b="0" dirty="0" smtClean="0"/>
+              <a:t>短信</a:t>
+            </a:r>
+            <a:r>
+              <a:rPr lang="zh-CN" altLang="en-US" b="0" dirty="0" smtClean="0"/>
+              <a:t>、</a:t>
+            </a:r>
+            <a:r>
+              <a:rPr lang="zh-CN" altLang="en-US" b="0" dirty="0" smtClean="0"/>
+              <a:t>邮件系统功能</a:t>
             </a:r>
             <a:endParaRPr kumimoji="1" lang="zh-CN" altLang="en-US" dirty="0"/>
           </a:p>
@@ -8444,7 +8426,7 @@
         <p:spPr>
           <a:xfrm>
             <a:off x="251520" y="1340768"/>
-            <a:ext cx="8712968" cy="2831544"/>
+            <a:ext cx="8712968" cy="1723549"/>
           </a:xfrm>
           <a:prstGeom prst="rect">
             <a:avLst/>
@@ -8469,9 +8451,9 @@
             </a:pPr>
             <a:r>
               <a:rPr lang="zh-CN" altLang="en-US" sz="2400" dirty="0" smtClean="0"/>
-              <a:t>多点触摸</a:t>
-            </a:r>
-            <a:endParaRPr lang="zh-CN" altLang="en-US" sz="2400" dirty="0"/>
+              <a:t>电话</a:t>
+            </a:r>
+            <a:endParaRPr lang="zh-TW" altLang="en-US" sz="2400" dirty="0"/>
           </a:p>
           <a:p>
             <a:pPr marL="342900" indent="-342900">
@@ -8485,8 +8467,8 @@
               <a:buChar char="Ø"/>
             </a:pPr>
             <a:r>
-              <a:rPr lang="zh-TW" altLang="en-US" sz="2400" dirty="0" smtClean="0"/>
-              <a:t>手势</a:t>
+              <a:rPr lang="zh-CN" altLang="en-US" sz="2400" dirty="0" smtClean="0"/>
+              <a:t>短信</a:t>
             </a:r>
             <a:endParaRPr lang="zh-TW" altLang="en-US" sz="2400" dirty="0"/>
           </a:p>
@@ -8502,45 +8484,8 @@
               <a:buChar char="Ø"/>
             </a:pPr>
             <a:r>
-              <a:rPr lang="zh-TW" altLang="en-US" sz="2400" dirty="0" smtClean="0"/>
-              <a:t>运动</a:t>
-            </a:r>
-            <a:r>
-              <a:rPr lang="zh-TW" altLang="en-US" sz="2400" dirty="0"/>
-              <a:t>事件</a:t>
-            </a:r>
-          </a:p>
-          <a:p>
-            <a:pPr marL="342900" indent="-342900">
-              <a:lnSpc>
-                <a:spcPct val="150000"/>
-              </a:lnSpc>
-              <a:buClr>
-                <a:srgbClr val="00FFFF"/>
-              </a:buClr>
-              <a:buFont typeface="Wingdings" charset="2"/>
-              <a:buChar char="Ø"/>
-            </a:pPr>
-            <a:r>
-              <a:rPr lang="zh-TW" altLang="en-US" sz="2400" dirty="0" smtClean="0"/>
-              <a:t>加速计</a:t>
-            </a:r>
-            <a:endParaRPr lang="zh-TW" altLang="en-US" sz="2400" dirty="0"/>
-          </a:p>
-          <a:p>
-            <a:pPr marL="342900" indent="-342900">
-              <a:lnSpc>
-                <a:spcPct val="150000"/>
-              </a:lnSpc>
-              <a:buClr>
-                <a:srgbClr val="00FFFF"/>
-              </a:buClr>
-              <a:buFont typeface="Wingdings" charset="2"/>
-              <a:buChar char="Ø"/>
-            </a:pPr>
-            <a:r>
-              <a:rPr lang="zh-TW" altLang="en-US" sz="2400" dirty="0" smtClean="0"/>
-              <a:t>罗盘</a:t>
+              <a:rPr lang="zh-CN" altLang="en-US" sz="2400" dirty="0" smtClean="0"/>
+              <a:t>邮件</a:t>
             </a:r>
             <a:endParaRPr kumimoji="1" lang="zh-CN" altLang="en-US" sz="2400" dirty="0"/>
           </a:p>
@@ -8550,3820 +8495,6 @@
     <p:extLst>
       <p:ext uri="{BB962C8B-B14F-4D97-AF65-F5344CB8AC3E}">
         <p14:creationId xmlns:p14="http://schemas.microsoft.com/office/powerpoint/2010/main" val="2973930980"/>
-      </p:ext>
-    </p:extLst>
-  </p:cSld>
-  <p:clrMapOvr>
-    <a:masterClrMapping/>
-  </p:clrMapOvr>
-  <p:timing>
-    <p:tnLst>
-      <p:par>
-        <p:cTn xmlns:p14="http://schemas.microsoft.com/office/powerpoint/2010/main" id="1" dur="indefinite" restart="never" nodeType="tmRoot"/>
-      </p:par>
-    </p:tnLst>
-  </p:timing>
-</p:sld>
-</file>
-
-<file path=ppt/slides/slide10.xml><?xml version="1.0" encoding="utf-8"?>
-<p:sld xmlns:a="http://schemas.openxmlformats.org/drawingml/2006/main" xmlns:r="http://schemas.openxmlformats.org/officeDocument/2006/relationships" xmlns:p="http://schemas.openxmlformats.org/presentationml/2006/main">
-  <p:cSld>
-    <p:spTree>
-      <p:nvGrpSpPr>
-        <p:cNvPr id="1" name=""/>
-        <p:cNvGrpSpPr/>
-        <p:nvPr/>
-      </p:nvGrpSpPr>
-      <p:grpSpPr>
-        <a:xfrm>
-          <a:off x="0" y="0"/>
-          <a:ext cx="0" cy="0"/>
-          <a:chOff x="0" y="0"/>
-          <a:chExt cx="0" cy="0"/>
-        </a:xfrm>
-      </p:grpSpPr>
-      <p:sp>
-        <p:nvSpPr>
-          <p:cNvPr id="2" name="标题 1"/>
-          <p:cNvSpPr>
-            <a:spLocks noGrp="1"/>
-          </p:cNvSpPr>
-          <p:nvPr>
-            <p:ph type="title"/>
-          </p:nvPr>
-        </p:nvSpPr>
-        <p:spPr/>
-        <p:txBody>
-          <a:bodyPr>
-            <a:normAutofit fontScale="90000"/>
-          </a:bodyPr>
-          <a:lstStyle/>
-          <a:p>
-            <a:r>
-              <a:rPr lang="zh-CN" altLang="en-US" b="0" dirty="0"/>
-              <a:t>对子视图或层上的触摸动作进行触碰测试</a:t>
-            </a:r>
-            <a:endParaRPr kumimoji="1" lang="zh-CN" altLang="en-US" dirty="0"/>
-          </a:p>
-        </p:txBody>
-      </p:sp>
-      <p:sp>
-        <p:nvSpPr>
-          <p:cNvPr id="3" name="幻灯片编号占位符 2"/>
-          <p:cNvSpPr>
-            <a:spLocks noGrp="1"/>
-          </p:cNvSpPr>
-          <p:nvPr>
-            <p:ph type="sldNum" sz="quarter" idx="4"/>
-          </p:nvPr>
-        </p:nvSpPr>
-        <p:spPr/>
-        <p:txBody>
-          <a:bodyPr/>
-          <a:lstStyle/>
-          <a:p>
-            <a:fld id="{BF10DB53-D7D3-4DB6-A29F-40217B92EC88}" type="slidenum">
-              <a:rPr lang="en-US" smtClean="0"/>
-              <a:pPr/>
-              <a:t>9</a:t>
-            </a:fld>
-            <a:endParaRPr lang="en-US" dirty="0"/>
-          </a:p>
-        </p:txBody>
-      </p:sp>
-      <p:sp>
-        <p:nvSpPr>
-          <p:cNvPr id="5" name="文本框 4"/>
-          <p:cNvSpPr txBox="1"/>
-          <p:nvPr/>
-        </p:nvSpPr>
-        <p:spPr>
-          <a:xfrm>
-            <a:off x="179512" y="1268760"/>
-            <a:ext cx="8856984" cy="5144998"/>
-          </a:xfrm>
-          <a:prstGeom prst="rect">
-            <a:avLst/>
-          </a:prstGeom>
-          <a:noFill/>
-        </p:spPr>
-        <p:txBody>
-          <a:bodyPr wrap="square" rtlCol="0">
-            <a:spAutoFit/>
-          </a:bodyPr>
-          <a:lstStyle/>
-          <a:p>
-            <a:pPr>
-              <a:lnSpc>
-                <a:spcPct val="150000"/>
-              </a:lnSpc>
-            </a:pPr>
-            <a:r>
-              <a:rPr lang="zh-TW" altLang="en-US" sz="2000" dirty="0"/>
-              <a:t>定制视图可以用</a:t>
-            </a:r>
-            <a:r>
-              <a:rPr lang="en-US" altLang="zh-TW" sz="2000" dirty="0" err="1"/>
-              <a:t>UIView</a:t>
-            </a:r>
-            <a:r>
-              <a:rPr lang="zh-TW" altLang="en-US" sz="2000" dirty="0"/>
-              <a:t>的</a:t>
-            </a:r>
-            <a:r>
-              <a:rPr lang="en-US" altLang="zh-TW" sz="2000" dirty="0" err="1"/>
-              <a:t>hitTes</a:t>
-            </a:r>
-            <a:r>
-              <a:rPr lang="en-US" altLang="zh-TW" sz="2000" dirty="0"/>
-              <a:t> </a:t>
-            </a:r>
-            <a:r>
-              <a:rPr lang="en-US" altLang="zh-TW" sz="2000" dirty="0" err="1"/>
-              <a:t>t:withE</a:t>
-            </a:r>
-            <a:r>
-              <a:rPr lang="en-US" altLang="zh-TW" sz="2000" dirty="0"/>
-              <a:t> vent:</a:t>
-            </a:r>
-            <a:r>
-              <a:rPr lang="zh-TW" altLang="en-US" sz="2000" dirty="0"/>
-              <a:t>方法或</a:t>
-            </a:r>
-            <a:r>
-              <a:rPr lang="en-US" altLang="zh-TW" sz="2000" dirty="0" err="1"/>
-              <a:t>CALayer</a:t>
-            </a:r>
-            <a:r>
-              <a:rPr lang="zh-TW" altLang="en-US" sz="2000" dirty="0"/>
-              <a:t>的</a:t>
-            </a:r>
-            <a:r>
-              <a:rPr lang="en-US" altLang="zh-TW" sz="2000" dirty="0" err="1"/>
-              <a:t>hitTes</a:t>
-            </a:r>
-            <a:r>
-              <a:rPr lang="en-US" altLang="zh-TW" sz="2000" dirty="0"/>
-              <a:t> t:</a:t>
-            </a:r>
-            <a:r>
-              <a:rPr lang="zh-TW" altLang="en-US" sz="2000" dirty="0"/>
-              <a:t>方法来寻找接收触摸</a:t>
-            </a:r>
-            <a:r>
-              <a:rPr lang="zh-TW" altLang="en-US" sz="2000" dirty="0" smtClean="0"/>
-              <a:t>事件的子视图或层</a:t>
-            </a:r>
-            <a:r>
-              <a:rPr lang="zh-TW" altLang="en-US" sz="2000" dirty="0"/>
-              <a:t>，进而正确地处理事件。</a:t>
-            </a:r>
-          </a:p>
-          <a:p>
-            <a:pPr>
-              <a:lnSpc>
-                <a:spcPct val="150000"/>
-              </a:lnSpc>
-            </a:pPr>
-            <a:r>
-              <a:rPr lang="zh-TW" altLang="en-US" sz="2000" dirty="0"/>
-              <a:t>下面的例子用于检测定制视图的层中的“</a:t>
-            </a:r>
-            <a:r>
-              <a:rPr lang="en-US" altLang="zh-TW" sz="2000" dirty="0"/>
-              <a:t>Info” </a:t>
-            </a:r>
-            <a:r>
-              <a:rPr lang="zh-TW" altLang="en-US" sz="2000" dirty="0"/>
-              <a:t>图像是否被触碰。</a:t>
-            </a:r>
-          </a:p>
-          <a:p>
-            <a:pPr>
-              <a:lnSpc>
-                <a:spcPct val="150000"/>
-              </a:lnSpc>
-            </a:pPr>
-            <a:r>
-              <a:rPr lang="en-US" altLang="zh-CN" sz="2000" dirty="0"/>
-              <a:t>- (void)</a:t>
-            </a:r>
-            <a:r>
-              <a:rPr lang="en-US" altLang="zh-CN" sz="2000" dirty="0" err="1"/>
-              <a:t>touchesEnded</a:t>
-            </a:r>
-            <a:r>
-              <a:rPr lang="en-US" altLang="zh-CN" sz="2000" dirty="0"/>
-              <a:t>:(</a:t>
-            </a:r>
-            <a:r>
-              <a:rPr lang="en-US" altLang="zh-CN" sz="2000" dirty="0" err="1"/>
-              <a:t>NSSet</a:t>
-            </a:r>
-            <a:r>
-              <a:rPr lang="en-US" altLang="zh-CN" sz="2000" dirty="0"/>
-              <a:t>*)touches </a:t>
-            </a:r>
-            <a:r>
-              <a:rPr lang="en-US" altLang="zh-CN" sz="2000" dirty="0" err="1"/>
-              <a:t>withEvent</a:t>
-            </a:r>
-            <a:r>
-              <a:rPr lang="en-US" altLang="zh-CN" sz="2000" dirty="0"/>
-              <a:t>:(</a:t>
-            </a:r>
-            <a:r>
-              <a:rPr lang="en-US" altLang="zh-CN" sz="2000" dirty="0" err="1"/>
-              <a:t>UIEvent</a:t>
-            </a:r>
-            <a:r>
-              <a:rPr lang="en-US" altLang="zh-CN" sz="2000" dirty="0"/>
-              <a:t>*)event {</a:t>
-            </a:r>
-          </a:p>
-          <a:p>
-            <a:pPr lvl="1">
-              <a:lnSpc>
-                <a:spcPct val="150000"/>
-              </a:lnSpc>
-            </a:pPr>
-            <a:r>
-              <a:rPr lang="en-US" altLang="zh-CN" sz="2000" dirty="0" err="1"/>
-              <a:t>CGPoint</a:t>
-            </a:r>
-            <a:r>
-              <a:rPr lang="en-US" altLang="zh-CN" sz="2000" dirty="0"/>
-              <a:t> location = [[touches </a:t>
-            </a:r>
-            <a:r>
-              <a:rPr lang="en-US" altLang="zh-CN" sz="2000" dirty="0" err="1"/>
-              <a:t>anyObject</a:t>
-            </a:r>
-            <a:r>
-              <a:rPr lang="en-US" altLang="zh-CN" sz="2000" dirty="0"/>
-              <a:t>] </a:t>
-            </a:r>
-            <a:r>
-              <a:rPr lang="en-US" altLang="zh-CN" sz="2000" dirty="0" err="1"/>
-              <a:t>locationInView:self</a:t>
-            </a:r>
-            <a:r>
-              <a:rPr lang="en-US" altLang="zh-CN" sz="2000" dirty="0"/>
-              <a:t>];</a:t>
-            </a:r>
-          </a:p>
-          <a:p>
-            <a:pPr lvl="1">
-              <a:lnSpc>
-                <a:spcPct val="150000"/>
-              </a:lnSpc>
-            </a:pPr>
-            <a:r>
-              <a:rPr lang="en-US" altLang="zh-CN" sz="2000" dirty="0" err="1"/>
-              <a:t>CALayer</a:t>
-            </a:r>
-            <a:r>
-              <a:rPr lang="en-US" altLang="zh-CN" sz="2000" dirty="0"/>
-              <a:t> *</a:t>
-            </a:r>
-            <a:r>
-              <a:rPr lang="en-US" altLang="zh-CN" sz="2000" dirty="0" err="1"/>
-              <a:t>hitLayer</a:t>
-            </a:r>
-            <a:r>
-              <a:rPr lang="en-US" altLang="zh-CN" sz="2000" dirty="0"/>
-              <a:t> = [[self layer] </a:t>
-            </a:r>
-            <a:r>
-              <a:rPr lang="en-US" altLang="zh-CN" sz="2000" dirty="0" err="1"/>
-              <a:t>hitTest</a:t>
-            </a:r>
-            <a:r>
-              <a:rPr lang="en-US" altLang="zh-CN" sz="2000" dirty="0"/>
-              <a:t>:[self</a:t>
-            </a:r>
-          </a:p>
-          <a:p>
-            <a:pPr lvl="1">
-              <a:lnSpc>
-                <a:spcPct val="150000"/>
-              </a:lnSpc>
-            </a:pPr>
-            <a:r>
-              <a:rPr lang="en-US" altLang="zh-CN" sz="2000" dirty="0" err="1"/>
-              <a:t>convertPoint:location</a:t>
-            </a:r>
-            <a:r>
-              <a:rPr lang="en-US" altLang="zh-CN" sz="2000" dirty="0"/>
-              <a:t> </a:t>
-            </a:r>
-            <a:r>
-              <a:rPr lang="en-US" altLang="zh-CN" sz="2000" dirty="0" err="1"/>
-              <a:t>fromView:nil</a:t>
-            </a:r>
-            <a:r>
-              <a:rPr lang="en-US" altLang="zh-CN" sz="2000" dirty="0"/>
-              <a:t>]];</a:t>
-            </a:r>
-          </a:p>
-          <a:p>
-            <a:pPr lvl="1">
-              <a:lnSpc>
-                <a:spcPct val="150000"/>
-              </a:lnSpc>
-            </a:pPr>
-            <a:r>
-              <a:rPr lang="en-US" altLang="zh-CN" sz="2000" dirty="0"/>
-              <a:t>if (</a:t>
-            </a:r>
-            <a:r>
-              <a:rPr lang="en-US" altLang="zh-CN" sz="2000" dirty="0" err="1"/>
-              <a:t>hitLayer</a:t>
-            </a:r>
-            <a:r>
-              <a:rPr lang="en-US" altLang="zh-CN" sz="2000" dirty="0"/>
-              <a:t> == </a:t>
-            </a:r>
-            <a:r>
-              <a:rPr lang="en-US" altLang="zh-CN" sz="2000" dirty="0" err="1"/>
-              <a:t>infoImage</a:t>
-            </a:r>
-            <a:r>
-              <a:rPr lang="en-US" altLang="zh-CN" sz="2000" dirty="0"/>
-              <a:t>) {</a:t>
-            </a:r>
-          </a:p>
-          <a:p>
-            <a:pPr lvl="2">
-              <a:lnSpc>
-                <a:spcPct val="150000"/>
-              </a:lnSpc>
-            </a:pPr>
-            <a:r>
-              <a:rPr lang="en-US" altLang="zh-CN" sz="2000" dirty="0"/>
-              <a:t>[self </a:t>
-            </a:r>
-            <a:r>
-              <a:rPr lang="en-US" altLang="zh-CN" sz="2000" dirty="0" err="1"/>
-              <a:t>displayInfo</a:t>
-            </a:r>
-            <a:r>
-              <a:rPr lang="en-US" altLang="zh-CN" sz="2000" dirty="0"/>
-              <a:t>];</a:t>
-            </a:r>
-          </a:p>
-          <a:p>
-            <a:pPr lvl="1">
-              <a:lnSpc>
-                <a:spcPct val="150000"/>
-              </a:lnSpc>
-            </a:pPr>
-            <a:r>
-              <a:rPr lang="en-US" altLang="zh-CN" sz="2000" dirty="0"/>
-              <a:t>}</a:t>
-            </a:r>
-          </a:p>
-          <a:p>
-            <a:pPr>
-              <a:lnSpc>
-                <a:spcPct val="150000"/>
-              </a:lnSpc>
-            </a:pPr>
-            <a:r>
-              <a:rPr lang="en-US" altLang="zh-CN" sz="2000" dirty="0"/>
-              <a:t>}</a:t>
-            </a:r>
-            <a:endParaRPr kumimoji="1" lang="zh-CN" altLang="en-US" sz="2000" dirty="0"/>
-          </a:p>
-        </p:txBody>
-      </p:sp>
-    </p:spTree>
-    <p:extLst>
-      <p:ext uri="{BB962C8B-B14F-4D97-AF65-F5344CB8AC3E}">
-        <p14:creationId xmlns:p14="http://schemas.microsoft.com/office/powerpoint/2010/main" val="50024812"/>
-      </p:ext>
-    </p:extLst>
-  </p:cSld>
-  <p:clrMapOvr>
-    <a:masterClrMapping/>
-  </p:clrMapOvr>
-  <p:timing>
-    <p:tnLst>
-      <p:par>
-        <p:cTn xmlns:p14="http://schemas.microsoft.com/office/powerpoint/2010/main" id="1" dur="indefinite" restart="never" nodeType="tmRoot"/>
-      </p:par>
-    </p:tnLst>
-  </p:timing>
-</p:sld>
-</file>
-
-<file path=ppt/slides/slide11.xml><?xml version="1.0" encoding="utf-8"?>
-<p:sld xmlns:a="http://schemas.openxmlformats.org/drawingml/2006/main" xmlns:r="http://schemas.openxmlformats.org/officeDocument/2006/relationships" xmlns:p="http://schemas.openxmlformats.org/presentationml/2006/main">
-  <p:cSld>
-    <p:spTree>
-      <p:nvGrpSpPr>
-        <p:cNvPr id="1" name=""/>
-        <p:cNvGrpSpPr/>
-        <p:nvPr/>
-      </p:nvGrpSpPr>
-      <p:grpSpPr>
-        <a:xfrm>
-          <a:off x="0" y="0"/>
-          <a:ext cx="0" cy="0"/>
-          <a:chOff x="0" y="0"/>
-          <a:chExt cx="0" cy="0"/>
-        </a:xfrm>
-      </p:grpSpPr>
-      <p:sp>
-        <p:nvSpPr>
-          <p:cNvPr id="2" name="标题 1"/>
-          <p:cNvSpPr>
-            <a:spLocks noGrp="1"/>
-          </p:cNvSpPr>
-          <p:nvPr>
-            <p:ph type="title"/>
-          </p:nvPr>
-        </p:nvSpPr>
-        <p:spPr/>
-        <p:txBody>
-          <a:bodyPr/>
-          <a:lstStyle/>
-          <a:p>
-            <a:r>
-              <a:rPr lang="zh-CN" altLang="en-US" b="0" dirty="0"/>
-              <a:t>多点触摸案例 </a:t>
-            </a:r>
-            <a:r>
-              <a:rPr lang="en-US" altLang="zh-CN" b="0" dirty="0"/>
-              <a:t>1</a:t>
-            </a:r>
-            <a:endParaRPr kumimoji="1" lang="zh-CN" altLang="en-US" dirty="0"/>
-          </a:p>
-        </p:txBody>
-      </p:sp>
-      <p:sp>
-        <p:nvSpPr>
-          <p:cNvPr id="3" name="幻灯片编号占位符 2"/>
-          <p:cNvSpPr>
-            <a:spLocks noGrp="1"/>
-          </p:cNvSpPr>
-          <p:nvPr>
-            <p:ph type="sldNum" sz="quarter" idx="4"/>
-          </p:nvPr>
-        </p:nvSpPr>
-        <p:spPr/>
-        <p:txBody>
-          <a:bodyPr/>
-          <a:lstStyle/>
-          <a:p>
-            <a:fld id="{BF10DB53-D7D3-4DB6-A29F-40217B92EC88}" type="slidenum">
-              <a:rPr lang="en-US" smtClean="0"/>
-              <a:pPr/>
-              <a:t>10</a:t>
-            </a:fld>
-            <a:endParaRPr lang="en-US" dirty="0"/>
-          </a:p>
-        </p:txBody>
-      </p:sp>
-      <p:sp>
-        <p:nvSpPr>
-          <p:cNvPr id="5" name="文本框 4"/>
-          <p:cNvSpPr txBox="1"/>
-          <p:nvPr/>
-        </p:nvSpPr>
-        <p:spPr>
-          <a:xfrm>
-            <a:off x="107504" y="1196752"/>
-            <a:ext cx="8856984" cy="5479963"/>
-          </a:xfrm>
-          <a:prstGeom prst="rect">
-            <a:avLst/>
-          </a:prstGeom>
-          <a:noFill/>
-        </p:spPr>
-        <p:txBody>
-          <a:bodyPr wrap="square" rtlCol="0">
-            <a:spAutoFit/>
-          </a:bodyPr>
-          <a:lstStyle/>
-          <a:p>
-            <a:pPr>
-              <a:lnSpc>
-                <a:spcPct val="130000"/>
-              </a:lnSpc>
-            </a:pPr>
-            <a:r>
-              <a:rPr lang="en-US" altLang="zh-CN" dirty="0"/>
-              <a:t>@implementation </a:t>
-            </a:r>
-            <a:r>
-              <a:rPr lang="en-US" altLang="zh-CN" dirty="0" err="1"/>
-              <a:t>TestBedViewController</a:t>
-            </a:r>
-            <a:endParaRPr lang="en-US" altLang="zh-CN" dirty="0"/>
-          </a:p>
-          <a:p>
-            <a:pPr>
-              <a:lnSpc>
-                <a:spcPct val="130000"/>
-              </a:lnSpc>
-            </a:pPr>
-            <a:r>
-              <a:rPr lang="en-US" altLang="zh-CN" dirty="0"/>
-              <a:t>- (void) </a:t>
-            </a:r>
-            <a:r>
-              <a:rPr lang="en-US" altLang="zh-CN" dirty="0" err="1"/>
-              <a:t>viewDidLoad</a:t>
-            </a:r>
-            <a:r>
-              <a:rPr lang="en-US" altLang="zh-CN" dirty="0"/>
-              <a:t>{</a:t>
-            </a:r>
-          </a:p>
-          <a:p>
-            <a:pPr lvl="1">
-              <a:lnSpc>
-                <a:spcPct val="130000"/>
-              </a:lnSpc>
-            </a:pPr>
-            <a:r>
-              <a:rPr lang="en-US" altLang="zh-CN" dirty="0" err="1"/>
-              <a:t>self.navigationController.navigationBar.tintColor</a:t>
-            </a:r>
-            <a:r>
-              <a:rPr lang="en-US" altLang="zh-CN" dirty="0"/>
-              <a:t> = COOKBOOK_PURPLE_COLOR;</a:t>
-            </a:r>
-          </a:p>
-          <a:p>
-            <a:pPr lvl="1">
-              <a:lnSpc>
-                <a:spcPct val="130000"/>
-              </a:lnSpc>
-            </a:pPr>
-            <a:r>
-              <a:rPr lang="en-US" altLang="zh-CN" dirty="0" err="1"/>
-              <a:t>self.view.userInteractionEnabled</a:t>
-            </a:r>
-            <a:r>
-              <a:rPr lang="en-US" altLang="zh-CN" dirty="0"/>
-              <a:t> = YES;</a:t>
-            </a:r>
-          </a:p>
-          <a:p>
-            <a:pPr lvl="1">
-              <a:lnSpc>
-                <a:spcPct val="130000"/>
-              </a:lnSpc>
-            </a:pPr>
-            <a:r>
-              <a:rPr lang="en-US" altLang="zh-CN" dirty="0" err="1"/>
-              <a:t>self.title</a:t>
-            </a:r>
-            <a:r>
-              <a:rPr lang="en-US" altLang="zh-CN" dirty="0"/>
-              <a:t> = @"</a:t>
-            </a:r>
-            <a:r>
-              <a:rPr lang="en-US" altLang="zh-CN" dirty="0" err="1"/>
-              <a:t>Multitouch</a:t>
-            </a:r>
-            <a:r>
-              <a:rPr lang="en-US" altLang="zh-CN" dirty="0"/>
-              <a:t>";</a:t>
-            </a:r>
-          </a:p>
-          <a:p>
-            <a:pPr lvl="1">
-              <a:lnSpc>
-                <a:spcPct val="130000"/>
-              </a:lnSpc>
-            </a:pPr>
-            <a:r>
-              <a:rPr lang="en-US" altLang="zh-CN" dirty="0" err="1"/>
-              <a:t>TouchView</a:t>
-            </a:r>
-            <a:r>
-              <a:rPr lang="en-US" altLang="zh-CN" dirty="0"/>
-              <a:t> *</a:t>
-            </a:r>
-            <a:r>
-              <a:rPr lang="en-US" altLang="zh-CN" dirty="0" err="1"/>
-              <a:t>tv</a:t>
-            </a:r>
-            <a:r>
-              <a:rPr lang="en-US" altLang="zh-CN" dirty="0"/>
-              <a:t> = [[</a:t>
-            </a:r>
-            <a:r>
-              <a:rPr lang="en-US" altLang="zh-CN" dirty="0" err="1"/>
-              <a:t>TouchView</a:t>
-            </a:r>
-            <a:r>
-              <a:rPr lang="en-US" altLang="zh-CN" dirty="0"/>
-              <a:t> </a:t>
-            </a:r>
-            <a:r>
-              <a:rPr lang="en-US" altLang="zh-CN" dirty="0" err="1"/>
-              <a:t>alloc</a:t>
-            </a:r>
-            <a:r>
-              <a:rPr lang="en-US" altLang="zh-CN" dirty="0"/>
-              <a:t>] </a:t>
-            </a:r>
-            <a:r>
-              <a:rPr lang="en-US" altLang="zh-CN" dirty="0" err="1"/>
-              <a:t>initWithFrame:CGRectMake</a:t>
-            </a:r>
-            <a:r>
-              <a:rPr lang="en-US" altLang="zh-CN" dirty="0"/>
-              <a:t>(0.0f, 0.0f, 320.0f, 280.0f)]; //</a:t>
-            </a:r>
-            <a:r>
-              <a:rPr lang="zh-CN" altLang="en-US" dirty="0"/>
-              <a:t>参考下一</a:t>
-            </a:r>
-            <a:r>
-              <a:rPr lang="en-US" altLang="zh-CN" dirty="0" err="1"/>
-              <a:t>ppt</a:t>
-            </a:r>
-            <a:endParaRPr lang="en-US" altLang="zh-CN" dirty="0"/>
-          </a:p>
-          <a:p>
-            <a:pPr lvl="1">
-              <a:lnSpc>
-                <a:spcPct val="130000"/>
-              </a:lnSpc>
-            </a:pPr>
-            <a:r>
-              <a:rPr lang="en-US" altLang="zh-CN" dirty="0" err="1"/>
-              <a:t>tv.backgroundColor</a:t>
-            </a:r>
-            <a:r>
-              <a:rPr lang="en-US" altLang="zh-CN" dirty="0"/>
-              <a:t> = [</a:t>
-            </a:r>
-            <a:r>
-              <a:rPr lang="en-US" altLang="zh-CN" dirty="0" err="1"/>
-              <a:t>UIColor</a:t>
-            </a:r>
-            <a:r>
-              <a:rPr lang="en-US" altLang="zh-CN" dirty="0"/>
-              <a:t> </a:t>
-            </a:r>
-            <a:r>
-              <a:rPr lang="en-US" altLang="zh-CN" dirty="0" err="1"/>
-              <a:t>blackColor</a:t>
-            </a:r>
-            <a:r>
-              <a:rPr lang="en-US" altLang="zh-CN" dirty="0"/>
-              <a:t>];</a:t>
-            </a:r>
-          </a:p>
-          <a:p>
-            <a:pPr lvl="1">
-              <a:lnSpc>
-                <a:spcPct val="130000"/>
-              </a:lnSpc>
-            </a:pPr>
-            <a:r>
-              <a:rPr lang="en-US" altLang="zh-CN" dirty="0" err="1"/>
-              <a:t>tv.center</a:t>
-            </a:r>
-            <a:r>
-              <a:rPr lang="en-US" altLang="zh-CN" dirty="0"/>
-              <a:t> = </a:t>
-            </a:r>
-            <a:r>
-              <a:rPr lang="en-US" altLang="zh-CN" dirty="0" err="1"/>
-              <a:t>CGPointMake</a:t>
-            </a:r>
-            <a:r>
-              <a:rPr lang="en-US" altLang="zh-CN" dirty="0"/>
-              <a:t>(160.0f, 140.0f);</a:t>
-            </a:r>
-          </a:p>
-          <a:p>
-            <a:pPr lvl="1">
-              <a:lnSpc>
-                <a:spcPct val="130000"/>
-              </a:lnSpc>
-            </a:pPr>
-            <a:r>
-              <a:rPr lang="en-US" altLang="zh-CN" dirty="0"/>
-              <a:t>[</a:t>
-            </a:r>
-            <a:r>
-              <a:rPr lang="en-US" altLang="zh-CN" dirty="0" err="1"/>
-              <a:t>self.view</a:t>
-            </a:r>
-            <a:r>
-              <a:rPr lang="en-US" altLang="zh-CN" dirty="0"/>
-              <a:t> </a:t>
-            </a:r>
-            <a:r>
-              <a:rPr lang="en-US" altLang="zh-CN" dirty="0" err="1"/>
-              <a:t>addSubview:tv</a:t>
-            </a:r>
-            <a:r>
-              <a:rPr lang="en-US" altLang="zh-CN" dirty="0"/>
-              <a:t>];</a:t>
-            </a:r>
-          </a:p>
-          <a:p>
-            <a:pPr lvl="1">
-              <a:lnSpc>
-                <a:spcPct val="130000"/>
-              </a:lnSpc>
-            </a:pPr>
-            <a:r>
-              <a:rPr lang="en-US" altLang="zh-CN" dirty="0"/>
-              <a:t>[</a:t>
-            </a:r>
-            <a:r>
-              <a:rPr lang="en-US" altLang="zh-CN" dirty="0" err="1"/>
-              <a:t>tv</a:t>
-            </a:r>
-            <a:r>
-              <a:rPr lang="en-US" altLang="zh-CN" dirty="0"/>
-              <a:t> release];</a:t>
-            </a:r>
-          </a:p>
-          <a:p>
-            <a:pPr>
-              <a:lnSpc>
-                <a:spcPct val="130000"/>
-              </a:lnSpc>
-            </a:pPr>
-            <a:r>
-              <a:rPr lang="en-US" altLang="zh-CN" dirty="0"/>
-              <a:t>}</a:t>
-            </a:r>
-          </a:p>
-          <a:p>
-            <a:pPr>
-              <a:lnSpc>
-                <a:spcPct val="130000"/>
-              </a:lnSpc>
-            </a:pPr>
-            <a:r>
-              <a:rPr lang="en-US" altLang="zh-CN" dirty="0"/>
-              <a:t>@end</a:t>
-            </a:r>
-          </a:p>
-          <a:p>
-            <a:pPr>
-              <a:lnSpc>
-                <a:spcPct val="130000"/>
-              </a:lnSpc>
-            </a:pPr>
-            <a:r>
-              <a:rPr lang="en-US" altLang="zh-CN" dirty="0"/>
-              <a:t>* * </a:t>
-            </a:r>
-            <a:r>
-              <a:rPr lang="zh-CN" altLang="en-US" dirty="0"/>
-              <a:t>参考案例：</a:t>
-            </a:r>
-            <a:r>
-              <a:rPr lang="en-US" altLang="zh-CN" dirty="0" err="1"/>
-              <a:t>Mul</a:t>
-            </a:r>
-            <a:r>
-              <a:rPr lang="en-US" altLang="zh-CN" dirty="0"/>
-              <a:t> t </a:t>
-            </a:r>
-            <a:r>
-              <a:rPr lang="en-US" altLang="zh-CN" dirty="0" err="1"/>
-              <a:t>i</a:t>
-            </a:r>
-            <a:r>
-              <a:rPr lang="en-US" altLang="zh-CN" dirty="0"/>
-              <a:t> </a:t>
-            </a:r>
-            <a:r>
-              <a:rPr lang="en-US" altLang="zh-CN" dirty="0" err="1"/>
-              <a:t>pl</a:t>
-            </a:r>
-            <a:r>
-              <a:rPr lang="en-US" altLang="zh-CN" dirty="0"/>
-              <a:t> </a:t>
-            </a:r>
-            <a:r>
-              <a:rPr lang="en-US" altLang="zh-CN" dirty="0" err="1"/>
-              <a:t>eTouchDemo</a:t>
-            </a:r>
-            <a:endParaRPr kumimoji="1" lang="zh-CN" altLang="en-US" dirty="0">
-              <a:solidFill>
-                <a:schemeClr val="accent3"/>
-              </a:solidFill>
-            </a:endParaRPr>
-          </a:p>
-        </p:txBody>
-      </p:sp>
-    </p:spTree>
-    <p:extLst>
-      <p:ext uri="{BB962C8B-B14F-4D97-AF65-F5344CB8AC3E}">
-        <p14:creationId xmlns:p14="http://schemas.microsoft.com/office/powerpoint/2010/main" val="2579547572"/>
-      </p:ext>
-    </p:extLst>
-  </p:cSld>
-  <p:clrMapOvr>
-    <a:masterClrMapping/>
-  </p:clrMapOvr>
-  <p:timing>
-    <p:tnLst>
-      <p:par>
-        <p:cTn xmlns:p14="http://schemas.microsoft.com/office/powerpoint/2010/main" id="1" dur="indefinite" restart="never" nodeType="tmRoot"/>
-      </p:par>
-    </p:tnLst>
-  </p:timing>
-</p:sld>
-</file>
-
-<file path=ppt/slides/slide12.xml><?xml version="1.0" encoding="utf-8"?>
-<p:sld xmlns:a="http://schemas.openxmlformats.org/drawingml/2006/main" xmlns:r="http://schemas.openxmlformats.org/officeDocument/2006/relationships" xmlns:p="http://schemas.openxmlformats.org/presentationml/2006/main">
-  <p:cSld>
-    <p:spTree>
-      <p:nvGrpSpPr>
-        <p:cNvPr id="1" name=""/>
-        <p:cNvGrpSpPr/>
-        <p:nvPr/>
-      </p:nvGrpSpPr>
-      <p:grpSpPr>
-        <a:xfrm>
-          <a:off x="0" y="0"/>
-          <a:ext cx="0" cy="0"/>
-          <a:chOff x="0" y="0"/>
-          <a:chExt cx="0" cy="0"/>
-        </a:xfrm>
-      </p:grpSpPr>
-      <p:sp>
-        <p:nvSpPr>
-          <p:cNvPr id="2" name="标题 1"/>
-          <p:cNvSpPr>
-            <a:spLocks noGrp="1"/>
-          </p:cNvSpPr>
-          <p:nvPr>
-            <p:ph type="title"/>
-          </p:nvPr>
-        </p:nvSpPr>
-        <p:spPr/>
-        <p:txBody>
-          <a:bodyPr/>
-          <a:lstStyle/>
-          <a:p>
-            <a:r>
-              <a:rPr lang="zh-CN" altLang="en-US" b="0" dirty="0"/>
-              <a:t>多点触摸案例 </a:t>
-            </a:r>
-            <a:r>
-              <a:rPr lang="en-US" altLang="zh-CN" b="0" dirty="0"/>
-              <a:t>2</a:t>
-            </a:r>
-            <a:endParaRPr kumimoji="1" lang="zh-CN" altLang="en-US" dirty="0"/>
-          </a:p>
-        </p:txBody>
-      </p:sp>
-      <p:sp>
-        <p:nvSpPr>
-          <p:cNvPr id="3" name="幻灯片编号占位符 2"/>
-          <p:cNvSpPr>
-            <a:spLocks noGrp="1"/>
-          </p:cNvSpPr>
-          <p:nvPr>
-            <p:ph type="sldNum" sz="quarter" idx="4"/>
-          </p:nvPr>
-        </p:nvSpPr>
-        <p:spPr/>
-        <p:txBody>
-          <a:bodyPr/>
-          <a:lstStyle/>
-          <a:p>
-            <a:fld id="{BF10DB53-D7D3-4DB6-A29F-40217B92EC88}" type="slidenum">
-              <a:rPr lang="en-US" smtClean="0"/>
-              <a:pPr/>
-              <a:t>11</a:t>
-            </a:fld>
-            <a:endParaRPr lang="en-US" dirty="0"/>
-          </a:p>
-        </p:txBody>
-      </p:sp>
-      <p:sp>
-        <p:nvSpPr>
-          <p:cNvPr id="5" name="文本框 4"/>
-          <p:cNvSpPr txBox="1"/>
-          <p:nvPr/>
-        </p:nvSpPr>
-        <p:spPr>
-          <a:xfrm>
-            <a:off x="179512" y="1268760"/>
-            <a:ext cx="8856984" cy="5401481"/>
-          </a:xfrm>
-          <a:prstGeom prst="rect">
-            <a:avLst/>
-          </a:prstGeom>
-          <a:noFill/>
-        </p:spPr>
-        <p:txBody>
-          <a:bodyPr wrap="square" rtlCol="0">
-            <a:spAutoFit/>
-          </a:bodyPr>
-          <a:lstStyle/>
-          <a:p>
-            <a:pPr>
-              <a:lnSpc>
-                <a:spcPct val="120000"/>
-              </a:lnSpc>
-            </a:pPr>
-            <a:r>
-              <a:rPr lang="en-US" altLang="zh-CN" dirty="0"/>
-              <a:t>@interface </a:t>
-            </a:r>
-            <a:r>
-              <a:rPr lang="en-US" altLang="zh-CN" dirty="0" err="1"/>
-              <a:t>TouchView</a:t>
-            </a:r>
-            <a:r>
-              <a:rPr lang="en-US" altLang="zh-CN" dirty="0"/>
-              <a:t> : </a:t>
-            </a:r>
-            <a:r>
-              <a:rPr lang="en-US" altLang="zh-CN" dirty="0" err="1"/>
-              <a:t>UIView</a:t>
-            </a:r>
-            <a:r>
-              <a:rPr lang="en-US" altLang="zh-CN" dirty="0"/>
-              <a:t>{</a:t>
-            </a:r>
-          </a:p>
-          <a:p>
-            <a:pPr lvl="1">
-              <a:lnSpc>
-                <a:spcPct val="120000"/>
-              </a:lnSpc>
-            </a:pPr>
-            <a:r>
-              <a:rPr lang="en-US" altLang="zh-CN" dirty="0" err="1"/>
-              <a:t>NSArray</a:t>
-            </a:r>
-            <a:r>
-              <a:rPr lang="en-US" altLang="zh-CN" dirty="0"/>
-              <a:t> *points;</a:t>
-            </a:r>
-          </a:p>
-          <a:p>
-            <a:pPr>
-              <a:lnSpc>
-                <a:spcPct val="120000"/>
-              </a:lnSpc>
-            </a:pPr>
-            <a:r>
-              <a:rPr lang="en-US" altLang="zh-CN" dirty="0"/>
-              <a:t>}</a:t>
-            </a:r>
-          </a:p>
-          <a:p>
-            <a:pPr>
-              <a:lnSpc>
-                <a:spcPct val="120000"/>
-              </a:lnSpc>
-            </a:pPr>
-            <a:r>
-              <a:rPr lang="en-US" altLang="zh-CN" dirty="0"/>
-              <a:t>@property (retain) </a:t>
-            </a:r>
-            <a:r>
-              <a:rPr lang="en-US" altLang="zh-CN" dirty="0" err="1"/>
-              <a:t>NSArray</a:t>
-            </a:r>
-            <a:r>
-              <a:rPr lang="en-US" altLang="zh-CN" dirty="0"/>
-              <a:t> *points;</a:t>
-            </a:r>
-          </a:p>
-          <a:p>
-            <a:pPr>
-              <a:lnSpc>
-                <a:spcPct val="120000"/>
-              </a:lnSpc>
-            </a:pPr>
-            <a:r>
-              <a:rPr lang="en-US" altLang="zh-CN" dirty="0"/>
-              <a:t>@</a:t>
-            </a:r>
-            <a:r>
-              <a:rPr lang="en-US" altLang="zh-CN" dirty="0" smtClean="0"/>
-              <a:t>end</a:t>
-            </a:r>
-          </a:p>
-          <a:p>
-            <a:pPr>
-              <a:lnSpc>
-                <a:spcPct val="120000"/>
-              </a:lnSpc>
-            </a:pPr>
-            <a:endParaRPr lang="en-US" altLang="zh-CN" dirty="0"/>
-          </a:p>
-          <a:p>
-            <a:pPr>
-              <a:lnSpc>
-                <a:spcPct val="120000"/>
-              </a:lnSpc>
-            </a:pPr>
-            <a:r>
-              <a:rPr lang="en-US" altLang="zh-CN" dirty="0"/>
-              <a:t>@implementation </a:t>
-            </a:r>
-            <a:r>
-              <a:rPr lang="en-US" altLang="zh-CN" dirty="0" err="1"/>
-              <a:t>TouchView</a:t>
-            </a:r>
-            <a:endParaRPr lang="en-US" altLang="zh-CN" dirty="0"/>
-          </a:p>
-          <a:p>
-            <a:pPr>
-              <a:lnSpc>
-                <a:spcPct val="120000"/>
-              </a:lnSpc>
-            </a:pPr>
-            <a:r>
-              <a:rPr lang="en-US" altLang="zh-CN" dirty="0" smtClean="0"/>
-              <a:t>- </a:t>
-            </a:r>
-            <a:r>
-              <a:rPr lang="en-US" altLang="zh-CN" dirty="0"/>
-              <a:t>(BOOL) </a:t>
-            </a:r>
-            <a:r>
-              <a:rPr lang="en-US" altLang="zh-CN" dirty="0" err="1"/>
-              <a:t>isMultipleTouchEnabled</a:t>
-            </a:r>
-            <a:r>
-              <a:rPr lang="en-US" altLang="zh-CN" dirty="0"/>
-              <a:t> {return YES;} //</a:t>
-            </a:r>
-            <a:r>
-              <a:rPr lang="zh-CN" altLang="en-US" dirty="0"/>
-              <a:t>启用多点触摸支持</a:t>
-            </a:r>
-          </a:p>
-          <a:p>
-            <a:pPr>
-              <a:lnSpc>
-                <a:spcPct val="120000"/>
-              </a:lnSpc>
-            </a:pPr>
-            <a:r>
-              <a:rPr lang="en-US" altLang="zh-CN" dirty="0"/>
-              <a:t>- (void) </a:t>
-            </a:r>
-            <a:r>
-              <a:rPr lang="en-US" altLang="zh-CN" dirty="0" err="1"/>
-              <a:t>touchesBegan</a:t>
-            </a:r>
-            <a:r>
-              <a:rPr lang="en-US" altLang="zh-CN" dirty="0"/>
-              <a:t>:(</a:t>
-            </a:r>
-            <a:r>
-              <a:rPr lang="en-US" altLang="zh-CN" dirty="0" err="1"/>
-              <a:t>NSSet</a:t>
-            </a:r>
-            <a:r>
-              <a:rPr lang="en-US" altLang="zh-CN" dirty="0"/>
-              <a:t> *) touches </a:t>
-            </a:r>
-            <a:r>
-              <a:rPr lang="en-US" altLang="zh-CN" dirty="0" err="1"/>
-              <a:t>withEvent</a:t>
-            </a:r>
-            <a:r>
-              <a:rPr lang="en-US" altLang="zh-CN" dirty="0"/>
-              <a:t>: (</a:t>
-            </a:r>
-            <a:r>
-              <a:rPr lang="en-US" altLang="zh-CN" dirty="0" err="1"/>
-              <a:t>UIEvent</a:t>
-            </a:r>
-            <a:r>
-              <a:rPr lang="en-US" altLang="zh-CN" dirty="0"/>
-              <a:t> *) event{</a:t>
-            </a:r>
-          </a:p>
-          <a:p>
-            <a:pPr lvl="1">
-              <a:lnSpc>
-                <a:spcPct val="120000"/>
-              </a:lnSpc>
-            </a:pPr>
-            <a:r>
-              <a:rPr lang="en-US" altLang="zh-CN" dirty="0" err="1"/>
-              <a:t>self.points</a:t>
-            </a:r>
-            <a:r>
-              <a:rPr lang="en-US" altLang="zh-CN" dirty="0"/>
-              <a:t> = [touches </a:t>
-            </a:r>
-            <a:r>
-              <a:rPr lang="en-US" altLang="zh-CN" dirty="0" err="1"/>
-              <a:t>allObjects</a:t>
-            </a:r>
-            <a:r>
-              <a:rPr lang="en-US" altLang="zh-CN" dirty="0"/>
-              <a:t>];</a:t>
-            </a:r>
-          </a:p>
-          <a:p>
-            <a:pPr lvl="1">
-              <a:lnSpc>
-                <a:spcPct val="120000"/>
-              </a:lnSpc>
-            </a:pPr>
-            <a:r>
-              <a:rPr lang="en-US" altLang="zh-CN" dirty="0"/>
-              <a:t>[self </a:t>
-            </a:r>
-            <a:r>
-              <a:rPr lang="en-US" altLang="zh-CN" dirty="0" err="1"/>
-              <a:t>setNeedsDisplay</a:t>
-            </a:r>
-            <a:r>
-              <a:rPr lang="en-US" altLang="zh-CN" dirty="0"/>
-              <a:t>];</a:t>
-            </a:r>
-          </a:p>
-          <a:p>
-            <a:pPr>
-              <a:lnSpc>
-                <a:spcPct val="120000"/>
-              </a:lnSpc>
-            </a:pPr>
-            <a:r>
-              <a:rPr lang="en-US" altLang="zh-CN" dirty="0"/>
-              <a:t>}</a:t>
-            </a:r>
-          </a:p>
-          <a:p>
-            <a:pPr>
-              <a:lnSpc>
-                <a:spcPct val="120000"/>
-              </a:lnSpc>
-            </a:pPr>
-            <a:r>
-              <a:rPr lang="en-US" altLang="zh-CN" dirty="0"/>
-              <a:t>- (void) </a:t>
-            </a:r>
-            <a:r>
-              <a:rPr lang="en-US" altLang="zh-CN" dirty="0" err="1"/>
-              <a:t>touchesMoved</a:t>
-            </a:r>
-            <a:r>
-              <a:rPr lang="en-US" altLang="zh-CN" dirty="0"/>
-              <a:t>:(</a:t>
-            </a:r>
-            <a:r>
-              <a:rPr lang="en-US" altLang="zh-CN" dirty="0" err="1"/>
-              <a:t>NSSet</a:t>
-            </a:r>
-            <a:r>
-              <a:rPr lang="en-US" altLang="zh-CN" dirty="0"/>
-              <a:t> *) touches </a:t>
-            </a:r>
-            <a:r>
-              <a:rPr lang="en-US" altLang="zh-CN" dirty="0" err="1"/>
-              <a:t>withEvent</a:t>
-            </a:r>
-            <a:r>
-              <a:rPr lang="en-US" altLang="zh-CN" dirty="0"/>
-              <a:t>: (</a:t>
-            </a:r>
-            <a:r>
-              <a:rPr lang="en-US" altLang="zh-CN" dirty="0" err="1"/>
-              <a:t>UIEvent</a:t>
-            </a:r>
-            <a:r>
-              <a:rPr lang="en-US" altLang="zh-CN" dirty="0"/>
-              <a:t> *) event{</a:t>
-            </a:r>
-          </a:p>
-          <a:p>
-            <a:pPr lvl="1">
-              <a:lnSpc>
-                <a:spcPct val="120000"/>
-              </a:lnSpc>
-            </a:pPr>
-            <a:r>
-              <a:rPr lang="en-US" altLang="zh-CN" dirty="0" err="1"/>
-              <a:t>self.points</a:t>
-            </a:r>
-            <a:r>
-              <a:rPr lang="en-US" altLang="zh-CN" dirty="0"/>
-              <a:t> = [touches </a:t>
-            </a:r>
-            <a:r>
-              <a:rPr lang="en-US" altLang="zh-CN" dirty="0" err="1"/>
-              <a:t>allObjects</a:t>
-            </a:r>
-            <a:r>
-              <a:rPr lang="en-US" altLang="zh-CN" dirty="0"/>
-              <a:t>];</a:t>
-            </a:r>
-          </a:p>
-          <a:p>
-            <a:pPr lvl="1">
-              <a:lnSpc>
-                <a:spcPct val="120000"/>
-              </a:lnSpc>
-            </a:pPr>
-            <a:r>
-              <a:rPr lang="en-US" altLang="zh-CN" dirty="0"/>
-              <a:t>[self </a:t>
-            </a:r>
-            <a:r>
-              <a:rPr lang="en-US" altLang="zh-CN" dirty="0" err="1"/>
-              <a:t>setNeedsDisplay</a:t>
-            </a:r>
-            <a:r>
-              <a:rPr lang="en-US" altLang="zh-CN" dirty="0"/>
-              <a:t>];</a:t>
-            </a:r>
-          </a:p>
-          <a:p>
-            <a:pPr>
-              <a:lnSpc>
-                <a:spcPct val="120000"/>
-              </a:lnSpc>
-            </a:pPr>
-            <a:r>
-              <a:rPr lang="en-US" altLang="zh-CN" dirty="0"/>
-              <a:t>}</a:t>
-            </a:r>
-            <a:endParaRPr lang="en-US" altLang="zh-CN" dirty="0" smtClean="0"/>
-          </a:p>
-        </p:txBody>
-      </p:sp>
-    </p:spTree>
-    <p:extLst>
-      <p:ext uri="{BB962C8B-B14F-4D97-AF65-F5344CB8AC3E}">
-        <p14:creationId xmlns:p14="http://schemas.microsoft.com/office/powerpoint/2010/main" val="134255776"/>
-      </p:ext>
-    </p:extLst>
-  </p:cSld>
-  <p:clrMapOvr>
-    <a:masterClrMapping/>
-  </p:clrMapOvr>
-  <p:timing>
-    <p:tnLst>
-      <p:par>
-        <p:cTn xmlns:p14="http://schemas.microsoft.com/office/powerpoint/2010/main" id="1" dur="indefinite" restart="never" nodeType="tmRoot"/>
-      </p:par>
-    </p:tnLst>
-  </p:timing>
-</p:sld>
-</file>
-
-<file path=ppt/slides/slide13.xml><?xml version="1.0" encoding="utf-8"?>
-<p:sld xmlns:a="http://schemas.openxmlformats.org/drawingml/2006/main" xmlns:r="http://schemas.openxmlformats.org/officeDocument/2006/relationships" xmlns:p="http://schemas.openxmlformats.org/presentationml/2006/main">
-  <p:cSld>
-    <p:spTree>
-      <p:nvGrpSpPr>
-        <p:cNvPr id="1" name=""/>
-        <p:cNvGrpSpPr/>
-        <p:nvPr/>
-      </p:nvGrpSpPr>
-      <p:grpSpPr>
-        <a:xfrm>
-          <a:off x="0" y="0"/>
-          <a:ext cx="0" cy="0"/>
-          <a:chOff x="0" y="0"/>
-          <a:chExt cx="0" cy="0"/>
-        </a:xfrm>
-      </p:grpSpPr>
-      <p:sp>
-        <p:nvSpPr>
-          <p:cNvPr id="2" name="标题 1"/>
-          <p:cNvSpPr>
-            <a:spLocks noGrp="1"/>
-          </p:cNvSpPr>
-          <p:nvPr>
-            <p:ph type="title"/>
-          </p:nvPr>
-        </p:nvSpPr>
-        <p:spPr/>
-        <p:txBody>
-          <a:bodyPr/>
-          <a:lstStyle/>
-          <a:p>
-            <a:r>
-              <a:rPr lang="zh-CN" altLang="en-US" b="0" dirty="0"/>
-              <a:t>多点触摸案例 </a:t>
-            </a:r>
-            <a:r>
-              <a:rPr lang="en-US" altLang="zh-CN" b="0" dirty="0"/>
-              <a:t>3</a:t>
-            </a:r>
-            <a:endParaRPr kumimoji="1" lang="zh-CN" altLang="en-US" dirty="0"/>
-          </a:p>
-        </p:txBody>
-      </p:sp>
-      <p:sp>
-        <p:nvSpPr>
-          <p:cNvPr id="3" name="幻灯片编号占位符 2"/>
-          <p:cNvSpPr>
-            <a:spLocks noGrp="1"/>
-          </p:cNvSpPr>
-          <p:nvPr>
-            <p:ph type="sldNum" sz="quarter" idx="4"/>
-          </p:nvPr>
-        </p:nvSpPr>
-        <p:spPr/>
-        <p:txBody>
-          <a:bodyPr/>
-          <a:lstStyle/>
-          <a:p>
-            <a:fld id="{BF10DB53-D7D3-4DB6-A29F-40217B92EC88}" type="slidenum">
-              <a:rPr lang="en-US" smtClean="0"/>
-              <a:pPr/>
-              <a:t>12</a:t>
-            </a:fld>
-            <a:endParaRPr lang="en-US" dirty="0"/>
-          </a:p>
-        </p:txBody>
-      </p:sp>
-      <p:sp>
-        <p:nvSpPr>
-          <p:cNvPr id="5" name="文本框 4"/>
-          <p:cNvSpPr txBox="1"/>
-          <p:nvPr/>
-        </p:nvSpPr>
-        <p:spPr>
-          <a:xfrm>
-            <a:off x="179512" y="1268760"/>
-            <a:ext cx="8856984" cy="5521513"/>
-          </a:xfrm>
-          <a:prstGeom prst="rect">
-            <a:avLst/>
-          </a:prstGeom>
-          <a:noFill/>
-        </p:spPr>
-        <p:txBody>
-          <a:bodyPr wrap="square" rtlCol="0">
-            <a:spAutoFit/>
-          </a:bodyPr>
-          <a:lstStyle/>
-          <a:p>
-            <a:pPr>
-              <a:lnSpc>
-                <a:spcPct val="130000"/>
-              </a:lnSpc>
-            </a:pPr>
-            <a:r>
-              <a:rPr lang="en-US" altLang="zh-CN" sz="1600" dirty="0"/>
-              <a:t>- (void) </a:t>
-            </a:r>
-            <a:r>
-              <a:rPr lang="en-US" altLang="zh-CN" sz="1600" dirty="0" err="1"/>
-              <a:t>drawRect</a:t>
-            </a:r>
-            <a:r>
-              <a:rPr lang="en-US" altLang="zh-CN" sz="1600" dirty="0"/>
-              <a:t>: (</a:t>
-            </a:r>
-            <a:r>
-              <a:rPr lang="en-US" altLang="zh-CN" sz="1600" dirty="0" err="1"/>
-              <a:t>CGRect</a:t>
-            </a:r>
-            <a:r>
-              <a:rPr lang="en-US" altLang="zh-CN" sz="1600" dirty="0"/>
-              <a:t>) </a:t>
-            </a:r>
-            <a:r>
-              <a:rPr lang="en-US" altLang="zh-CN" sz="1600" dirty="0" err="1"/>
-              <a:t>rect</a:t>
-            </a:r>
-            <a:r>
-              <a:rPr lang="en-US" altLang="zh-CN" sz="1600" dirty="0"/>
-              <a:t>{</a:t>
-            </a:r>
-          </a:p>
-          <a:p>
-            <a:pPr>
-              <a:lnSpc>
-                <a:spcPct val="130000"/>
-              </a:lnSpc>
-            </a:pPr>
-            <a:r>
-              <a:rPr lang="en-US" altLang="zh-CN" sz="1600" dirty="0"/>
-              <a:t>if (!</a:t>
-            </a:r>
-            <a:r>
-              <a:rPr lang="en-US" altLang="zh-CN" sz="1600" dirty="0" err="1"/>
-              <a:t>self.points</a:t>
-            </a:r>
-            <a:r>
-              <a:rPr lang="en-US" altLang="zh-CN" sz="1600" dirty="0"/>
-              <a:t>) return; if (</a:t>
-            </a:r>
-            <a:r>
-              <a:rPr lang="en-US" altLang="zh-CN" sz="1600" dirty="0" err="1"/>
-              <a:t>self.points.count</a:t>
-            </a:r>
-            <a:r>
-              <a:rPr lang="en-US" altLang="zh-CN" sz="1600" dirty="0"/>
-              <a:t> &lt; 2) return;</a:t>
-            </a:r>
-          </a:p>
-          <a:p>
-            <a:pPr lvl="1">
-              <a:lnSpc>
-                <a:spcPct val="130000"/>
-              </a:lnSpc>
-            </a:pPr>
-            <a:r>
-              <a:rPr lang="en-US" altLang="zh-CN" sz="1600" dirty="0" err="1"/>
-              <a:t>CGContextRef</a:t>
-            </a:r>
-            <a:r>
-              <a:rPr lang="en-US" altLang="zh-CN" sz="1600" dirty="0"/>
-              <a:t> context = </a:t>
-            </a:r>
-            <a:r>
-              <a:rPr lang="en-US" altLang="zh-CN" sz="1600" dirty="0" err="1"/>
-              <a:t>UIGraphicsGetCurrentContext</a:t>
-            </a:r>
-            <a:r>
-              <a:rPr lang="en-US" altLang="zh-CN" sz="1600" dirty="0"/>
-              <a:t>();</a:t>
-            </a:r>
-          </a:p>
-          <a:p>
-            <a:pPr lvl="1">
-              <a:lnSpc>
-                <a:spcPct val="130000"/>
-              </a:lnSpc>
-            </a:pPr>
-            <a:r>
-              <a:rPr lang="en-US" altLang="zh-CN" sz="1600" dirty="0" err="1"/>
-              <a:t>CGContextSetLineWidth</a:t>
-            </a:r>
-            <a:r>
-              <a:rPr lang="en-US" altLang="zh-CN" sz="1600" dirty="0"/>
-              <a:t>(context, 4.0f); [[</a:t>
-            </a:r>
-            <a:r>
-              <a:rPr lang="en-US" altLang="zh-CN" sz="1600" dirty="0" err="1"/>
-              <a:t>UIColor</a:t>
-            </a:r>
-            <a:r>
-              <a:rPr lang="en-US" altLang="zh-CN" sz="1600" dirty="0"/>
-              <a:t> </a:t>
-            </a:r>
-            <a:r>
-              <a:rPr lang="en-US" altLang="zh-CN" sz="1600" dirty="0" err="1"/>
-              <a:t>redColor</a:t>
-            </a:r>
-            <a:r>
-              <a:rPr lang="en-US" altLang="zh-CN" sz="1600" dirty="0"/>
-              <a:t>] set];</a:t>
-            </a:r>
-          </a:p>
-          <a:p>
-            <a:pPr lvl="1">
-              <a:lnSpc>
-                <a:spcPct val="130000"/>
-              </a:lnSpc>
-            </a:pPr>
-            <a:r>
-              <a:rPr lang="en-US" altLang="zh-CN" sz="1600" dirty="0" err="1"/>
-              <a:t>CGPoint</a:t>
-            </a:r>
-            <a:r>
-              <a:rPr lang="en-US" altLang="zh-CN" sz="1600" dirty="0"/>
-              <a:t> pt1;</a:t>
-            </a:r>
-          </a:p>
-          <a:p>
-            <a:pPr lvl="1">
-              <a:lnSpc>
-                <a:spcPct val="130000"/>
-              </a:lnSpc>
-            </a:pPr>
-            <a:r>
-              <a:rPr lang="en-US" altLang="zh-CN" sz="1600" dirty="0"/>
-              <a:t>for (</a:t>
-            </a:r>
-            <a:r>
-              <a:rPr lang="en-US" altLang="zh-CN" sz="1600" dirty="0" err="1"/>
-              <a:t>int</a:t>
-            </a:r>
-            <a:r>
-              <a:rPr lang="en-US" altLang="zh-CN" sz="1600" dirty="0"/>
-              <a:t> </a:t>
-            </a:r>
-            <a:r>
-              <a:rPr lang="en-US" altLang="zh-CN" sz="1600" dirty="0" err="1"/>
-              <a:t>i</a:t>
-            </a:r>
-            <a:r>
-              <a:rPr lang="en-US" altLang="zh-CN" sz="1600" dirty="0"/>
-              <a:t> = 0; </a:t>
-            </a:r>
-            <a:r>
-              <a:rPr lang="en-US" altLang="zh-CN" sz="1600" dirty="0" err="1"/>
-              <a:t>i</a:t>
-            </a:r>
-            <a:r>
-              <a:rPr lang="en-US" altLang="zh-CN" sz="1600" dirty="0"/>
-              <a:t> &lt; </a:t>
-            </a:r>
-            <a:r>
-              <a:rPr lang="en-US" altLang="zh-CN" sz="1600" dirty="0" err="1"/>
-              <a:t>self.points.count</a:t>
-            </a:r>
-            <a:r>
-              <a:rPr lang="en-US" altLang="zh-CN" sz="1600" dirty="0"/>
-              <a:t>; </a:t>
-            </a:r>
-            <a:r>
-              <a:rPr lang="en-US" altLang="zh-CN" sz="1600" dirty="0" err="1"/>
-              <a:t>i</a:t>
-            </a:r>
-            <a:r>
-              <a:rPr lang="en-US" altLang="zh-CN" sz="1600" dirty="0"/>
-              <a:t>++){</a:t>
-            </a:r>
-          </a:p>
-          <a:p>
-            <a:pPr lvl="1">
-              <a:lnSpc>
-                <a:spcPct val="130000"/>
-              </a:lnSpc>
-            </a:pPr>
-            <a:r>
-              <a:rPr lang="en-US" altLang="zh-CN" sz="1600" dirty="0"/>
-              <a:t>pt1 = POINT(</a:t>
-            </a:r>
-            <a:r>
-              <a:rPr lang="en-US" altLang="zh-CN" sz="1600" dirty="0" err="1"/>
-              <a:t>i</a:t>
-            </a:r>
-            <a:r>
-              <a:rPr lang="en-US" altLang="zh-CN" sz="1600" dirty="0"/>
-              <a:t>);</a:t>
-            </a:r>
-          </a:p>
-          <a:p>
-            <a:pPr lvl="1">
-              <a:lnSpc>
-                <a:spcPct val="130000"/>
-              </a:lnSpc>
-            </a:pPr>
-            <a:r>
-              <a:rPr lang="en-US" altLang="zh-CN" sz="1600" dirty="0" err="1"/>
-              <a:t>CGRect</a:t>
-            </a:r>
-            <a:r>
-              <a:rPr lang="en-US" altLang="zh-CN" sz="1600" dirty="0"/>
-              <a:t> </a:t>
-            </a:r>
-            <a:r>
-              <a:rPr lang="en-US" altLang="zh-CN" sz="1600" dirty="0" err="1"/>
-              <a:t>rect</a:t>
-            </a:r>
-            <a:r>
-              <a:rPr lang="en-US" altLang="zh-CN" sz="1600" dirty="0"/>
-              <a:t> = </a:t>
-            </a:r>
-            <a:r>
-              <a:rPr lang="en-US" altLang="zh-CN" sz="1600" dirty="0" err="1"/>
-              <a:t>CGRectMake</a:t>
-            </a:r>
-            <a:r>
-              <a:rPr lang="en-US" altLang="zh-CN" sz="1600" dirty="0"/>
-              <a:t>(pt1.x - 20.0f, pt1.y - 20.0f, 40.0f, 40.0f);</a:t>
-            </a:r>
-          </a:p>
-          <a:p>
-            <a:pPr lvl="1">
-              <a:lnSpc>
-                <a:spcPct val="130000"/>
-              </a:lnSpc>
-            </a:pPr>
-            <a:r>
-              <a:rPr lang="en-US" altLang="zh-CN" sz="1600" dirty="0" err="1"/>
-              <a:t>CGContextFillEllipseInRect</a:t>
-            </a:r>
-            <a:r>
-              <a:rPr lang="en-US" altLang="zh-CN" sz="1600" dirty="0"/>
-              <a:t>(context, </a:t>
-            </a:r>
-            <a:r>
-              <a:rPr lang="en-US" altLang="zh-CN" sz="1600" dirty="0" err="1"/>
-              <a:t>rect</a:t>
-            </a:r>
-            <a:r>
-              <a:rPr lang="en-US" altLang="zh-CN" sz="1600" dirty="0"/>
-              <a:t>);</a:t>
-            </a:r>
-          </a:p>
-          <a:p>
-            <a:pPr>
-              <a:lnSpc>
-                <a:spcPct val="130000"/>
-              </a:lnSpc>
-            </a:pPr>
-            <a:r>
-              <a:rPr lang="en-US" altLang="zh-CN" sz="1600" dirty="0"/>
-              <a:t>}</a:t>
-            </a:r>
-          </a:p>
-          <a:p>
-            <a:pPr>
-              <a:lnSpc>
-                <a:spcPct val="130000"/>
-              </a:lnSpc>
-            </a:pPr>
-            <a:r>
-              <a:rPr lang="en-US" altLang="zh-CN" sz="1600" dirty="0" err="1"/>
-              <a:t>CGContextMoveToPoint</a:t>
-            </a:r>
-            <a:r>
-              <a:rPr lang="en-US" altLang="zh-CN" sz="1600" dirty="0"/>
-              <a:t>(context, pt1.x, pt1.y);</a:t>
-            </a:r>
-          </a:p>
-          <a:p>
-            <a:pPr>
-              <a:lnSpc>
-                <a:spcPct val="130000"/>
-              </a:lnSpc>
-            </a:pPr>
-            <a:r>
-              <a:rPr lang="en-US" altLang="zh-CN" sz="1600" dirty="0"/>
-              <a:t>pt1 = POINT(0);</a:t>
-            </a:r>
-          </a:p>
-          <a:p>
-            <a:pPr>
-              <a:lnSpc>
-                <a:spcPct val="130000"/>
-              </a:lnSpc>
-            </a:pPr>
-            <a:r>
-              <a:rPr lang="en-US" altLang="zh-CN" sz="1600" dirty="0"/>
-              <a:t>for (</a:t>
-            </a:r>
-            <a:r>
-              <a:rPr lang="en-US" altLang="zh-CN" sz="1600" dirty="0" err="1"/>
-              <a:t>int</a:t>
-            </a:r>
-            <a:r>
-              <a:rPr lang="en-US" altLang="zh-CN" sz="1600" dirty="0"/>
-              <a:t> </a:t>
-            </a:r>
-            <a:r>
-              <a:rPr lang="en-US" altLang="zh-CN" sz="1600" dirty="0" err="1"/>
-              <a:t>i</a:t>
-            </a:r>
-            <a:r>
-              <a:rPr lang="en-US" altLang="zh-CN" sz="1600" dirty="0"/>
-              <a:t> = 1; </a:t>
-            </a:r>
-            <a:r>
-              <a:rPr lang="en-US" altLang="zh-CN" sz="1600" dirty="0" err="1"/>
-              <a:t>i</a:t>
-            </a:r>
-            <a:r>
-              <a:rPr lang="en-US" altLang="zh-CN" sz="1600" dirty="0"/>
-              <a:t> &lt; </a:t>
-            </a:r>
-            <a:r>
-              <a:rPr lang="en-US" altLang="zh-CN" sz="1600" dirty="0" err="1"/>
-              <a:t>self.points.count</a:t>
-            </a:r>
-            <a:r>
-              <a:rPr lang="en-US" altLang="zh-CN" sz="1600" dirty="0"/>
-              <a:t>; </a:t>
-            </a:r>
-            <a:r>
-              <a:rPr lang="en-US" altLang="zh-CN" sz="1600" dirty="0" err="1"/>
-              <a:t>i</a:t>
-            </a:r>
-            <a:r>
-              <a:rPr lang="en-US" altLang="zh-CN" sz="1600" dirty="0"/>
-              <a:t>++){</a:t>
-            </a:r>
-          </a:p>
-          <a:p>
-            <a:pPr>
-              <a:lnSpc>
-                <a:spcPct val="130000"/>
-              </a:lnSpc>
-            </a:pPr>
-            <a:r>
-              <a:rPr lang="en-US" altLang="zh-CN" sz="1600" dirty="0"/>
-              <a:t>pt1 = POINT(</a:t>
-            </a:r>
-            <a:r>
-              <a:rPr lang="en-US" altLang="zh-CN" sz="1600" dirty="0" err="1"/>
-              <a:t>i</a:t>
-            </a:r>
-            <a:r>
-              <a:rPr lang="en-US" altLang="zh-CN" sz="1600" dirty="0"/>
-              <a:t> % </a:t>
-            </a:r>
-            <a:r>
-              <a:rPr lang="en-US" altLang="zh-CN" sz="1600" dirty="0" err="1"/>
-              <a:t>self.points.count</a:t>
-            </a:r>
-            <a:r>
-              <a:rPr lang="en-US" altLang="zh-CN" sz="1600" dirty="0"/>
-              <a:t>);</a:t>
-            </a:r>
-          </a:p>
-          <a:p>
-            <a:pPr>
-              <a:lnSpc>
-                <a:spcPct val="130000"/>
-              </a:lnSpc>
-            </a:pPr>
-            <a:r>
-              <a:rPr lang="en-US" altLang="zh-CN" sz="1600" dirty="0" err="1"/>
-              <a:t>CGPoint</a:t>
-            </a:r>
-            <a:r>
-              <a:rPr lang="en-US" altLang="zh-CN" sz="1600" dirty="0"/>
-              <a:t> pt2 = POINT((</a:t>
-            </a:r>
-            <a:r>
-              <a:rPr lang="en-US" altLang="zh-CN" sz="1600" dirty="0" err="1"/>
-              <a:t>i</a:t>
-            </a:r>
-            <a:r>
-              <a:rPr lang="en-US" altLang="zh-CN" sz="1600" dirty="0"/>
-              <a:t> + 1) % </a:t>
-            </a:r>
-            <a:r>
-              <a:rPr lang="en-US" altLang="zh-CN" sz="1600" dirty="0" err="1"/>
-              <a:t>self.points.count</a:t>
-            </a:r>
-            <a:r>
-              <a:rPr lang="en-US" altLang="zh-CN" sz="1600" dirty="0"/>
-              <a:t>);</a:t>
-            </a:r>
-          </a:p>
-          <a:p>
-            <a:pPr>
-              <a:lnSpc>
-                <a:spcPct val="130000"/>
-              </a:lnSpc>
-            </a:pPr>
-            <a:r>
-              <a:rPr lang="en-US" altLang="zh-CN" sz="1600" dirty="0" err="1"/>
-              <a:t>CGContextAddLineToPoint</a:t>
-            </a:r>
-            <a:r>
-              <a:rPr lang="en-US" altLang="zh-CN" sz="1600" dirty="0"/>
-              <a:t>(context, pt2.x, pt2.y);</a:t>
-            </a:r>
-          </a:p>
-          <a:p>
-            <a:pPr>
-              <a:lnSpc>
-                <a:spcPct val="130000"/>
-              </a:lnSpc>
-            </a:pPr>
-            <a:r>
-              <a:rPr lang="en-US" altLang="zh-CN" sz="1600" dirty="0"/>
-              <a:t>} </a:t>
-            </a:r>
-            <a:r>
-              <a:rPr lang="en-US" altLang="zh-CN" sz="1600" dirty="0" err="1"/>
-              <a:t>CGContextStrokePath</a:t>
-            </a:r>
-            <a:r>
-              <a:rPr lang="en-US" altLang="zh-CN" sz="1600" dirty="0"/>
-              <a:t>(context); }</a:t>
-            </a:r>
-            <a:endParaRPr kumimoji="1" lang="zh-CN" altLang="en-US" sz="1600" dirty="0"/>
-          </a:p>
-        </p:txBody>
-      </p:sp>
-    </p:spTree>
-    <p:extLst>
-      <p:ext uri="{BB962C8B-B14F-4D97-AF65-F5344CB8AC3E}">
-        <p14:creationId xmlns:p14="http://schemas.microsoft.com/office/powerpoint/2010/main" val="3016988711"/>
-      </p:ext>
-    </p:extLst>
-  </p:cSld>
-  <p:clrMapOvr>
-    <a:masterClrMapping/>
-  </p:clrMapOvr>
-  <p:timing>
-    <p:tnLst>
-      <p:par>
-        <p:cTn xmlns:p14="http://schemas.microsoft.com/office/powerpoint/2010/main" id="1" dur="indefinite" restart="never" nodeType="tmRoot"/>
-      </p:par>
-    </p:tnLst>
-  </p:timing>
-</p:sld>
-</file>
-
-<file path=ppt/slides/slide14.xml><?xml version="1.0" encoding="utf-8"?>
-<p:sld xmlns:a="http://schemas.openxmlformats.org/drawingml/2006/main" xmlns:r="http://schemas.openxmlformats.org/officeDocument/2006/relationships" xmlns:p="http://schemas.openxmlformats.org/presentationml/2006/main">
-  <p:cSld>
-    <p:spTree>
-      <p:nvGrpSpPr>
-        <p:cNvPr id="1" name=""/>
-        <p:cNvGrpSpPr/>
-        <p:nvPr/>
-      </p:nvGrpSpPr>
-      <p:grpSpPr>
-        <a:xfrm>
-          <a:off x="0" y="0"/>
-          <a:ext cx="0" cy="0"/>
-          <a:chOff x="0" y="0"/>
-          <a:chExt cx="0" cy="0"/>
-        </a:xfrm>
-      </p:grpSpPr>
-      <p:sp>
-        <p:nvSpPr>
-          <p:cNvPr id="2" name="标题 1"/>
-          <p:cNvSpPr>
-            <a:spLocks noGrp="1"/>
-          </p:cNvSpPr>
-          <p:nvPr>
-            <p:ph type="title"/>
-          </p:nvPr>
-        </p:nvSpPr>
-        <p:spPr/>
-        <p:txBody>
-          <a:bodyPr>
-            <a:normAutofit/>
-          </a:bodyPr>
-          <a:lstStyle/>
-          <a:p>
-            <a:r>
-              <a:rPr lang="zh-CN" altLang="en-US" b="0" dirty="0"/>
-              <a:t>手势案例</a:t>
-            </a:r>
-            <a:r>
-              <a:rPr lang="en-US" altLang="zh-CN" b="0" dirty="0"/>
-              <a:t>:</a:t>
-            </a:r>
-            <a:r>
-              <a:rPr lang="zh-CN" altLang="en-US" b="0" dirty="0"/>
-              <a:t>检测如下手势</a:t>
-            </a:r>
-            <a:endParaRPr kumimoji="1" lang="zh-CN" altLang="en-US" dirty="0"/>
-          </a:p>
-        </p:txBody>
-      </p:sp>
-      <p:sp>
-        <p:nvSpPr>
-          <p:cNvPr id="3" name="幻灯片编号占位符 2"/>
-          <p:cNvSpPr>
-            <a:spLocks noGrp="1"/>
-          </p:cNvSpPr>
-          <p:nvPr>
-            <p:ph type="sldNum" sz="quarter" idx="4"/>
-          </p:nvPr>
-        </p:nvSpPr>
-        <p:spPr/>
-        <p:txBody>
-          <a:bodyPr/>
-          <a:lstStyle/>
-          <a:p>
-            <a:fld id="{BF10DB53-D7D3-4DB6-A29F-40217B92EC88}" type="slidenum">
-              <a:rPr lang="en-US" smtClean="0"/>
-              <a:pPr/>
-              <a:t>13</a:t>
-            </a:fld>
-            <a:endParaRPr lang="en-US" dirty="0"/>
-          </a:p>
-        </p:txBody>
-      </p:sp>
-      <p:sp>
-        <p:nvSpPr>
-          <p:cNvPr id="5" name="文本框 4"/>
-          <p:cNvSpPr txBox="1"/>
-          <p:nvPr/>
-        </p:nvSpPr>
-        <p:spPr>
-          <a:xfrm>
-            <a:off x="287016" y="1268760"/>
-            <a:ext cx="8856984" cy="5047535"/>
-          </a:xfrm>
-          <a:prstGeom prst="rect">
-            <a:avLst/>
-          </a:prstGeom>
-          <a:noFill/>
-        </p:spPr>
-        <p:txBody>
-          <a:bodyPr wrap="square" rtlCol="0">
-            <a:spAutoFit/>
-          </a:bodyPr>
-          <a:lstStyle/>
-          <a:p>
-            <a:pPr marL="342900" indent="-342900">
-              <a:lnSpc>
-                <a:spcPct val="150000"/>
-              </a:lnSpc>
-              <a:buClr>
-                <a:srgbClr val="00FFFF"/>
-              </a:buClr>
-              <a:buFont typeface="Wingdings" charset="2"/>
-              <a:buChar char="Ø"/>
-            </a:pPr>
-            <a:r>
-              <a:rPr lang="zh-TW" altLang="en-US" sz="2400" dirty="0" smtClean="0"/>
-              <a:t>滑动</a:t>
-            </a:r>
-            <a:r>
-              <a:rPr lang="zh-TW" altLang="en-US" sz="2400" dirty="0"/>
-              <a:t>： </a:t>
-            </a:r>
-            <a:r>
-              <a:rPr lang="en-US" altLang="zh-TW" sz="2400" dirty="0"/>
-              <a:t>Swipes</a:t>
-            </a:r>
-          </a:p>
-          <a:p>
-            <a:pPr marL="800100" lvl="1" indent="-342900">
-              <a:lnSpc>
-                <a:spcPct val="150000"/>
-              </a:lnSpc>
-              <a:buClr>
-                <a:srgbClr val="00FFFF"/>
-              </a:buClr>
-              <a:buFont typeface="Wingdings" charset="2"/>
-              <a:buChar char="Ø"/>
-            </a:pPr>
-            <a:r>
-              <a:rPr lang="zh-CN" altLang="en-US" sz="2400" dirty="0" smtClean="0"/>
-              <a:t>单</a:t>
-            </a:r>
-            <a:r>
-              <a:rPr lang="zh-CN" altLang="en-US" sz="2400" dirty="0"/>
-              <a:t>一方向上的滑动，不能太过偏移初始方向</a:t>
-            </a:r>
-          </a:p>
-          <a:p>
-            <a:pPr marL="342900" indent="-342900">
-              <a:lnSpc>
-                <a:spcPct val="150000"/>
-              </a:lnSpc>
-              <a:buClr>
-                <a:srgbClr val="00FFFF"/>
-              </a:buClr>
-              <a:buFont typeface="Wingdings" charset="2"/>
-              <a:buChar char="Ø"/>
-            </a:pPr>
-            <a:r>
-              <a:rPr lang="zh-TW" altLang="en-US" sz="2400" dirty="0" smtClean="0"/>
-              <a:t>挤压或撑开</a:t>
-            </a:r>
-            <a:r>
-              <a:rPr lang="zh-TW" altLang="en-US" sz="2400" dirty="0"/>
-              <a:t>： </a:t>
-            </a:r>
-            <a:r>
-              <a:rPr lang="en-US" altLang="zh-TW" sz="2400" dirty="0"/>
-              <a:t>Pinches</a:t>
-            </a:r>
-          </a:p>
-          <a:p>
-            <a:pPr marL="800100" lvl="1" indent="-342900">
-              <a:lnSpc>
-                <a:spcPct val="150000"/>
-              </a:lnSpc>
-              <a:buClr>
-                <a:srgbClr val="00FFFF"/>
-              </a:buClr>
-              <a:buFont typeface="Wingdings" charset="2"/>
-              <a:buChar char="Ø"/>
-            </a:pPr>
-            <a:r>
-              <a:rPr lang="zh-CN" altLang="en-US" sz="2400" dirty="0" smtClean="0"/>
-              <a:t>两个手指一起移动或分开移动</a:t>
-            </a:r>
-            <a:endParaRPr lang="zh-CN" altLang="en-US" sz="2400" dirty="0"/>
-          </a:p>
-          <a:p>
-            <a:pPr marL="342900" indent="-342900">
-              <a:lnSpc>
-                <a:spcPct val="150000"/>
-              </a:lnSpc>
-              <a:buClr>
-                <a:srgbClr val="00FFFF"/>
-              </a:buClr>
-              <a:buFont typeface="Wingdings" charset="2"/>
-              <a:buChar char="Ø"/>
-            </a:pPr>
-            <a:r>
-              <a:rPr lang="zh-TW" altLang="en-US" sz="2400" dirty="0" smtClean="0"/>
-              <a:t>轻击</a:t>
-            </a:r>
-            <a:r>
-              <a:rPr lang="en-US" altLang="zh-TW" sz="2400" dirty="0"/>
-              <a:t>:Taps</a:t>
-            </a:r>
-          </a:p>
-          <a:p>
-            <a:pPr marL="342900" indent="-342900">
-              <a:lnSpc>
-                <a:spcPct val="150000"/>
-              </a:lnSpc>
-              <a:buClr>
-                <a:srgbClr val="00FFFF"/>
-              </a:buClr>
-              <a:buFont typeface="Wingdings" charset="2"/>
-              <a:buChar char="Ø"/>
-            </a:pPr>
-            <a:r>
-              <a:rPr lang="zh-CN" altLang="en-US" sz="2400" dirty="0" smtClean="0"/>
-              <a:t>双击</a:t>
-            </a:r>
-            <a:r>
-              <a:rPr lang="en-US" altLang="zh-CN" sz="2400" dirty="0"/>
-              <a:t>:Double-taps</a:t>
-            </a:r>
-          </a:p>
-          <a:p>
-            <a:pPr marL="342900" indent="-342900">
-              <a:lnSpc>
-                <a:spcPct val="150000"/>
-              </a:lnSpc>
-              <a:buClr>
-                <a:srgbClr val="00FFFF"/>
-              </a:buClr>
-              <a:buFont typeface="Wingdings" charset="2"/>
-              <a:buChar char="Ø"/>
-            </a:pPr>
-            <a:r>
-              <a:rPr lang="zh-CN" altLang="en-US" sz="2400" dirty="0" smtClean="0"/>
-              <a:t>拖动</a:t>
-            </a:r>
-            <a:r>
-              <a:rPr lang="en-US" altLang="zh-CN" sz="2400" dirty="0"/>
-              <a:t>:</a:t>
-            </a:r>
-            <a:r>
-              <a:rPr lang="en-US" altLang="zh-CN" sz="2400" dirty="0" smtClean="0"/>
-              <a:t>Drags</a:t>
-            </a:r>
-          </a:p>
-          <a:p>
-            <a:pPr>
-              <a:lnSpc>
-                <a:spcPct val="150000"/>
-              </a:lnSpc>
-              <a:buClr>
-                <a:srgbClr val="00FFFF"/>
-              </a:buClr>
-            </a:pPr>
-            <a:endParaRPr lang="en-US" altLang="zh-CN" sz="2400" dirty="0"/>
-          </a:p>
-          <a:p>
-            <a:pPr marL="342900" indent="-342900">
-              <a:lnSpc>
-                <a:spcPct val="150000"/>
-              </a:lnSpc>
-              <a:buClr>
-                <a:srgbClr val="00FFFF"/>
-              </a:buClr>
-              <a:buFont typeface="Wingdings" charset="2"/>
-              <a:buChar char="Ø"/>
-            </a:pPr>
-            <a:r>
-              <a:rPr lang="zh-CN" altLang="en-US" sz="2400" dirty="0" smtClean="0"/>
-              <a:t>参</a:t>
-            </a:r>
-            <a:r>
-              <a:rPr lang="zh-CN" altLang="en-US" sz="2400" dirty="0"/>
-              <a:t>考案例： </a:t>
-            </a:r>
-            <a:r>
-              <a:rPr lang="en-US" altLang="zh-CN" sz="2400" dirty="0" err="1"/>
-              <a:t>GestureDemo</a:t>
-            </a:r>
-            <a:endParaRPr kumimoji="1" lang="zh-CN" altLang="en-US" sz="2400" dirty="0">
-              <a:solidFill>
-                <a:srgbClr val="FFFF00"/>
-              </a:solidFill>
-            </a:endParaRPr>
-          </a:p>
-        </p:txBody>
-      </p:sp>
-    </p:spTree>
-    <p:extLst>
-      <p:ext uri="{BB962C8B-B14F-4D97-AF65-F5344CB8AC3E}">
-        <p14:creationId xmlns:p14="http://schemas.microsoft.com/office/powerpoint/2010/main" val="430010629"/>
-      </p:ext>
-    </p:extLst>
-  </p:cSld>
-  <p:clrMapOvr>
-    <a:masterClrMapping/>
-  </p:clrMapOvr>
-  <p:timing>
-    <p:tnLst>
-      <p:par>
-        <p:cTn xmlns:p14="http://schemas.microsoft.com/office/powerpoint/2010/main" id="1" dur="indefinite" restart="never" nodeType="tmRoot"/>
-      </p:par>
-    </p:tnLst>
-  </p:timing>
-</p:sld>
-</file>
-
-<file path=ppt/slides/slide15.xml><?xml version="1.0" encoding="utf-8"?>
-<p:sld xmlns:a="http://schemas.openxmlformats.org/drawingml/2006/main" xmlns:r="http://schemas.openxmlformats.org/officeDocument/2006/relationships" xmlns:p="http://schemas.openxmlformats.org/presentationml/2006/main">
-  <p:cSld>
-    <p:spTree>
-      <p:nvGrpSpPr>
-        <p:cNvPr id="1" name=""/>
-        <p:cNvGrpSpPr/>
-        <p:nvPr/>
-      </p:nvGrpSpPr>
-      <p:grpSpPr>
-        <a:xfrm>
-          <a:off x="0" y="0"/>
-          <a:ext cx="0" cy="0"/>
-          <a:chOff x="0" y="0"/>
-          <a:chExt cx="0" cy="0"/>
-        </a:xfrm>
-      </p:grpSpPr>
-      <p:sp>
-        <p:nvSpPr>
-          <p:cNvPr id="2" name="标题 1"/>
-          <p:cNvSpPr>
-            <a:spLocks noGrp="1"/>
-          </p:cNvSpPr>
-          <p:nvPr>
-            <p:ph type="title"/>
-          </p:nvPr>
-        </p:nvSpPr>
-        <p:spPr/>
-        <p:txBody>
-          <a:bodyPr/>
-          <a:lstStyle/>
-          <a:p>
-            <a:r>
-              <a:rPr lang="zh-CN" altLang="en-US" b="0" dirty="0"/>
-              <a:t>加速计</a:t>
-            </a:r>
-            <a:r>
-              <a:rPr lang="en-US" altLang="zh-CN" b="0" dirty="0"/>
-              <a:t>/GPS/</a:t>
-            </a:r>
-            <a:r>
-              <a:rPr lang="zh-CN" altLang="en-US" b="0" dirty="0"/>
-              <a:t>罗盘的作用</a:t>
-            </a:r>
-            <a:endParaRPr kumimoji="1" lang="zh-CN" altLang="en-US" dirty="0"/>
-          </a:p>
-        </p:txBody>
-      </p:sp>
-      <p:sp>
-        <p:nvSpPr>
-          <p:cNvPr id="3" name="幻灯片编号占位符 2"/>
-          <p:cNvSpPr>
-            <a:spLocks noGrp="1"/>
-          </p:cNvSpPr>
-          <p:nvPr>
-            <p:ph type="sldNum" sz="quarter" idx="4"/>
-          </p:nvPr>
-        </p:nvSpPr>
-        <p:spPr/>
-        <p:txBody>
-          <a:bodyPr/>
-          <a:lstStyle/>
-          <a:p>
-            <a:fld id="{BF10DB53-D7D3-4DB6-A29F-40217B92EC88}" type="slidenum">
-              <a:rPr lang="en-US" smtClean="0"/>
-              <a:pPr/>
-              <a:t>14</a:t>
-            </a:fld>
-            <a:endParaRPr lang="en-US" dirty="0"/>
-          </a:p>
-        </p:txBody>
-      </p:sp>
-      <p:sp>
-        <p:nvSpPr>
-          <p:cNvPr id="5" name="文本框 4"/>
-          <p:cNvSpPr txBox="1"/>
-          <p:nvPr/>
-        </p:nvSpPr>
-        <p:spPr>
-          <a:xfrm>
-            <a:off x="179512" y="1124744"/>
-            <a:ext cx="8856984" cy="5601532"/>
-          </a:xfrm>
-          <a:prstGeom prst="rect">
-            <a:avLst/>
-          </a:prstGeom>
-          <a:noFill/>
-        </p:spPr>
-        <p:txBody>
-          <a:bodyPr wrap="square" rtlCol="0">
-            <a:spAutoFit/>
-          </a:bodyPr>
-          <a:lstStyle/>
-          <a:p>
-            <a:pPr marL="342900" indent="-342900">
-              <a:lnSpc>
-                <a:spcPct val="150000"/>
-              </a:lnSpc>
-              <a:buClr>
-                <a:srgbClr val="00FFFF"/>
-              </a:buClr>
-              <a:buFont typeface="Wingdings" charset="2"/>
-              <a:buChar char="Ø"/>
-            </a:pPr>
-            <a:r>
-              <a:rPr lang="zh-TW" altLang="en-US" sz="2400" dirty="0" smtClean="0"/>
-              <a:t>加速计</a:t>
-            </a:r>
-            <a:endParaRPr lang="zh-TW" altLang="en-US" sz="2400" dirty="0"/>
-          </a:p>
-          <a:p>
-            <a:pPr marL="800100" lvl="1" indent="-342900">
-              <a:lnSpc>
-                <a:spcPct val="150000"/>
-              </a:lnSpc>
-              <a:buClr>
-                <a:srgbClr val="00FFFF"/>
-              </a:buClr>
-              <a:buFont typeface="Wingdings" charset="2"/>
-              <a:buChar char="Ø"/>
-            </a:pPr>
-            <a:r>
-              <a:rPr lang="en-US" altLang="zh-TW" sz="2400" dirty="0" smtClean="0"/>
-              <a:t>3</a:t>
-            </a:r>
-            <a:r>
-              <a:rPr lang="zh-TW" altLang="en-US" sz="2400" dirty="0"/>
-              <a:t>个加速计提供感知</a:t>
-            </a:r>
-            <a:r>
-              <a:rPr lang="en-US" altLang="zh-TW" sz="2400" dirty="0"/>
-              <a:t>3</a:t>
-            </a:r>
-            <a:r>
-              <a:rPr lang="zh-TW" altLang="en-US" sz="2400" dirty="0"/>
-              <a:t>维空间能力</a:t>
-            </a:r>
-          </a:p>
-          <a:p>
-            <a:pPr marL="800100" lvl="1" indent="-342900">
-              <a:lnSpc>
-                <a:spcPct val="150000"/>
-              </a:lnSpc>
-              <a:buClr>
-                <a:srgbClr val="00FFFF"/>
-              </a:buClr>
-              <a:buFont typeface="Wingdings" charset="2"/>
-              <a:buChar char="Ø"/>
-            </a:pPr>
-            <a:r>
-              <a:rPr lang="zh-TW" altLang="en-US" sz="2400" dirty="0" smtClean="0"/>
-              <a:t>确定设备</a:t>
-            </a:r>
-            <a:r>
-              <a:rPr lang="zh-TW" altLang="en-US" sz="2400" dirty="0"/>
-              <a:t>当前方向</a:t>
-            </a:r>
-          </a:p>
-          <a:p>
-            <a:pPr marL="800100" lvl="1" indent="-342900">
-              <a:lnSpc>
-                <a:spcPct val="150000"/>
-              </a:lnSpc>
-              <a:buClr>
-                <a:srgbClr val="00FFFF"/>
-              </a:buClr>
-              <a:buFont typeface="Wingdings" charset="2"/>
-              <a:buChar char="Ø"/>
-            </a:pPr>
-            <a:r>
-              <a:rPr lang="zh-TW" altLang="en-US" sz="2400" dirty="0" smtClean="0"/>
-              <a:t>感知</a:t>
-            </a:r>
-            <a:r>
-              <a:rPr lang="zh-TW" altLang="en-US" sz="2400" dirty="0"/>
-              <a:t>重力、移动、加速、手势</a:t>
-            </a:r>
-          </a:p>
-          <a:p>
-            <a:pPr marL="342900" indent="-342900">
-              <a:lnSpc>
-                <a:spcPct val="150000"/>
-              </a:lnSpc>
-              <a:buClr>
-                <a:srgbClr val="00FFFF"/>
-              </a:buClr>
-              <a:buFont typeface="Wingdings" charset="2"/>
-              <a:buChar char="Ø"/>
-            </a:pPr>
-            <a:r>
-              <a:rPr lang="en-US" altLang="zh-CHT" sz="2400" dirty="0" smtClean="0"/>
-              <a:t>GPS</a:t>
-            </a:r>
-            <a:r>
-              <a:rPr lang="zh-CHT" altLang="en-US" sz="2400" dirty="0"/>
-              <a:t>或仿</a:t>
-            </a:r>
-            <a:r>
-              <a:rPr lang="en-US" altLang="zh-CHT" sz="2400" dirty="0"/>
-              <a:t>GPS</a:t>
-            </a:r>
-          </a:p>
-          <a:p>
-            <a:pPr marL="800100" lvl="1" indent="-342900">
-              <a:lnSpc>
-                <a:spcPct val="150000"/>
-              </a:lnSpc>
-              <a:buClr>
-                <a:srgbClr val="00FFFF"/>
-              </a:buClr>
-              <a:buFont typeface="Wingdings" charset="2"/>
-              <a:buChar char="Ø"/>
-            </a:pPr>
-            <a:r>
-              <a:rPr lang="zh-CN" altLang="en-US" sz="2400" dirty="0" smtClean="0"/>
-              <a:t>提供</a:t>
-            </a:r>
-            <a:r>
-              <a:rPr lang="zh-CN" altLang="en-US" sz="2400" dirty="0"/>
-              <a:t>世界地理位置定位功能</a:t>
-            </a:r>
-          </a:p>
-          <a:p>
-            <a:pPr marL="342900" indent="-342900">
-              <a:lnSpc>
-                <a:spcPct val="150000"/>
-              </a:lnSpc>
-              <a:buClr>
-                <a:srgbClr val="00FFFF"/>
-              </a:buClr>
-              <a:buFont typeface="Wingdings" charset="2"/>
-              <a:buChar char="Ø"/>
-            </a:pPr>
-            <a:r>
-              <a:rPr lang="zh-TW" altLang="en-US" sz="2400" dirty="0" smtClean="0"/>
-              <a:t>罗盘</a:t>
-            </a:r>
-            <a:r>
-              <a:rPr lang="en-US" altLang="zh-TW" sz="2400" dirty="0"/>
-              <a:t>(</a:t>
-            </a:r>
-            <a:r>
-              <a:rPr lang="zh-TW" altLang="en-US" sz="2400" dirty="0"/>
-              <a:t>磁力计</a:t>
-            </a:r>
-            <a:r>
-              <a:rPr lang="en-US" altLang="zh-TW" sz="2400" dirty="0"/>
-              <a:t>)</a:t>
-            </a:r>
-          </a:p>
-          <a:p>
-            <a:pPr marL="800100" lvl="1" indent="-342900">
-              <a:lnSpc>
-                <a:spcPct val="150000"/>
-              </a:lnSpc>
-              <a:buClr>
-                <a:srgbClr val="00FFFF"/>
-              </a:buClr>
-              <a:buFont typeface="Wingdings" charset="2"/>
-              <a:buChar char="Ø"/>
-            </a:pPr>
-            <a:r>
-              <a:rPr lang="zh-CN" altLang="en-US" sz="2400" dirty="0" smtClean="0"/>
-              <a:t>通过</a:t>
-            </a:r>
-            <a:r>
-              <a:rPr lang="en-US" altLang="zh-CN" sz="2400" dirty="0">
-                <a:solidFill>
-                  <a:srgbClr val="FFFF00"/>
-                </a:solidFill>
-              </a:rPr>
-              <a:t>Core Location</a:t>
-            </a:r>
-            <a:r>
-              <a:rPr lang="zh-CN" altLang="en-US" sz="2400" dirty="0"/>
-              <a:t>的</a:t>
-            </a:r>
-            <a:r>
-              <a:rPr lang="en-US" altLang="zh-CN" sz="2400" dirty="0" err="1">
-                <a:solidFill>
-                  <a:srgbClr val="FFFF00"/>
-                </a:solidFill>
-              </a:rPr>
-              <a:t>CLHeading</a:t>
-            </a:r>
-            <a:r>
-              <a:rPr lang="zh-CN" altLang="en-US" sz="2400" dirty="0" smtClean="0"/>
-              <a:t>类你可以确定磁航向以及</a:t>
-            </a:r>
-            <a:r>
-              <a:rPr lang="zh-CN" altLang="en-US" sz="2400" dirty="0"/>
-              <a:t>真航向。</a:t>
-            </a:r>
-          </a:p>
-          <a:p>
-            <a:pPr marL="800100" lvl="1" indent="-342900">
-              <a:lnSpc>
-                <a:spcPct val="150000"/>
-              </a:lnSpc>
-              <a:buClr>
-                <a:srgbClr val="00FFFF"/>
-              </a:buClr>
-              <a:buFont typeface="Wingdings" charset="2"/>
-              <a:buChar char="Ø"/>
-            </a:pPr>
-            <a:r>
-              <a:rPr lang="en-US" altLang="zh-TW" sz="2400" dirty="0" smtClean="0"/>
-              <a:t>iPhone </a:t>
-            </a:r>
-            <a:r>
-              <a:rPr lang="en-US" altLang="zh-TW" sz="2400" dirty="0"/>
-              <a:t>3GS</a:t>
-            </a:r>
-            <a:r>
-              <a:rPr lang="zh-TW" altLang="en-US" sz="2400" dirty="0"/>
-              <a:t>之后才支持</a:t>
-            </a:r>
-            <a:endParaRPr kumimoji="1" lang="zh-CN" altLang="en-US" sz="2400" dirty="0">
-              <a:solidFill>
-                <a:srgbClr val="FFFF00"/>
-              </a:solidFill>
-            </a:endParaRPr>
-          </a:p>
-        </p:txBody>
-      </p:sp>
-    </p:spTree>
-    <p:extLst>
-      <p:ext uri="{BB962C8B-B14F-4D97-AF65-F5344CB8AC3E}">
-        <p14:creationId xmlns:p14="http://schemas.microsoft.com/office/powerpoint/2010/main" val="641622311"/>
-      </p:ext>
-    </p:extLst>
-  </p:cSld>
-  <p:clrMapOvr>
-    <a:masterClrMapping/>
-  </p:clrMapOvr>
-  <p:timing>
-    <p:tnLst>
-      <p:par>
-        <p:cTn xmlns:p14="http://schemas.microsoft.com/office/powerpoint/2010/main" id="1" dur="indefinite" restart="never" nodeType="tmRoot"/>
-      </p:par>
-    </p:tnLst>
-  </p:timing>
-</p:sld>
-</file>
-
-<file path=ppt/slides/slide16.xml><?xml version="1.0" encoding="utf-8"?>
-<p:sld xmlns:a="http://schemas.openxmlformats.org/drawingml/2006/main" xmlns:r="http://schemas.openxmlformats.org/officeDocument/2006/relationships" xmlns:p="http://schemas.openxmlformats.org/presentationml/2006/main">
-  <p:cSld>
-    <p:spTree>
-      <p:nvGrpSpPr>
-        <p:cNvPr id="1" name=""/>
-        <p:cNvGrpSpPr/>
-        <p:nvPr/>
-      </p:nvGrpSpPr>
-      <p:grpSpPr>
-        <a:xfrm>
-          <a:off x="0" y="0"/>
-          <a:ext cx="0" cy="0"/>
-          <a:chOff x="0" y="0"/>
-          <a:chExt cx="0" cy="0"/>
-        </a:xfrm>
-      </p:grpSpPr>
-      <p:sp>
-        <p:nvSpPr>
-          <p:cNvPr id="2" name="标题 1"/>
-          <p:cNvSpPr>
-            <a:spLocks noGrp="1"/>
-          </p:cNvSpPr>
-          <p:nvPr>
-            <p:ph type="title"/>
-          </p:nvPr>
-        </p:nvSpPr>
-        <p:spPr/>
-        <p:txBody>
-          <a:bodyPr/>
-          <a:lstStyle/>
-          <a:p>
-            <a:r>
-              <a:rPr lang="zh-CN" altLang="en-US" b="0" dirty="0"/>
-              <a:t>运动事件与加速计</a:t>
-            </a:r>
-            <a:r>
-              <a:rPr lang="en-US" altLang="zh-CN" b="0" dirty="0"/>
-              <a:t>1</a:t>
-            </a:r>
-            <a:endParaRPr kumimoji="1" lang="zh-CN" altLang="en-US" dirty="0"/>
-          </a:p>
-        </p:txBody>
-      </p:sp>
-      <p:sp>
-        <p:nvSpPr>
-          <p:cNvPr id="3" name="幻灯片编号占位符 2"/>
-          <p:cNvSpPr>
-            <a:spLocks noGrp="1"/>
-          </p:cNvSpPr>
-          <p:nvPr>
-            <p:ph type="sldNum" sz="quarter" idx="4"/>
-          </p:nvPr>
-        </p:nvSpPr>
-        <p:spPr/>
-        <p:txBody>
-          <a:bodyPr/>
-          <a:lstStyle/>
-          <a:p>
-            <a:fld id="{BF10DB53-D7D3-4DB6-A29F-40217B92EC88}" type="slidenum">
-              <a:rPr lang="en-US" smtClean="0"/>
-              <a:pPr/>
-              <a:t>15</a:t>
-            </a:fld>
-            <a:endParaRPr lang="en-US" dirty="0"/>
-          </a:p>
-        </p:txBody>
-      </p:sp>
-      <p:sp>
-        <p:nvSpPr>
-          <p:cNvPr id="5" name="文本框 4"/>
-          <p:cNvSpPr txBox="1"/>
-          <p:nvPr/>
-        </p:nvSpPr>
-        <p:spPr>
-          <a:xfrm>
-            <a:off x="107504" y="1196752"/>
-            <a:ext cx="8856984" cy="5047535"/>
-          </a:xfrm>
-          <a:prstGeom prst="rect">
-            <a:avLst/>
-          </a:prstGeom>
-          <a:noFill/>
-        </p:spPr>
-        <p:txBody>
-          <a:bodyPr wrap="square" rtlCol="0">
-            <a:spAutoFit/>
-          </a:bodyPr>
-          <a:lstStyle/>
-          <a:p>
-            <a:pPr marL="342900" indent="-342900">
-              <a:lnSpc>
-                <a:spcPct val="150000"/>
-              </a:lnSpc>
-              <a:buClr>
-                <a:srgbClr val="00FFFF"/>
-              </a:buClr>
-              <a:buFont typeface="Wingdings" charset="2"/>
-              <a:buChar char="Ø"/>
-            </a:pPr>
-            <a:r>
-              <a:rPr lang="zh-CN" altLang="en-US" sz="2400" dirty="0" smtClean="0"/>
-              <a:t>当用户以特定方式移动设备</a:t>
-            </a:r>
-            <a:r>
-              <a:rPr lang="zh-CN" altLang="en-US" sz="2400" dirty="0"/>
-              <a:t>，比如摇摆设备时，</a:t>
-            </a:r>
-            <a:r>
-              <a:rPr lang="en-US" altLang="zh-CN" sz="2400" dirty="0"/>
-              <a:t>iPhone</a:t>
-            </a:r>
-            <a:r>
-              <a:rPr lang="zh-CN" altLang="en-US" sz="2400" dirty="0"/>
-              <a:t>或者</a:t>
-            </a:r>
-            <a:r>
-              <a:rPr lang="en-US" altLang="zh-CN" sz="2400" dirty="0" err="1" smtClean="0"/>
-              <a:t>iPodtouch</a:t>
-            </a:r>
-            <a:r>
-              <a:rPr lang="zh-CN" altLang="en-US" sz="2400" dirty="0"/>
-              <a:t>会产生运动事件。</a:t>
-            </a:r>
-          </a:p>
-          <a:p>
-            <a:pPr marL="342900" indent="-342900">
-              <a:lnSpc>
-                <a:spcPct val="150000"/>
-              </a:lnSpc>
-              <a:buClr>
-                <a:srgbClr val="00FFFF"/>
-              </a:buClr>
-              <a:buFont typeface="Wingdings" charset="2"/>
-              <a:buChar char="Ø"/>
-            </a:pPr>
-            <a:r>
-              <a:rPr lang="zh-CN" altLang="en-US" sz="2400" dirty="0" smtClean="0"/>
-              <a:t>运动事件源自设备加速计</a:t>
-            </a:r>
-            <a:r>
-              <a:rPr lang="zh-CN" altLang="en-US" sz="2400" dirty="0"/>
-              <a:t>。</a:t>
-            </a:r>
-          </a:p>
-          <a:p>
-            <a:pPr marL="342900" indent="-342900">
-              <a:lnSpc>
-                <a:spcPct val="150000"/>
-              </a:lnSpc>
-              <a:buClr>
-                <a:srgbClr val="00FFFF"/>
-              </a:buClr>
-              <a:buFont typeface="Wingdings" charset="2"/>
-              <a:buChar char="Ø"/>
-            </a:pPr>
-            <a:r>
-              <a:rPr lang="zh-CN" altLang="en-US" sz="2400" dirty="0" smtClean="0"/>
-              <a:t>系统会对加速计</a:t>
-            </a:r>
-            <a:r>
-              <a:rPr lang="zh-CN" altLang="en-US" sz="2400" dirty="0"/>
-              <a:t>的数据进行计算，如果符合某种模式，</a:t>
-            </a:r>
-            <a:r>
-              <a:rPr lang="zh-CN" altLang="en-US" sz="2400" dirty="0" smtClean="0"/>
-              <a:t>就将它解释为手势</a:t>
-            </a:r>
-            <a:r>
-              <a:rPr lang="zh-CN" altLang="en-US" sz="2400" dirty="0"/>
-              <a:t>，然后创建一个代表该手势的</a:t>
-            </a:r>
-            <a:r>
-              <a:rPr lang="en-US" altLang="zh-CN" sz="2400" dirty="0"/>
-              <a:t>UIE vent</a:t>
-            </a:r>
-            <a:r>
-              <a:rPr lang="zh-CN" altLang="en-US" sz="2400" dirty="0"/>
-              <a:t>对象，</a:t>
-            </a:r>
-            <a:r>
-              <a:rPr lang="zh-CN" altLang="en-US" sz="2400" dirty="0" smtClean="0"/>
-              <a:t>并发送给当前活动</a:t>
-            </a:r>
-            <a:r>
-              <a:rPr lang="zh-CN" altLang="en-US" sz="2400" dirty="0"/>
-              <a:t>的应用程序进行处理。</a:t>
-            </a:r>
-          </a:p>
-          <a:p>
-            <a:pPr marL="342900" indent="-342900">
-              <a:lnSpc>
-                <a:spcPct val="150000"/>
-              </a:lnSpc>
-              <a:buClr>
-                <a:srgbClr val="00FFFF"/>
-              </a:buClr>
-              <a:buFont typeface="Wingdings" charset="2"/>
-              <a:buChar char="Ø"/>
-            </a:pPr>
-            <a:r>
-              <a:rPr lang="zh-CN" altLang="en-US" sz="2400" dirty="0" smtClean="0"/>
-              <a:t>应用程序及其键盘焦点窗口会将运动事件传递给窗口的第一响应者</a:t>
-            </a:r>
-            <a:r>
-              <a:rPr lang="zh-CN" altLang="en-US" sz="2400" dirty="0"/>
-              <a:t>。如果第一响应者不能处理，事件就沿着响应者链进行传递</a:t>
-            </a:r>
-            <a:r>
-              <a:rPr lang="zh-CN" altLang="en-US" sz="2400" dirty="0" smtClean="0"/>
-              <a:t>，直</a:t>
-            </a:r>
-            <a:r>
-              <a:rPr lang="zh-CN" altLang="en-US" sz="2400" dirty="0"/>
-              <a:t>到最终被处理或忽略，这和触摸事件的处理相类似</a:t>
-            </a:r>
-            <a:endParaRPr kumimoji="1" lang="zh-CN" altLang="en-US" sz="2400" dirty="0"/>
-          </a:p>
-        </p:txBody>
-      </p:sp>
-    </p:spTree>
-    <p:extLst>
-      <p:ext uri="{BB962C8B-B14F-4D97-AF65-F5344CB8AC3E}">
-        <p14:creationId xmlns:p14="http://schemas.microsoft.com/office/powerpoint/2010/main" val="2876222340"/>
-      </p:ext>
-    </p:extLst>
-  </p:cSld>
-  <p:clrMapOvr>
-    <a:masterClrMapping/>
-  </p:clrMapOvr>
-  <p:timing>
-    <p:tnLst>
-      <p:par>
-        <p:cTn xmlns:p14="http://schemas.microsoft.com/office/powerpoint/2010/main" id="1" dur="indefinite" restart="never" nodeType="tmRoot"/>
-      </p:par>
-    </p:tnLst>
-  </p:timing>
-</p:sld>
-</file>
-
-<file path=ppt/slides/slide17.xml><?xml version="1.0" encoding="utf-8"?>
-<p:sld xmlns:a="http://schemas.openxmlformats.org/drawingml/2006/main" xmlns:r="http://schemas.openxmlformats.org/officeDocument/2006/relationships" xmlns:p="http://schemas.openxmlformats.org/presentationml/2006/main">
-  <p:cSld>
-    <p:spTree>
-      <p:nvGrpSpPr>
-        <p:cNvPr id="1" name=""/>
-        <p:cNvGrpSpPr/>
-        <p:nvPr/>
-      </p:nvGrpSpPr>
-      <p:grpSpPr>
-        <a:xfrm>
-          <a:off x="0" y="0"/>
-          <a:ext cx="0" cy="0"/>
-          <a:chOff x="0" y="0"/>
-          <a:chExt cx="0" cy="0"/>
-        </a:xfrm>
-      </p:grpSpPr>
-      <p:sp>
-        <p:nvSpPr>
-          <p:cNvPr id="2" name="标题 1"/>
-          <p:cNvSpPr>
-            <a:spLocks noGrp="1"/>
-          </p:cNvSpPr>
-          <p:nvPr>
-            <p:ph type="title"/>
-          </p:nvPr>
-        </p:nvSpPr>
-        <p:spPr/>
-        <p:txBody>
-          <a:bodyPr/>
-          <a:lstStyle/>
-          <a:p>
-            <a:r>
-              <a:rPr lang="zh-CN" altLang="en-US" b="0" dirty="0"/>
-              <a:t>运动事件与加速计</a:t>
-            </a:r>
-            <a:r>
-              <a:rPr lang="en-US" altLang="zh-CN" b="0" dirty="0"/>
-              <a:t>2</a:t>
-            </a:r>
-            <a:endParaRPr kumimoji="1" lang="zh-CN" altLang="en-US" dirty="0"/>
-          </a:p>
-        </p:txBody>
-      </p:sp>
-      <p:sp>
-        <p:nvSpPr>
-          <p:cNvPr id="3" name="幻灯片编号占位符 2"/>
-          <p:cNvSpPr>
-            <a:spLocks noGrp="1"/>
-          </p:cNvSpPr>
-          <p:nvPr>
-            <p:ph type="sldNum" sz="quarter" idx="4"/>
-          </p:nvPr>
-        </p:nvSpPr>
-        <p:spPr/>
-        <p:txBody>
-          <a:bodyPr/>
-          <a:lstStyle/>
-          <a:p>
-            <a:fld id="{BF10DB53-D7D3-4DB6-A29F-40217B92EC88}" type="slidenum">
-              <a:rPr lang="en-US" smtClean="0"/>
-              <a:pPr/>
-              <a:t>16</a:t>
-            </a:fld>
-            <a:endParaRPr lang="en-US" dirty="0"/>
-          </a:p>
-        </p:txBody>
-      </p:sp>
-      <p:sp>
-        <p:nvSpPr>
-          <p:cNvPr id="5" name="文本框 4"/>
-          <p:cNvSpPr txBox="1"/>
-          <p:nvPr/>
-        </p:nvSpPr>
-        <p:spPr>
-          <a:xfrm>
-            <a:off x="107504" y="1340768"/>
-            <a:ext cx="8928992" cy="5047535"/>
-          </a:xfrm>
-          <a:prstGeom prst="rect">
-            <a:avLst/>
-          </a:prstGeom>
-          <a:noFill/>
-        </p:spPr>
-        <p:txBody>
-          <a:bodyPr wrap="square" rtlCol="0">
-            <a:spAutoFit/>
-          </a:bodyPr>
-          <a:lstStyle/>
-          <a:p>
-            <a:pPr marL="342900" indent="-342900">
-              <a:lnSpc>
-                <a:spcPct val="150000"/>
-              </a:lnSpc>
-              <a:buClr>
-                <a:srgbClr val="00FFFF"/>
-              </a:buClr>
-              <a:buFont typeface="Wingdings" charset="2"/>
-              <a:buChar char="Ø"/>
-            </a:pPr>
-            <a:r>
-              <a:rPr lang="zh-CN" altLang="en-US" sz="2400" dirty="0" smtClean="0"/>
-              <a:t>为了处理运动</a:t>
-            </a:r>
-            <a:r>
-              <a:rPr lang="zh-CN" altLang="en-US" sz="2400" dirty="0"/>
-              <a:t>事件， </a:t>
-            </a:r>
-            <a:r>
-              <a:rPr lang="en-US" altLang="zh-CN" sz="2400" dirty="0" err="1"/>
-              <a:t>UIResponder</a:t>
-            </a:r>
-            <a:r>
-              <a:rPr lang="en-US" altLang="zh-CN" sz="2400" dirty="0"/>
-              <a:t> </a:t>
-            </a:r>
-            <a:r>
-              <a:rPr lang="zh-CN" altLang="en-US" sz="2400" dirty="0" smtClean="0"/>
-              <a:t>的子类必须实现</a:t>
-            </a:r>
-            <a:r>
-              <a:rPr lang="en-US" altLang="zh-CN" sz="2400" dirty="0" err="1" smtClean="0"/>
-              <a:t>motionBegan:withEvent</a:t>
-            </a:r>
-            <a:r>
-              <a:rPr lang="en-US" altLang="zh-CN" sz="2400" dirty="0"/>
-              <a:t>:</a:t>
-            </a:r>
-            <a:r>
-              <a:rPr lang="zh-CN" altLang="en-US" sz="2400" dirty="0"/>
-              <a:t>或</a:t>
-            </a:r>
-            <a:r>
-              <a:rPr lang="en-US" altLang="zh-CN" sz="2400" dirty="0" err="1"/>
-              <a:t>motionEnded:withEvent</a:t>
-            </a:r>
-            <a:r>
-              <a:rPr lang="en-US" altLang="zh-CN" sz="2400" dirty="0"/>
-              <a:t>:</a:t>
-            </a:r>
-            <a:r>
-              <a:rPr lang="zh-CN" altLang="en-US" sz="2400" dirty="0"/>
-              <a:t>方法之一</a:t>
-            </a:r>
-            <a:r>
-              <a:rPr lang="zh-CN" altLang="en-US" sz="2400" dirty="0" smtClean="0"/>
-              <a:t>，或</a:t>
-            </a:r>
-            <a:r>
-              <a:rPr lang="zh-CN" altLang="en-US" sz="2400" dirty="0"/>
-              <a:t>者同时实现这两个方法。</a:t>
-            </a:r>
-          </a:p>
-          <a:p>
-            <a:pPr marL="342900" indent="-342900">
-              <a:lnSpc>
-                <a:spcPct val="150000"/>
-              </a:lnSpc>
-              <a:buClr>
-                <a:srgbClr val="00FFFF"/>
-              </a:buClr>
-              <a:buFont typeface="Wingdings" charset="2"/>
-              <a:buChar char="Ø"/>
-            </a:pPr>
-            <a:r>
-              <a:rPr lang="zh-CN" altLang="en-US" sz="2400" dirty="0" smtClean="0"/>
-              <a:t>举</a:t>
-            </a:r>
-            <a:r>
-              <a:rPr lang="zh-CN" altLang="en-US" sz="2400" dirty="0"/>
-              <a:t>例来说，如果用户希望赋以水平摆动和垂直摆动不同的意义</a:t>
-            </a:r>
-            <a:r>
-              <a:rPr lang="zh-CN" altLang="en-US" sz="2400" dirty="0" smtClean="0"/>
-              <a:t>，</a:t>
-            </a:r>
-            <a:r>
-              <a:rPr lang="zh-TW" altLang="en-US" sz="2400" dirty="0" smtClean="0"/>
-              <a:t>就可以在</a:t>
-            </a:r>
-            <a:r>
-              <a:rPr lang="en-US" altLang="zh-TW" sz="2400" dirty="0" err="1"/>
-              <a:t>motionBegan:withEvent</a:t>
-            </a:r>
-            <a:r>
-              <a:rPr lang="en-US" altLang="zh-TW" sz="2400" dirty="0"/>
-              <a:t>:</a:t>
-            </a:r>
-            <a:r>
-              <a:rPr lang="zh-TW" altLang="en-US" sz="2400" dirty="0"/>
-              <a:t>方法中将当前加速计轴</a:t>
-            </a:r>
-            <a:r>
-              <a:rPr lang="zh-TW" altLang="en-US" sz="2400" dirty="0" smtClean="0"/>
-              <a:t>的值缓存起</a:t>
-            </a:r>
-            <a:r>
-              <a:rPr lang="zh-TW" altLang="en-US" sz="2400" dirty="0"/>
-              <a:t>来，将它们与</a:t>
-            </a:r>
-            <a:r>
-              <a:rPr lang="en-US" altLang="zh-TW" sz="2400" dirty="0" err="1"/>
-              <a:t>motionEnded:withEvent</a:t>
-            </a:r>
-            <a:r>
-              <a:rPr lang="en-US" altLang="zh-TW" sz="2400" dirty="0"/>
-              <a:t>:</a:t>
-            </a:r>
-            <a:r>
-              <a:rPr lang="zh-TW" altLang="en-US" sz="2400" dirty="0"/>
-              <a:t>消息传入</a:t>
-            </a:r>
-            <a:r>
-              <a:rPr lang="zh-TW" altLang="en-US" sz="2400" dirty="0" smtClean="0"/>
-              <a:t>的值相比较</a:t>
-            </a:r>
-            <a:r>
-              <a:rPr lang="zh-TW" altLang="en-US" sz="2400" dirty="0"/>
-              <a:t>， 然后根据不同的结果进行动作。</a:t>
-            </a:r>
-          </a:p>
-          <a:p>
-            <a:pPr marL="342900" indent="-342900">
-              <a:lnSpc>
-                <a:spcPct val="150000"/>
-              </a:lnSpc>
-              <a:buClr>
-                <a:srgbClr val="00FFFF"/>
-              </a:buClr>
-              <a:buFont typeface="Wingdings" charset="2"/>
-              <a:buChar char="Ø"/>
-            </a:pPr>
-            <a:r>
-              <a:rPr lang="zh-TW" altLang="en-US" sz="2400" dirty="0" smtClean="0"/>
-              <a:t>响应</a:t>
-            </a:r>
-            <a:r>
-              <a:rPr lang="zh-TW" altLang="en-US" sz="2400" dirty="0"/>
-              <a:t>者还应该实现</a:t>
-            </a:r>
-            <a:r>
-              <a:rPr lang="en-US" altLang="zh-TW" sz="2400" dirty="0" err="1"/>
-              <a:t>motionCancelled:withEvent</a:t>
-            </a:r>
-            <a:r>
-              <a:rPr lang="en-US" altLang="zh-TW" sz="2400" dirty="0"/>
-              <a:t>:</a:t>
-            </a:r>
-            <a:r>
-              <a:rPr lang="zh-TW" altLang="en-US" sz="2400" dirty="0"/>
-              <a:t>方法，</a:t>
-            </a:r>
-            <a:r>
-              <a:rPr lang="zh-TW" altLang="en-US" sz="2400" dirty="0" smtClean="0"/>
-              <a:t>以便响应系统发</a:t>
-            </a:r>
-            <a:r>
-              <a:rPr lang="zh-TW" altLang="en-US" sz="2400" dirty="0"/>
-              <a:t>出的运动取消的事件。</a:t>
-            </a:r>
-            <a:endParaRPr kumimoji="1" lang="zh-CN" altLang="en-US" sz="2400" dirty="0">
-              <a:solidFill>
-                <a:srgbClr val="FFFF00"/>
-              </a:solidFill>
-            </a:endParaRPr>
-          </a:p>
-        </p:txBody>
-      </p:sp>
-    </p:spTree>
-    <p:extLst>
-      <p:ext uri="{BB962C8B-B14F-4D97-AF65-F5344CB8AC3E}">
-        <p14:creationId xmlns:p14="http://schemas.microsoft.com/office/powerpoint/2010/main" val="1106941421"/>
-      </p:ext>
-    </p:extLst>
-  </p:cSld>
-  <p:clrMapOvr>
-    <a:masterClrMapping/>
-  </p:clrMapOvr>
-  <p:timing>
-    <p:tnLst>
-      <p:par>
-        <p:cTn xmlns:p14="http://schemas.microsoft.com/office/powerpoint/2010/main" id="1" dur="indefinite" restart="never" nodeType="tmRoot"/>
-      </p:par>
-    </p:tnLst>
-  </p:timing>
-</p:sld>
-</file>
-
-<file path=ppt/slides/slide18.xml><?xml version="1.0" encoding="utf-8"?>
-<p:sld xmlns:a="http://schemas.openxmlformats.org/drawingml/2006/main" xmlns:r="http://schemas.openxmlformats.org/officeDocument/2006/relationships" xmlns:p="http://schemas.openxmlformats.org/presentationml/2006/main">
-  <p:cSld>
-    <p:spTree>
-      <p:nvGrpSpPr>
-        <p:cNvPr id="1" name=""/>
-        <p:cNvGrpSpPr/>
-        <p:nvPr/>
-      </p:nvGrpSpPr>
-      <p:grpSpPr>
-        <a:xfrm>
-          <a:off x="0" y="0"/>
-          <a:ext cx="0" cy="0"/>
-          <a:chOff x="0" y="0"/>
-          <a:chExt cx="0" cy="0"/>
-        </a:xfrm>
-      </p:grpSpPr>
-      <p:sp>
-        <p:nvSpPr>
-          <p:cNvPr id="2" name="标题 1"/>
-          <p:cNvSpPr>
-            <a:spLocks noGrp="1"/>
-          </p:cNvSpPr>
-          <p:nvPr>
-            <p:ph type="title"/>
-          </p:nvPr>
-        </p:nvSpPr>
-        <p:spPr/>
-        <p:txBody>
-          <a:bodyPr/>
-          <a:lstStyle/>
-          <a:p>
-            <a:r>
-              <a:rPr lang="zh-CN" altLang="en-US" b="0" dirty="0"/>
-              <a:t>运动事件案例 </a:t>
-            </a:r>
-            <a:r>
-              <a:rPr lang="en-US" altLang="zh-CN" b="0" dirty="0"/>
-              <a:t>1</a:t>
-            </a:r>
-            <a:endParaRPr kumimoji="1" lang="zh-CN" altLang="en-US" dirty="0"/>
-          </a:p>
-        </p:txBody>
-      </p:sp>
-      <p:sp>
-        <p:nvSpPr>
-          <p:cNvPr id="3" name="幻灯片编号占位符 2"/>
-          <p:cNvSpPr>
-            <a:spLocks noGrp="1"/>
-          </p:cNvSpPr>
-          <p:nvPr>
-            <p:ph type="sldNum" sz="quarter" idx="4"/>
-          </p:nvPr>
-        </p:nvSpPr>
-        <p:spPr/>
-        <p:txBody>
-          <a:bodyPr/>
-          <a:lstStyle/>
-          <a:p>
-            <a:fld id="{BF10DB53-D7D3-4DB6-A29F-40217B92EC88}" type="slidenum">
-              <a:rPr lang="en-US" smtClean="0"/>
-              <a:pPr/>
-              <a:t>17</a:t>
-            </a:fld>
-            <a:endParaRPr lang="en-US" dirty="0"/>
-          </a:p>
-        </p:txBody>
-      </p:sp>
-      <p:sp>
-        <p:nvSpPr>
-          <p:cNvPr id="5" name="文本框 4"/>
-          <p:cNvSpPr txBox="1"/>
-          <p:nvPr/>
-        </p:nvSpPr>
-        <p:spPr>
-          <a:xfrm>
-            <a:off x="107504" y="1340768"/>
-            <a:ext cx="8928992" cy="5252719"/>
-          </a:xfrm>
-          <a:prstGeom prst="rect">
-            <a:avLst/>
-          </a:prstGeom>
-          <a:noFill/>
-        </p:spPr>
-        <p:txBody>
-          <a:bodyPr wrap="square" rtlCol="0">
-            <a:spAutoFit/>
-          </a:bodyPr>
-          <a:lstStyle/>
-          <a:p>
-            <a:pPr>
-              <a:lnSpc>
-                <a:spcPct val="120000"/>
-              </a:lnSpc>
-            </a:pPr>
-            <a:r>
-              <a:rPr lang="en-US" altLang="zh-CN" sz="2000" dirty="0"/>
-              <a:t>//</a:t>
-            </a:r>
-            <a:r>
-              <a:rPr lang="zh-CN" altLang="en-US" sz="2000" dirty="0"/>
-              <a:t>设置是否能够成为第一响应者，运动事件会传递给第一响应者</a:t>
-            </a:r>
-          </a:p>
-          <a:p>
-            <a:pPr>
-              <a:lnSpc>
-                <a:spcPct val="120000"/>
-              </a:lnSpc>
-            </a:pPr>
-            <a:r>
-              <a:rPr lang="en-US" altLang="zh-CN" sz="2000" dirty="0"/>
-              <a:t>- (BOOL)</a:t>
-            </a:r>
-            <a:r>
-              <a:rPr lang="en-US" altLang="zh-CN" sz="2000" dirty="0" err="1"/>
-              <a:t>canBecomeFirstResponder</a:t>
-            </a:r>
-            <a:r>
-              <a:rPr lang="en-US" altLang="zh-CN" sz="2000" dirty="0"/>
-              <a:t> {</a:t>
-            </a:r>
-          </a:p>
-          <a:p>
-            <a:pPr lvl="1">
-              <a:lnSpc>
-                <a:spcPct val="120000"/>
-              </a:lnSpc>
-            </a:pPr>
-            <a:r>
-              <a:rPr lang="en-US" altLang="zh-CN" sz="2000" dirty="0"/>
-              <a:t>return YES;</a:t>
-            </a:r>
-          </a:p>
-          <a:p>
-            <a:pPr>
-              <a:lnSpc>
-                <a:spcPct val="120000"/>
-              </a:lnSpc>
-            </a:pPr>
-            <a:r>
-              <a:rPr lang="en-US" altLang="zh-CN" sz="2000" dirty="0"/>
-              <a:t>}</a:t>
-            </a:r>
-          </a:p>
-          <a:p>
-            <a:pPr>
-              <a:lnSpc>
-                <a:spcPct val="120000"/>
-              </a:lnSpc>
-            </a:pPr>
-            <a:r>
-              <a:rPr lang="en-US" altLang="zh-CN" sz="2000" dirty="0"/>
-              <a:t>- (void)</a:t>
-            </a:r>
-            <a:r>
-              <a:rPr lang="en-US" altLang="zh-CN" sz="2000" dirty="0" err="1"/>
-              <a:t>viewDidAppear</a:t>
-            </a:r>
-            <a:r>
-              <a:rPr lang="en-US" altLang="zh-CN" sz="2000" dirty="0"/>
-              <a:t>:(BOOL)animated {</a:t>
-            </a:r>
-          </a:p>
-          <a:p>
-            <a:pPr lvl="1">
-              <a:lnSpc>
-                <a:spcPct val="120000"/>
-              </a:lnSpc>
-            </a:pPr>
-            <a:r>
-              <a:rPr lang="en-US" altLang="zh-CN" sz="2000" dirty="0"/>
-              <a:t>[super </a:t>
-            </a:r>
-            <a:r>
-              <a:rPr lang="en-US" altLang="zh-CN" sz="2000" dirty="0" err="1"/>
-              <a:t>viewDidAppear:animated</a:t>
-            </a:r>
-            <a:r>
-              <a:rPr lang="en-US" altLang="zh-CN" sz="2000" dirty="0"/>
-              <a:t>];</a:t>
-            </a:r>
-          </a:p>
-          <a:p>
-            <a:pPr lvl="1">
-              <a:lnSpc>
-                <a:spcPct val="120000"/>
-              </a:lnSpc>
-            </a:pPr>
-            <a:r>
-              <a:rPr lang="en-US" altLang="zh-CN" sz="2000" dirty="0"/>
-              <a:t>//</a:t>
-            </a:r>
-            <a:r>
-              <a:rPr lang="zh-CN" altLang="en-US" sz="2000" dirty="0"/>
-              <a:t>成为第一响应者</a:t>
-            </a:r>
-          </a:p>
-          <a:p>
-            <a:pPr lvl="1">
-              <a:lnSpc>
-                <a:spcPct val="120000"/>
-              </a:lnSpc>
-            </a:pPr>
-            <a:r>
-              <a:rPr lang="en-US" altLang="zh-CN" sz="2000" dirty="0"/>
-              <a:t>[self </a:t>
-            </a:r>
-            <a:r>
-              <a:rPr lang="en-US" altLang="zh-CN" sz="2000" dirty="0" err="1"/>
-              <a:t>becomeFirstResponder</a:t>
-            </a:r>
-            <a:r>
-              <a:rPr lang="en-US" altLang="zh-CN" sz="2000" dirty="0"/>
-              <a:t>];</a:t>
-            </a:r>
-          </a:p>
-          <a:p>
-            <a:pPr>
-              <a:lnSpc>
-                <a:spcPct val="120000"/>
-              </a:lnSpc>
-            </a:pPr>
-            <a:r>
-              <a:rPr lang="en-US" altLang="zh-CN" sz="2000" dirty="0"/>
-              <a:t>}</a:t>
-            </a:r>
-          </a:p>
-          <a:p>
-            <a:pPr>
-              <a:lnSpc>
-                <a:spcPct val="120000"/>
-              </a:lnSpc>
-            </a:pPr>
-            <a:r>
-              <a:rPr lang="en-US" altLang="zh-CN" sz="2000" dirty="0"/>
-              <a:t>- (void)</a:t>
-            </a:r>
-            <a:r>
-              <a:rPr lang="en-US" altLang="zh-CN" sz="2000" dirty="0" err="1"/>
-              <a:t>viewWillDisappear</a:t>
-            </a:r>
-            <a:r>
-              <a:rPr lang="en-US" altLang="zh-CN" sz="2000" dirty="0"/>
-              <a:t>:(BOOL)animated {</a:t>
-            </a:r>
-          </a:p>
-          <a:p>
-            <a:pPr lvl="1">
-              <a:lnSpc>
-                <a:spcPct val="120000"/>
-              </a:lnSpc>
-            </a:pPr>
-            <a:r>
-              <a:rPr lang="en-US" altLang="zh-CN" sz="2000" dirty="0"/>
-              <a:t>[super </a:t>
-            </a:r>
-            <a:r>
-              <a:rPr lang="en-US" altLang="zh-CN" sz="2000" dirty="0" err="1"/>
-              <a:t>viewWillDisappear:animated</a:t>
-            </a:r>
-            <a:r>
-              <a:rPr lang="en-US" altLang="zh-CN" sz="2000" dirty="0"/>
-              <a:t>];</a:t>
-            </a:r>
-          </a:p>
-          <a:p>
-            <a:pPr lvl="1">
-              <a:lnSpc>
-                <a:spcPct val="120000"/>
-              </a:lnSpc>
-            </a:pPr>
-            <a:r>
-              <a:rPr lang="en-US" altLang="zh-CN" sz="2000" dirty="0"/>
-              <a:t>[self </a:t>
-            </a:r>
-            <a:r>
-              <a:rPr lang="en-US" altLang="zh-CN" sz="2000" dirty="0" err="1"/>
-              <a:t>resignFirstResponder</a:t>
-            </a:r>
-            <a:r>
-              <a:rPr lang="en-US" altLang="zh-CN" sz="2000" dirty="0"/>
-              <a:t>];</a:t>
-            </a:r>
-          </a:p>
-          <a:p>
-            <a:pPr>
-              <a:lnSpc>
-                <a:spcPct val="120000"/>
-              </a:lnSpc>
-            </a:pPr>
-            <a:r>
-              <a:rPr lang="en-US" altLang="zh-CN" sz="2000" dirty="0"/>
-              <a:t>}</a:t>
-            </a:r>
-          </a:p>
-          <a:p>
-            <a:pPr>
-              <a:lnSpc>
-                <a:spcPct val="120000"/>
-              </a:lnSpc>
-            </a:pPr>
-            <a:r>
-              <a:rPr lang="en-US" altLang="zh-CN" sz="2000" dirty="0">
-                <a:solidFill>
-                  <a:schemeClr val="accent4">
-                    <a:lumMod val="60000"/>
-                    <a:lumOff val="40000"/>
-                  </a:schemeClr>
-                </a:solidFill>
-              </a:rPr>
-              <a:t>● </a:t>
-            </a:r>
-            <a:r>
-              <a:rPr lang="zh-CN" altLang="en-US" sz="2000" dirty="0">
-                <a:solidFill>
-                  <a:schemeClr val="accent4">
-                    <a:lumMod val="60000"/>
-                    <a:lumOff val="40000"/>
-                  </a:schemeClr>
-                </a:solidFill>
-              </a:rPr>
-              <a:t>测试：打开模拟器</a:t>
-            </a:r>
-            <a:r>
-              <a:rPr lang="en-US" altLang="zh-CN" sz="2000" dirty="0">
-                <a:solidFill>
-                  <a:schemeClr val="accent4">
-                    <a:lumMod val="60000"/>
-                    <a:lumOff val="40000"/>
-                  </a:schemeClr>
-                </a:solidFill>
-              </a:rPr>
-              <a:t>-&gt;</a:t>
-            </a:r>
-            <a:r>
-              <a:rPr lang="zh-CN" altLang="en-US" sz="2000" dirty="0">
-                <a:solidFill>
-                  <a:schemeClr val="accent4">
-                    <a:lumMod val="60000"/>
-                    <a:lumOff val="40000"/>
-                  </a:schemeClr>
-                </a:solidFill>
-              </a:rPr>
-              <a:t>硬件</a:t>
-            </a:r>
-            <a:r>
-              <a:rPr lang="en-US" altLang="zh-CN" sz="2000" dirty="0">
-                <a:solidFill>
-                  <a:schemeClr val="accent4">
-                    <a:lumMod val="60000"/>
-                    <a:lumOff val="40000"/>
-                  </a:schemeClr>
-                </a:solidFill>
-              </a:rPr>
-              <a:t>-&gt;</a:t>
-            </a:r>
-            <a:r>
-              <a:rPr lang="zh-CN" altLang="en-US" sz="2000" dirty="0">
-                <a:solidFill>
-                  <a:schemeClr val="accent4">
-                    <a:lumMod val="60000"/>
-                    <a:lumOff val="40000"/>
-                  </a:schemeClr>
-                </a:solidFill>
-              </a:rPr>
-              <a:t>摇动手势</a:t>
-            </a:r>
-            <a:endParaRPr kumimoji="1" lang="zh-CN" altLang="en-US" sz="2000" dirty="0">
-              <a:solidFill>
-                <a:schemeClr val="accent4">
-                  <a:lumMod val="60000"/>
-                  <a:lumOff val="40000"/>
-                </a:schemeClr>
-              </a:solidFill>
-            </a:endParaRPr>
-          </a:p>
-        </p:txBody>
-      </p:sp>
-    </p:spTree>
-    <p:extLst>
-      <p:ext uri="{BB962C8B-B14F-4D97-AF65-F5344CB8AC3E}">
-        <p14:creationId xmlns:p14="http://schemas.microsoft.com/office/powerpoint/2010/main" val="4294787821"/>
-      </p:ext>
-    </p:extLst>
-  </p:cSld>
-  <p:clrMapOvr>
-    <a:masterClrMapping/>
-  </p:clrMapOvr>
-  <p:timing>
-    <p:tnLst>
-      <p:par>
-        <p:cTn xmlns:p14="http://schemas.microsoft.com/office/powerpoint/2010/main" id="1" dur="indefinite" restart="never" nodeType="tmRoot"/>
-      </p:par>
-    </p:tnLst>
-  </p:timing>
-</p:sld>
-</file>
-
-<file path=ppt/slides/slide19.xml><?xml version="1.0" encoding="utf-8"?>
-<p:sld xmlns:a="http://schemas.openxmlformats.org/drawingml/2006/main" xmlns:r="http://schemas.openxmlformats.org/officeDocument/2006/relationships" xmlns:p="http://schemas.openxmlformats.org/presentationml/2006/main">
-  <p:cSld>
-    <p:spTree>
-      <p:nvGrpSpPr>
-        <p:cNvPr id="1" name=""/>
-        <p:cNvGrpSpPr/>
-        <p:nvPr/>
-      </p:nvGrpSpPr>
-      <p:grpSpPr>
-        <a:xfrm>
-          <a:off x="0" y="0"/>
-          <a:ext cx="0" cy="0"/>
-          <a:chOff x="0" y="0"/>
-          <a:chExt cx="0" cy="0"/>
-        </a:xfrm>
-      </p:grpSpPr>
-      <p:sp>
-        <p:nvSpPr>
-          <p:cNvPr id="2" name="标题 1"/>
-          <p:cNvSpPr>
-            <a:spLocks noGrp="1"/>
-          </p:cNvSpPr>
-          <p:nvPr>
-            <p:ph type="title"/>
-          </p:nvPr>
-        </p:nvSpPr>
-        <p:spPr/>
-        <p:txBody>
-          <a:bodyPr/>
-          <a:lstStyle/>
-          <a:p>
-            <a:r>
-              <a:rPr lang="zh-CN" altLang="en-US" b="0" dirty="0"/>
-              <a:t>运动事件案例 </a:t>
-            </a:r>
-            <a:r>
-              <a:rPr lang="en-US" altLang="zh-CN" b="0" dirty="0"/>
-              <a:t>2</a:t>
-            </a:r>
-            <a:endParaRPr kumimoji="1" lang="zh-CN" altLang="en-US" dirty="0"/>
-          </a:p>
-        </p:txBody>
-      </p:sp>
-      <p:sp>
-        <p:nvSpPr>
-          <p:cNvPr id="3" name="幻灯片编号占位符 2"/>
-          <p:cNvSpPr>
-            <a:spLocks noGrp="1"/>
-          </p:cNvSpPr>
-          <p:nvPr>
-            <p:ph type="sldNum" sz="quarter" idx="4"/>
-          </p:nvPr>
-        </p:nvSpPr>
-        <p:spPr/>
-        <p:txBody>
-          <a:bodyPr/>
-          <a:lstStyle/>
-          <a:p>
-            <a:fld id="{BF10DB53-D7D3-4DB6-A29F-40217B92EC88}" type="slidenum">
-              <a:rPr lang="en-US" smtClean="0"/>
-              <a:pPr/>
-              <a:t>18</a:t>
-            </a:fld>
-            <a:endParaRPr lang="en-US" dirty="0"/>
-          </a:p>
-        </p:txBody>
-      </p:sp>
-      <p:sp>
-        <p:nvSpPr>
-          <p:cNvPr id="5" name="文本框 4"/>
-          <p:cNvSpPr txBox="1"/>
-          <p:nvPr/>
-        </p:nvSpPr>
-        <p:spPr>
-          <a:xfrm>
-            <a:off x="107504" y="1340768"/>
-            <a:ext cx="8928992" cy="5503046"/>
-          </a:xfrm>
-          <a:prstGeom prst="rect">
-            <a:avLst/>
-          </a:prstGeom>
-          <a:noFill/>
-        </p:spPr>
-        <p:txBody>
-          <a:bodyPr wrap="square" rtlCol="0">
-            <a:spAutoFit/>
-          </a:bodyPr>
-          <a:lstStyle/>
-          <a:p>
-            <a:pPr>
-              <a:lnSpc>
-                <a:spcPct val="140000"/>
-              </a:lnSpc>
-            </a:pPr>
-            <a:r>
-              <a:rPr lang="en-US" altLang="zh-CN" dirty="0"/>
-              <a:t>//</a:t>
-            </a:r>
-            <a:r>
-              <a:rPr lang="zh-CN" altLang="en-US" dirty="0"/>
-              <a:t>测试：硬件－</a:t>
-            </a:r>
-            <a:r>
-              <a:rPr lang="en-US" altLang="zh-CN" dirty="0"/>
-              <a:t>》</a:t>
-            </a:r>
-            <a:r>
-              <a:rPr lang="zh-CN" altLang="en-US" dirty="0"/>
-              <a:t>摇动手势</a:t>
-            </a:r>
-          </a:p>
-          <a:p>
-            <a:pPr>
-              <a:lnSpc>
-                <a:spcPct val="140000"/>
-              </a:lnSpc>
-            </a:pPr>
-            <a:r>
-              <a:rPr lang="en-US" altLang="zh-CN" dirty="0"/>
-              <a:t>//</a:t>
-            </a:r>
-            <a:r>
-              <a:rPr lang="zh-CN" altLang="en-US" dirty="0"/>
-              <a:t>捕捉运动开始事件，播放声音</a:t>
-            </a:r>
-          </a:p>
-          <a:p>
-            <a:pPr>
-              <a:lnSpc>
-                <a:spcPct val="140000"/>
-              </a:lnSpc>
-            </a:pPr>
-            <a:r>
-              <a:rPr lang="en-US" altLang="zh-CN" dirty="0"/>
-              <a:t>- (void)</a:t>
-            </a:r>
-            <a:r>
-              <a:rPr lang="en-US" altLang="zh-CN" dirty="0" err="1"/>
-              <a:t>motionBegan</a:t>
-            </a:r>
-            <a:r>
-              <a:rPr lang="en-US" altLang="zh-CN" dirty="0"/>
-              <a:t>:(</a:t>
-            </a:r>
-            <a:r>
-              <a:rPr lang="en-US" altLang="zh-CN" dirty="0" err="1"/>
-              <a:t>UIEventSubtype</a:t>
-            </a:r>
-            <a:r>
-              <a:rPr lang="en-US" altLang="zh-CN" dirty="0"/>
-              <a:t>)motion </a:t>
-            </a:r>
-            <a:r>
-              <a:rPr lang="en-US" altLang="zh-CN" dirty="0" err="1"/>
-              <a:t>withEvent</a:t>
-            </a:r>
-            <a:r>
-              <a:rPr lang="en-US" altLang="zh-CN" dirty="0"/>
-              <a:t>:(</a:t>
-            </a:r>
-            <a:r>
-              <a:rPr lang="en-US" altLang="zh-CN" dirty="0" err="1"/>
-              <a:t>UIEvent</a:t>
-            </a:r>
-            <a:r>
-              <a:rPr lang="en-US" altLang="zh-CN" dirty="0"/>
-              <a:t> *)event {</a:t>
-            </a:r>
-          </a:p>
-          <a:p>
-            <a:pPr lvl="1">
-              <a:lnSpc>
-                <a:spcPct val="140000"/>
-              </a:lnSpc>
-            </a:pPr>
-            <a:r>
-              <a:rPr lang="en-US" altLang="zh-CN" dirty="0"/>
-              <a:t>if (motion != </a:t>
-            </a:r>
-            <a:r>
-              <a:rPr lang="en-US" altLang="zh-CN" dirty="0" err="1"/>
-              <a:t>UIEventSubtypeMotionShake</a:t>
-            </a:r>
-            <a:r>
-              <a:rPr lang="en-US" altLang="zh-CN" dirty="0"/>
-              <a:t>) return;</a:t>
-            </a:r>
-          </a:p>
-          <a:p>
-            <a:pPr lvl="1">
-              <a:lnSpc>
-                <a:spcPct val="140000"/>
-              </a:lnSpc>
-            </a:pPr>
-            <a:r>
-              <a:rPr lang="en-US" altLang="zh-CN" dirty="0"/>
-              <a:t>[self </a:t>
-            </a:r>
-            <a:r>
-              <a:rPr lang="en-US" altLang="zh-CN" dirty="0" err="1"/>
-              <a:t>playSound:startSound</a:t>
-            </a:r>
-            <a:r>
-              <a:rPr lang="en-US" altLang="zh-CN" dirty="0"/>
-              <a:t>];</a:t>
-            </a:r>
-          </a:p>
-          <a:p>
-            <a:pPr lvl="1">
-              <a:lnSpc>
-                <a:spcPct val="140000"/>
-              </a:lnSpc>
-            </a:pPr>
-            <a:r>
-              <a:rPr lang="en-US" altLang="zh-TW" dirty="0" err="1"/>
-              <a:t>NSLog</a:t>
-            </a:r>
-            <a:r>
-              <a:rPr lang="en-US" altLang="zh-TW" dirty="0"/>
-              <a:t>(@"</a:t>
-            </a:r>
-            <a:r>
-              <a:rPr lang="zh-TW" altLang="en-US" dirty="0"/>
-              <a:t>摇动事件发生</a:t>
-            </a:r>
-            <a:r>
-              <a:rPr lang="en-US" altLang="zh-TW" dirty="0"/>
-              <a:t>");</a:t>
-            </a:r>
-          </a:p>
-          <a:p>
-            <a:pPr>
-              <a:lnSpc>
-                <a:spcPct val="140000"/>
-              </a:lnSpc>
-            </a:pPr>
-            <a:r>
-              <a:rPr lang="en-US" altLang="zh-CN" dirty="0"/>
-              <a:t>}</a:t>
-            </a:r>
-          </a:p>
-          <a:p>
-            <a:pPr>
-              <a:lnSpc>
-                <a:spcPct val="140000"/>
-              </a:lnSpc>
-            </a:pPr>
-            <a:r>
-              <a:rPr lang="en-US" altLang="zh-CN" dirty="0"/>
-              <a:t>//</a:t>
-            </a:r>
-            <a:r>
-              <a:rPr lang="zh-CN" altLang="en-US" dirty="0"/>
-              <a:t>捕捉运动结束事件，播放声音</a:t>
-            </a:r>
-          </a:p>
-          <a:p>
-            <a:pPr>
-              <a:lnSpc>
-                <a:spcPct val="140000"/>
-              </a:lnSpc>
-            </a:pPr>
-            <a:r>
-              <a:rPr lang="en-US" altLang="zh-CN" dirty="0"/>
-              <a:t>- (void)</a:t>
-            </a:r>
-            <a:r>
-              <a:rPr lang="en-US" altLang="zh-CN" dirty="0" err="1"/>
-              <a:t>motionEnded</a:t>
-            </a:r>
-            <a:r>
-              <a:rPr lang="en-US" altLang="zh-CN" dirty="0"/>
-              <a:t>:(</a:t>
-            </a:r>
-            <a:r>
-              <a:rPr lang="en-US" altLang="zh-CN" dirty="0" err="1"/>
-              <a:t>UIEventSubtype</a:t>
-            </a:r>
-            <a:r>
-              <a:rPr lang="en-US" altLang="zh-CN" dirty="0"/>
-              <a:t>)motion </a:t>
-            </a:r>
-            <a:r>
-              <a:rPr lang="en-US" altLang="zh-CN" dirty="0" err="1"/>
-              <a:t>withEvent</a:t>
-            </a:r>
-            <a:r>
-              <a:rPr lang="en-US" altLang="zh-CN" dirty="0"/>
-              <a:t>:(</a:t>
-            </a:r>
-            <a:r>
-              <a:rPr lang="en-US" altLang="zh-CN" dirty="0" err="1"/>
-              <a:t>UIEvent</a:t>
-            </a:r>
-            <a:r>
-              <a:rPr lang="en-US" altLang="zh-CN" dirty="0"/>
-              <a:t> *)event {</a:t>
-            </a:r>
-          </a:p>
-          <a:p>
-            <a:pPr lvl="1">
-              <a:lnSpc>
-                <a:spcPct val="140000"/>
-              </a:lnSpc>
-            </a:pPr>
-            <a:r>
-              <a:rPr lang="en-US" altLang="zh-CN" dirty="0"/>
-              <a:t>if (motion != </a:t>
-            </a:r>
-            <a:r>
-              <a:rPr lang="en-US" altLang="zh-CN" dirty="0" err="1"/>
-              <a:t>UIEventSubtypeMotionShake</a:t>
-            </a:r>
-            <a:r>
-              <a:rPr lang="en-US" altLang="zh-CN" dirty="0"/>
-              <a:t>) return;</a:t>
-            </a:r>
-          </a:p>
-          <a:p>
-            <a:pPr lvl="1">
-              <a:lnSpc>
-                <a:spcPct val="140000"/>
-              </a:lnSpc>
-            </a:pPr>
-            <a:r>
-              <a:rPr lang="en-US" altLang="zh-CN" dirty="0"/>
-              <a:t>[self </a:t>
-            </a:r>
-            <a:r>
-              <a:rPr lang="en-US" altLang="zh-CN" dirty="0" err="1"/>
-              <a:t>playSound:endSound</a:t>
-            </a:r>
-            <a:r>
-              <a:rPr lang="en-US" altLang="zh-CN" dirty="0"/>
-              <a:t>];</a:t>
-            </a:r>
-          </a:p>
-          <a:p>
-            <a:pPr lvl="1">
-              <a:lnSpc>
-                <a:spcPct val="140000"/>
-              </a:lnSpc>
-            </a:pPr>
-            <a:r>
-              <a:rPr lang="en-US" altLang="zh-TW" dirty="0" err="1"/>
-              <a:t>NSLog</a:t>
-            </a:r>
-            <a:r>
-              <a:rPr lang="en-US" altLang="zh-TW" dirty="0"/>
-              <a:t>(@"</a:t>
-            </a:r>
-            <a:r>
-              <a:rPr lang="zh-TW" altLang="en-US" dirty="0"/>
-              <a:t>摇动事件结束</a:t>
-            </a:r>
-            <a:r>
-              <a:rPr lang="en-US" altLang="zh-TW" dirty="0"/>
-              <a:t>");</a:t>
-            </a:r>
-          </a:p>
-          <a:p>
-            <a:pPr>
-              <a:lnSpc>
-                <a:spcPct val="140000"/>
-              </a:lnSpc>
-            </a:pPr>
-            <a:r>
-              <a:rPr lang="en-US" altLang="zh-CN" dirty="0"/>
-              <a:t>}</a:t>
-            </a:r>
-          </a:p>
-          <a:p>
-            <a:pPr>
-              <a:lnSpc>
-                <a:spcPct val="140000"/>
-              </a:lnSpc>
-            </a:pPr>
-            <a:r>
-              <a:rPr lang="en-US" altLang="zh-CN" dirty="0">
-                <a:solidFill>
-                  <a:srgbClr val="ADDD68"/>
-                </a:solidFill>
-              </a:rPr>
-              <a:t>● </a:t>
-            </a:r>
-            <a:r>
-              <a:rPr lang="zh-CN" altLang="en-US" dirty="0">
-                <a:solidFill>
-                  <a:srgbClr val="ADDD68"/>
-                </a:solidFill>
-              </a:rPr>
-              <a:t>参考案例： </a:t>
-            </a:r>
-            <a:r>
-              <a:rPr lang="en-US" altLang="zh-CN" dirty="0" err="1">
-                <a:solidFill>
-                  <a:srgbClr val="ADDD68"/>
-                </a:solidFill>
-              </a:rPr>
-              <a:t>MotionDemo</a:t>
-            </a:r>
-            <a:endParaRPr kumimoji="1" lang="zh-CN" altLang="en-US" dirty="0">
-              <a:solidFill>
-                <a:srgbClr val="ADDD68"/>
-              </a:solidFill>
-            </a:endParaRPr>
-          </a:p>
-        </p:txBody>
-      </p:sp>
-    </p:spTree>
-    <p:extLst>
-      <p:ext uri="{BB962C8B-B14F-4D97-AF65-F5344CB8AC3E}">
-        <p14:creationId xmlns:p14="http://schemas.microsoft.com/office/powerpoint/2010/main" val="3632893034"/>
       </p:ext>
     </p:extLst>
   </p:cSld>
@@ -12409,14 +8540,12 @@
         </p:nvSpPr>
         <p:spPr/>
         <p:txBody>
-          <a:bodyPr>
-            <a:normAutofit/>
-          </a:bodyPr>
+          <a:bodyPr/>
           <a:lstStyle/>
           <a:p>
             <a:r>
-              <a:rPr lang="zh-CN" altLang="en-US" b="0" dirty="0"/>
-              <a:t>多点触摸序列和触摸阶段</a:t>
+              <a:rPr kumimoji="1" lang="zh-CN" altLang="en-US" dirty="0" smtClean="0"/>
+              <a:t>电话</a:t>
             </a:r>
             <a:endParaRPr kumimoji="1" lang="zh-CN" altLang="en-US" dirty="0"/>
           </a:p>
@@ -12446,1136 +8575,16 @@
           </a:p>
         </p:txBody>
       </p:sp>
-      <p:pic>
-        <p:nvPicPr>
-          <p:cNvPr id="5" name="图片 4"/>
-          <p:cNvPicPr>
-            <a:picLocks noChangeAspect="1"/>
-          </p:cNvPicPr>
-          <p:nvPr/>
-        </p:nvPicPr>
-        <p:blipFill>
-          <a:blip r:embed="rId2"/>
-          <a:stretch>
-            <a:fillRect/>
-          </a:stretch>
-        </p:blipFill>
-        <p:spPr>
-          <a:xfrm>
-            <a:off x="431800" y="1841500"/>
-            <a:ext cx="8267700" cy="3175000"/>
-          </a:xfrm>
-          <a:prstGeom prst="rect">
-            <a:avLst/>
-          </a:prstGeom>
-        </p:spPr>
-      </p:pic>
-    </p:spTree>
-    <p:extLst>
-      <p:ext uri="{BB962C8B-B14F-4D97-AF65-F5344CB8AC3E}">
-        <p14:creationId xmlns:p14="http://schemas.microsoft.com/office/powerpoint/2010/main" val="1861606209"/>
-      </p:ext>
-    </p:extLst>
-  </p:cSld>
-  <p:clrMapOvr>
-    <a:masterClrMapping/>
-  </p:clrMapOvr>
-  <p:timing>
-    <p:tnLst>
-      <p:par>
-        <p:cTn xmlns:p14="http://schemas.microsoft.com/office/powerpoint/2010/main" id="1" dur="indefinite" restart="never" nodeType="tmRoot"/>
-      </p:par>
-    </p:tnLst>
-  </p:timing>
-</p:sld>
-</file>
-
-<file path=ppt/slides/slide20.xml><?xml version="1.0" encoding="utf-8"?>
-<p:sld xmlns:a="http://schemas.openxmlformats.org/drawingml/2006/main" xmlns:r="http://schemas.openxmlformats.org/officeDocument/2006/relationships" xmlns:p="http://schemas.openxmlformats.org/presentationml/2006/main">
-  <p:cSld>
-    <p:spTree>
-      <p:nvGrpSpPr>
-        <p:cNvPr id="1" name=""/>
-        <p:cNvGrpSpPr/>
-        <p:nvPr/>
-      </p:nvGrpSpPr>
-      <p:grpSpPr>
-        <a:xfrm>
-          <a:off x="0" y="0"/>
-          <a:ext cx="0" cy="0"/>
-          <a:chOff x="0" y="0"/>
-          <a:chExt cx="0" cy="0"/>
-        </a:xfrm>
-      </p:grpSpPr>
-      <p:sp>
-        <p:nvSpPr>
-          <p:cNvPr id="2" name="标题 1"/>
-          <p:cNvSpPr>
-            <a:spLocks noGrp="1"/>
-          </p:cNvSpPr>
-          <p:nvPr>
-            <p:ph type="title"/>
-          </p:nvPr>
-        </p:nvSpPr>
-        <p:spPr/>
-        <p:txBody>
-          <a:bodyPr/>
-          <a:lstStyle/>
-          <a:p>
-            <a:r>
-              <a:rPr lang="zh-CN" altLang="en-US" b="0" dirty="0"/>
-              <a:t>加速计案例</a:t>
-            </a:r>
-            <a:endParaRPr kumimoji="1" lang="zh-CN" altLang="en-US" dirty="0"/>
-          </a:p>
-        </p:txBody>
-      </p:sp>
-      <p:sp>
-        <p:nvSpPr>
-          <p:cNvPr id="3" name="幻灯片编号占位符 2"/>
-          <p:cNvSpPr>
-            <a:spLocks noGrp="1"/>
-          </p:cNvSpPr>
-          <p:nvPr>
-            <p:ph type="sldNum" sz="quarter" idx="4"/>
-          </p:nvPr>
-        </p:nvSpPr>
-        <p:spPr/>
-        <p:txBody>
-          <a:bodyPr/>
-          <a:lstStyle/>
-          <a:p>
-            <a:fld id="{BF10DB53-D7D3-4DB6-A29F-40217B92EC88}" type="slidenum">
-              <a:rPr lang="en-US" smtClean="0"/>
-              <a:pPr/>
-              <a:t>19</a:t>
-            </a:fld>
-            <a:endParaRPr lang="en-US" dirty="0"/>
-          </a:p>
-        </p:txBody>
-      </p:sp>
-      <p:sp>
-        <p:nvSpPr>
-          <p:cNvPr id="5" name="文本框 4"/>
+      <p:sp>
+        <p:nvSpPr>
+          <p:cNvPr id="4" name="文本框 3"/>
           <p:cNvSpPr txBox="1"/>
           <p:nvPr/>
         </p:nvSpPr>
         <p:spPr>
           <a:xfrm>
-            <a:off x="107504" y="1340768"/>
-            <a:ext cx="8928992" cy="5402505"/>
-          </a:xfrm>
-          <a:prstGeom prst="rect">
-            <a:avLst/>
-          </a:prstGeom>
-          <a:noFill/>
-        </p:spPr>
-        <p:txBody>
-          <a:bodyPr wrap="square" rtlCol="0">
-            <a:spAutoFit/>
-          </a:bodyPr>
-          <a:lstStyle/>
-          <a:p>
-            <a:pPr>
-              <a:lnSpc>
-                <a:spcPct val="120000"/>
-              </a:lnSpc>
-            </a:pPr>
-            <a:r>
-              <a:rPr lang="en-US" altLang="zh-TW" sz="1600" dirty="0"/>
-              <a:t>//</a:t>
-            </a:r>
-            <a:r>
-              <a:rPr lang="zh-TW" altLang="en-US" sz="1600" dirty="0"/>
-              <a:t>实现</a:t>
-            </a:r>
-            <a:r>
-              <a:rPr lang="en-US" altLang="zh-TW" sz="1600" dirty="0" err="1"/>
-              <a:t>UIAccelerometerDelegate</a:t>
-            </a:r>
-            <a:r>
-              <a:rPr lang="zh-TW" altLang="en-US" sz="1600" dirty="0"/>
-              <a:t>协议</a:t>
-            </a:r>
-          </a:p>
-          <a:p>
-            <a:pPr>
-              <a:lnSpc>
-                <a:spcPct val="120000"/>
-              </a:lnSpc>
-            </a:pPr>
-            <a:r>
-              <a:rPr lang="en-US" altLang="zh-CN" sz="1600" dirty="0"/>
-              <a:t>@interface </a:t>
-            </a:r>
-            <a:r>
-              <a:rPr lang="en-US" altLang="zh-CN" sz="1600" dirty="0" err="1"/>
-              <a:t>TestBedViewController</a:t>
-            </a:r>
-            <a:r>
-              <a:rPr lang="en-US" altLang="zh-CN" sz="1600" dirty="0"/>
-              <a:t> : </a:t>
-            </a:r>
-            <a:r>
-              <a:rPr lang="en-US" altLang="zh-CN" sz="1600" dirty="0" err="1"/>
-              <a:t>UIViewController</a:t>
-            </a:r>
-            <a:r>
-              <a:rPr lang="en-US" altLang="zh-CN" sz="1600" dirty="0"/>
-              <a:t> &lt;</a:t>
-            </a:r>
-            <a:r>
-              <a:rPr lang="en-US" altLang="zh-CN" sz="1600" dirty="0" err="1"/>
-              <a:t>UIAccelerometerDelegate</a:t>
-            </a:r>
-            <a:r>
-              <a:rPr lang="en-US" altLang="zh-CN" sz="1600" dirty="0"/>
-              <a:t>&gt;{</a:t>
-            </a:r>
-          </a:p>
-          <a:p>
-            <a:pPr>
-              <a:lnSpc>
-                <a:spcPct val="120000"/>
-              </a:lnSpc>
-            </a:pPr>
-            <a:r>
-              <a:rPr lang="en-US" altLang="zh-CN" sz="1600" dirty="0" err="1"/>
-              <a:t>IBOutlet</a:t>
-            </a:r>
-            <a:r>
-              <a:rPr lang="en-US" altLang="zh-CN" sz="1600" dirty="0"/>
-              <a:t> </a:t>
-            </a:r>
-            <a:r>
-              <a:rPr lang="en-US" altLang="zh-CN" sz="1600" dirty="0" err="1"/>
-              <a:t>UIImageView</a:t>
-            </a:r>
-            <a:r>
-              <a:rPr lang="en-US" altLang="zh-CN" sz="1600" dirty="0"/>
-              <a:t> *arrow; } @end</a:t>
-            </a:r>
-          </a:p>
-          <a:p>
-            <a:pPr>
-              <a:lnSpc>
-                <a:spcPct val="120000"/>
-              </a:lnSpc>
-            </a:pPr>
-            <a:r>
-              <a:rPr lang="en-US" altLang="zh-CN" sz="1600" dirty="0"/>
-              <a:t>@implementation </a:t>
-            </a:r>
-            <a:r>
-              <a:rPr lang="en-US" altLang="zh-CN" sz="1600" dirty="0" err="1"/>
-              <a:t>TestBedViewController</a:t>
-            </a:r>
-            <a:endParaRPr lang="en-US" altLang="zh-CN" sz="1600" dirty="0"/>
-          </a:p>
-          <a:p>
-            <a:pPr>
-              <a:lnSpc>
-                <a:spcPct val="120000"/>
-              </a:lnSpc>
-            </a:pPr>
-            <a:r>
-              <a:rPr lang="en-US" altLang="zh-CN" sz="1600" dirty="0"/>
-              <a:t>//</a:t>
-            </a:r>
-            <a:r>
-              <a:rPr lang="zh-CN" altLang="en-US" sz="1600" dirty="0"/>
-              <a:t>接收到加速计事件就调用该方法，需要手机测试</a:t>
-            </a:r>
-          </a:p>
-          <a:p>
-            <a:pPr>
-              <a:lnSpc>
-                <a:spcPct val="120000"/>
-              </a:lnSpc>
-            </a:pPr>
-            <a:r>
-              <a:rPr lang="en-US" altLang="zh-CN" sz="1600" dirty="0"/>
-              <a:t>- (void)accelerometer:(</a:t>
-            </a:r>
-            <a:r>
-              <a:rPr lang="en-US" altLang="zh-CN" sz="1600" dirty="0" err="1"/>
-              <a:t>UIAccelerometer</a:t>
-            </a:r>
-            <a:r>
-              <a:rPr lang="en-US" altLang="zh-CN" sz="1600" dirty="0"/>
-              <a:t> *)accelerometer </a:t>
-            </a:r>
-            <a:r>
-              <a:rPr lang="en-US" altLang="zh-CN" sz="1600" dirty="0" err="1"/>
-              <a:t>didAccelerate</a:t>
-            </a:r>
-            <a:r>
-              <a:rPr lang="en-US" altLang="zh-CN" sz="1600" dirty="0"/>
-              <a:t>:(</a:t>
-            </a:r>
-            <a:r>
-              <a:rPr lang="en-US" altLang="zh-CN" sz="1600" dirty="0" err="1"/>
-              <a:t>UIAcceleration</a:t>
-            </a:r>
-            <a:r>
-              <a:rPr lang="en-US" altLang="zh-CN" sz="1600" dirty="0"/>
-              <a:t> *)acceleration{</a:t>
-            </a:r>
-          </a:p>
-          <a:p>
-            <a:pPr lvl="1">
-              <a:lnSpc>
-                <a:spcPct val="120000"/>
-              </a:lnSpc>
-            </a:pPr>
-            <a:r>
-              <a:rPr lang="en-US" altLang="zh-CN" sz="1600" dirty="0"/>
-              <a:t>float xx = -[acceleration x];</a:t>
-            </a:r>
-          </a:p>
-          <a:p>
-            <a:pPr lvl="1">
-              <a:lnSpc>
-                <a:spcPct val="120000"/>
-              </a:lnSpc>
-            </a:pPr>
-            <a:r>
-              <a:rPr lang="en-US" altLang="zh-CN" sz="1600" dirty="0"/>
-              <a:t>float </a:t>
-            </a:r>
-            <a:r>
-              <a:rPr lang="en-US" altLang="zh-CN" sz="1600" dirty="0" err="1"/>
-              <a:t>yy</a:t>
-            </a:r>
-            <a:r>
-              <a:rPr lang="en-US" altLang="zh-CN" sz="1600" dirty="0"/>
-              <a:t> = [acceleration y];</a:t>
-            </a:r>
-          </a:p>
-          <a:p>
-            <a:pPr lvl="1">
-              <a:lnSpc>
-                <a:spcPct val="120000"/>
-              </a:lnSpc>
-            </a:pPr>
-            <a:r>
-              <a:rPr lang="en-US" altLang="zh-CN" sz="1600" dirty="0"/>
-              <a:t>float angle = atan2(</a:t>
-            </a:r>
-            <a:r>
-              <a:rPr lang="en-US" altLang="zh-CN" sz="1600" dirty="0" err="1"/>
-              <a:t>yy</a:t>
-            </a:r>
-            <a:r>
-              <a:rPr lang="en-US" altLang="zh-CN" sz="1600" dirty="0"/>
-              <a:t>, xx);</a:t>
-            </a:r>
-          </a:p>
-          <a:p>
-            <a:pPr lvl="1">
-              <a:lnSpc>
-                <a:spcPct val="120000"/>
-              </a:lnSpc>
-            </a:pPr>
-            <a:r>
-              <a:rPr lang="en-US" altLang="zh-CN" sz="1600" dirty="0"/>
-              <a:t>[arrow </a:t>
-            </a:r>
-            <a:r>
-              <a:rPr lang="en-US" altLang="zh-CN" sz="1600" dirty="0" err="1"/>
-              <a:t>setTransform:CGAffineTransformMakeRotation</a:t>
-            </a:r>
-            <a:r>
-              <a:rPr lang="en-US" altLang="zh-CN" sz="1600" dirty="0"/>
-              <a:t>(angle)];</a:t>
-            </a:r>
-          </a:p>
-          <a:p>
-            <a:pPr>
-              <a:lnSpc>
-                <a:spcPct val="120000"/>
-              </a:lnSpc>
-            </a:pPr>
-            <a:r>
-              <a:rPr lang="en-US" altLang="zh-CN" sz="1600" dirty="0"/>
-              <a:t>}</a:t>
-            </a:r>
-          </a:p>
-          <a:p>
-            <a:pPr>
-              <a:lnSpc>
-                <a:spcPct val="120000"/>
-              </a:lnSpc>
-            </a:pPr>
-            <a:r>
-              <a:rPr lang="en-US" altLang="zh-CN" sz="1600" dirty="0"/>
-              <a:t>- (void) </a:t>
-            </a:r>
-            <a:r>
-              <a:rPr lang="en-US" altLang="zh-CN" sz="1600" dirty="0" err="1"/>
-              <a:t>viewDidLoad</a:t>
-            </a:r>
-            <a:r>
-              <a:rPr lang="en-US" altLang="zh-CN" sz="1600" dirty="0"/>
-              <a:t>{</a:t>
-            </a:r>
-          </a:p>
-          <a:p>
-            <a:pPr lvl="1">
-              <a:lnSpc>
-                <a:spcPct val="120000"/>
-              </a:lnSpc>
-            </a:pPr>
-            <a:r>
-              <a:rPr lang="en-US" altLang="zh-CN" sz="1600" dirty="0" err="1"/>
-              <a:t>self.navigationController.navigationBar.tintColor</a:t>
-            </a:r>
-            <a:r>
-              <a:rPr lang="en-US" altLang="zh-CN" sz="1600" dirty="0"/>
-              <a:t> = COOKBOOK_PURPLE_COLOR;</a:t>
-            </a:r>
-          </a:p>
-          <a:p>
-            <a:pPr lvl="1">
-              <a:lnSpc>
-                <a:spcPct val="120000"/>
-              </a:lnSpc>
-            </a:pPr>
-            <a:r>
-              <a:rPr lang="en-US" altLang="zh-CN" sz="1600" dirty="0"/>
-              <a:t>//</a:t>
-            </a:r>
-            <a:r>
-              <a:rPr lang="zh-CN" altLang="en-US" sz="1600" dirty="0"/>
-              <a:t>通过</a:t>
-            </a:r>
-            <a:r>
-              <a:rPr lang="en-US" altLang="zh-CN" sz="1600" dirty="0" err="1"/>
-              <a:t>sharedAccelerometer</a:t>
-            </a:r>
-            <a:r>
-              <a:rPr lang="zh-CN" altLang="en-US" sz="1600" dirty="0"/>
-              <a:t>方法实例化加速计对象，并设置委托为本身</a:t>
-            </a:r>
-          </a:p>
-          <a:p>
-            <a:pPr lvl="1">
-              <a:lnSpc>
-                <a:spcPct val="120000"/>
-              </a:lnSpc>
-            </a:pPr>
-            <a:r>
-              <a:rPr lang="en-US" altLang="zh-CN" sz="1600" dirty="0"/>
-              <a:t>[[</a:t>
-            </a:r>
-            <a:r>
-              <a:rPr lang="en-US" altLang="zh-CN" sz="1600" dirty="0" err="1"/>
-              <a:t>UIAccelerometer</a:t>
-            </a:r>
-            <a:r>
-              <a:rPr lang="en-US" altLang="zh-CN" sz="1600" dirty="0"/>
-              <a:t> </a:t>
-            </a:r>
-            <a:r>
-              <a:rPr lang="en-US" altLang="zh-CN" sz="1600" dirty="0" err="1"/>
-              <a:t>sharedAccelerometer</a:t>
-            </a:r>
-            <a:r>
-              <a:rPr lang="en-US" altLang="zh-CN" sz="1600" dirty="0"/>
-              <a:t>] </a:t>
-            </a:r>
-            <a:r>
-              <a:rPr lang="en-US" altLang="zh-CN" sz="1600" dirty="0" err="1"/>
-              <a:t>setDelegate:self</a:t>
-            </a:r>
-            <a:r>
-              <a:rPr lang="en-US" altLang="zh-CN" sz="1600" dirty="0"/>
-              <a:t>];</a:t>
-            </a:r>
-          </a:p>
-          <a:p>
-            <a:pPr>
-              <a:lnSpc>
-                <a:spcPct val="120000"/>
-              </a:lnSpc>
-            </a:pPr>
-            <a:r>
-              <a:rPr lang="en-US" altLang="zh-CN" sz="1600" dirty="0"/>
-              <a:t>} @end</a:t>
-            </a:r>
-          </a:p>
-          <a:p>
-            <a:pPr>
-              <a:lnSpc>
-                <a:spcPct val="120000"/>
-              </a:lnSpc>
-            </a:pPr>
-            <a:r>
-              <a:rPr lang="en-US" altLang="zh-CN" sz="1600" dirty="0">
-                <a:solidFill>
-                  <a:srgbClr val="ADDD68"/>
-                </a:solidFill>
-              </a:rPr>
-              <a:t>* * </a:t>
-            </a:r>
-            <a:r>
-              <a:rPr lang="zh-CN" altLang="en-US" sz="1600" dirty="0">
-                <a:solidFill>
-                  <a:srgbClr val="ADDD68"/>
-                </a:solidFill>
-              </a:rPr>
-              <a:t>参考案例：</a:t>
-            </a:r>
-            <a:r>
-              <a:rPr lang="en-US" altLang="zh-CN" sz="1600" dirty="0" err="1">
-                <a:solidFill>
-                  <a:srgbClr val="ADDD68"/>
-                </a:solidFill>
-              </a:rPr>
-              <a:t>Accel</a:t>
-            </a:r>
-            <a:r>
-              <a:rPr lang="en-US" altLang="zh-CN" sz="1600" dirty="0">
-                <a:solidFill>
-                  <a:srgbClr val="ADDD68"/>
-                </a:solidFill>
-              </a:rPr>
-              <a:t> </a:t>
-            </a:r>
-            <a:r>
-              <a:rPr lang="en-US" altLang="zh-CN" sz="1600" dirty="0" err="1">
-                <a:solidFill>
-                  <a:srgbClr val="ADDD68"/>
-                </a:solidFill>
-              </a:rPr>
-              <a:t>er</a:t>
-            </a:r>
-            <a:r>
-              <a:rPr lang="en-US" altLang="zh-CN" sz="1600" dirty="0">
-                <a:solidFill>
-                  <a:srgbClr val="ADDD68"/>
-                </a:solidFill>
-              </a:rPr>
-              <a:t> </a:t>
-            </a:r>
-            <a:r>
-              <a:rPr lang="en-US" altLang="zh-CN" sz="1600" dirty="0" err="1">
-                <a:solidFill>
-                  <a:srgbClr val="ADDD68"/>
-                </a:solidFill>
-              </a:rPr>
-              <a:t>omet</a:t>
-            </a:r>
-            <a:r>
-              <a:rPr lang="en-US" altLang="zh-CN" sz="1600" dirty="0">
-                <a:solidFill>
-                  <a:srgbClr val="ADDD68"/>
-                </a:solidFill>
-              </a:rPr>
-              <a:t> </a:t>
-            </a:r>
-            <a:r>
-              <a:rPr lang="en-US" altLang="zh-CN" sz="1600" dirty="0" err="1">
-                <a:solidFill>
-                  <a:srgbClr val="ADDD68"/>
-                </a:solidFill>
-              </a:rPr>
-              <a:t>er</a:t>
-            </a:r>
-            <a:r>
-              <a:rPr lang="en-US" altLang="zh-CN" sz="1600" dirty="0">
-                <a:solidFill>
-                  <a:srgbClr val="ADDD68"/>
-                </a:solidFill>
-              </a:rPr>
-              <a:t> Demo</a:t>
-            </a:r>
-            <a:endParaRPr kumimoji="1" lang="zh-CN" altLang="en-US" sz="1600" dirty="0">
-              <a:solidFill>
-                <a:srgbClr val="ADDD68"/>
-              </a:solidFill>
-            </a:endParaRPr>
-          </a:p>
-        </p:txBody>
-      </p:sp>
-    </p:spTree>
-    <p:extLst>
-      <p:ext uri="{BB962C8B-B14F-4D97-AF65-F5344CB8AC3E}">
-        <p14:creationId xmlns:p14="http://schemas.microsoft.com/office/powerpoint/2010/main" val="4258795949"/>
-      </p:ext>
-    </p:extLst>
-  </p:cSld>
-  <p:clrMapOvr>
-    <a:masterClrMapping/>
-  </p:clrMapOvr>
-  <p:timing>
-    <p:tnLst>
-      <p:par>
-        <p:cTn xmlns:p14="http://schemas.microsoft.com/office/powerpoint/2010/main" id="1" dur="indefinite" restart="never" nodeType="tmRoot"/>
-      </p:par>
-    </p:tnLst>
-  </p:timing>
-</p:sld>
-</file>
-
-<file path=ppt/slides/slide21.xml><?xml version="1.0" encoding="utf-8"?>
-<p:sld xmlns:a="http://schemas.openxmlformats.org/drawingml/2006/main" xmlns:r="http://schemas.openxmlformats.org/officeDocument/2006/relationships" xmlns:p="http://schemas.openxmlformats.org/presentationml/2006/main">
-  <p:cSld>
-    <p:spTree>
-      <p:nvGrpSpPr>
-        <p:cNvPr id="1" name=""/>
-        <p:cNvGrpSpPr/>
-        <p:nvPr/>
-      </p:nvGrpSpPr>
-      <p:grpSpPr>
-        <a:xfrm>
-          <a:off x="0" y="0"/>
-          <a:ext cx="0" cy="0"/>
-          <a:chOff x="0" y="0"/>
-          <a:chExt cx="0" cy="0"/>
-        </a:xfrm>
-      </p:grpSpPr>
-      <p:sp>
-        <p:nvSpPr>
-          <p:cNvPr id="2" name="标题 1"/>
-          <p:cNvSpPr>
-            <a:spLocks noGrp="1"/>
-          </p:cNvSpPr>
-          <p:nvPr>
-            <p:ph type="title"/>
-          </p:nvPr>
-        </p:nvSpPr>
-        <p:spPr/>
-        <p:txBody>
-          <a:bodyPr/>
-          <a:lstStyle/>
-          <a:p>
-            <a:r>
-              <a:rPr lang="zh-CN" altLang="en-US" b="0" dirty="0"/>
-              <a:t>罗盘案例 </a:t>
-            </a:r>
-            <a:r>
-              <a:rPr lang="en-US" altLang="zh-CN" b="0" dirty="0"/>
-              <a:t>1</a:t>
-            </a:r>
-            <a:endParaRPr kumimoji="1" lang="zh-CN" altLang="en-US" dirty="0"/>
-          </a:p>
-        </p:txBody>
-      </p:sp>
-      <p:sp>
-        <p:nvSpPr>
-          <p:cNvPr id="3" name="幻灯片编号占位符 2"/>
-          <p:cNvSpPr>
-            <a:spLocks noGrp="1"/>
-          </p:cNvSpPr>
-          <p:nvPr>
-            <p:ph type="sldNum" sz="quarter" idx="4"/>
-          </p:nvPr>
-        </p:nvSpPr>
-        <p:spPr/>
-        <p:txBody>
-          <a:bodyPr/>
-          <a:lstStyle/>
-          <a:p>
-            <a:fld id="{BF10DB53-D7D3-4DB6-A29F-40217B92EC88}" type="slidenum">
-              <a:rPr lang="en-US" smtClean="0"/>
-              <a:pPr/>
-              <a:t>20</a:t>
-            </a:fld>
-            <a:endParaRPr lang="en-US" dirty="0"/>
-          </a:p>
-        </p:txBody>
-      </p:sp>
-      <p:sp>
-        <p:nvSpPr>
-          <p:cNvPr id="5" name="文本框 4"/>
-          <p:cNvSpPr txBox="1"/>
-          <p:nvPr/>
-        </p:nvSpPr>
-        <p:spPr>
-          <a:xfrm>
-            <a:off x="107504" y="1340768"/>
-            <a:ext cx="8928992" cy="5521513"/>
-          </a:xfrm>
-          <a:prstGeom prst="rect">
-            <a:avLst/>
-          </a:prstGeom>
-          <a:noFill/>
-        </p:spPr>
-        <p:txBody>
-          <a:bodyPr wrap="square" rtlCol="0">
-            <a:spAutoFit/>
-          </a:bodyPr>
-          <a:lstStyle/>
-          <a:p>
-            <a:pPr>
-              <a:lnSpc>
-                <a:spcPct val="130000"/>
-              </a:lnSpc>
-            </a:pPr>
-            <a:r>
-              <a:rPr lang="en-US" altLang="zh-TW" sz="1600" dirty="0"/>
-              <a:t>//</a:t>
-            </a:r>
-            <a:r>
-              <a:rPr lang="zh-TW" altLang="en-US" sz="1600" dirty="0"/>
-              <a:t>实现</a:t>
-            </a:r>
-            <a:r>
-              <a:rPr lang="en-US" altLang="zh-TW" sz="1600" dirty="0" err="1"/>
-              <a:t>CLLocationManagerDelegate</a:t>
-            </a:r>
-            <a:r>
-              <a:rPr lang="zh-TW" altLang="en-US" sz="1600" dirty="0"/>
-              <a:t>协议以接收位置与方向的更新</a:t>
-            </a:r>
-          </a:p>
-          <a:p>
-            <a:pPr>
-              <a:lnSpc>
-                <a:spcPct val="130000"/>
-              </a:lnSpc>
-            </a:pPr>
-            <a:r>
-              <a:rPr lang="en-US" altLang="zh-CN" sz="1600" dirty="0"/>
-              <a:t>@interface </a:t>
-            </a:r>
-            <a:r>
-              <a:rPr lang="en-US" altLang="zh-CN" sz="1600" dirty="0" err="1"/>
-              <a:t>TestBedViewController</a:t>
-            </a:r>
-            <a:r>
-              <a:rPr lang="en-US" altLang="zh-CN" sz="1600" dirty="0"/>
-              <a:t> : </a:t>
-            </a:r>
-            <a:r>
-              <a:rPr lang="en-US" altLang="zh-CN" sz="1600" dirty="0" err="1"/>
-              <a:t>UIViewController</a:t>
-            </a:r>
-            <a:r>
-              <a:rPr lang="en-US" altLang="zh-CN" sz="1600" dirty="0"/>
-              <a:t> &lt;</a:t>
-            </a:r>
-            <a:r>
-              <a:rPr lang="en-US" altLang="zh-CN" sz="1600" dirty="0" err="1"/>
-              <a:t>CLLocationManagerDelegate</a:t>
-            </a:r>
-            <a:r>
-              <a:rPr lang="en-US" altLang="zh-CN" sz="1600" dirty="0"/>
-              <a:t>&gt;{</a:t>
-            </a:r>
-          </a:p>
-          <a:p>
-            <a:pPr lvl="1">
-              <a:lnSpc>
-                <a:spcPct val="130000"/>
-              </a:lnSpc>
-            </a:pPr>
-            <a:r>
-              <a:rPr lang="en-US" altLang="zh-CN" sz="1600" dirty="0" err="1"/>
-              <a:t>IBOutlet</a:t>
-            </a:r>
-            <a:r>
-              <a:rPr lang="en-US" altLang="zh-CN" sz="1600" dirty="0"/>
-              <a:t> </a:t>
-            </a:r>
-            <a:r>
-              <a:rPr lang="en-US" altLang="zh-CN" sz="1600" dirty="0" err="1"/>
-              <a:t>UIImageView</a:t>
-            </a:r>
-            <a:r>
-              <a:rPr lang="en-US" altLang="zh-CN" sz="1600" dirty="0"/>
-              <a:t> *arrow;</a:t>
-            </a:r>
-          </a:p>
-          <a:p>
-            <a:pPr lvl="1">
-              <a:lnSpc>
-                <a:spcPct val="130000"/>
-              </a:lnSpc>
-            </a:pPr>
-            <a:r>
-              <a:rPr lang="en-US" altLang="zh-CN" sz="1600" dirty="0" err="1"/>
-              <a:t>CLLocationManager</a:t>
-            </a:r>
-            <a:r>
-              <a:rPr lang="en-US" altLang="zh-CN" sz="1600" dirty="0"/>
-              <a:t> *</a:t>
-            </a:r>
-            <a:r>
-              <a:rPr lang="en-US" altLang="zh-CN" sz="1600" dirty="0" err="1"/>
-              <a:t>locManager</a:t>
-            </a:r>
-            <a:r>
-              <a:rPr lang="en-US" altLang="zh-CN" sz="1600" dirty="0"/>
-              <a:t>;//</a:t>
-            </a:r>
-            <a:r>
-              <a:rPr lang="zh-CN" altLang="en-US" sz="1600" dirty="0"/>
-              <a:t>声明位置管理</a:t>
-            </a:r>
-          </a:p>
-          <a:p>
-            <a:pPr>
-              <a:lnSpc>
-                <a:spcPct val="130000"/>
-              </a:lnSpc>
-            </a:pPr>
-            <a:r>
-              <a:rPr lang="en-US" altLang="zh-CN" sz="1600" dirty="0"/>
-              <a:t>}</a:t>
-            </a:r>
-          </a:p>
-          <a:p>
-            <a:pPr>
-              <a:lnSpc>
-                <a:spcPct val="130000"/>
-              </a:lnSpc>
-            </a:pPr>
-            <a:r>
-              <a:rPr lang="en-US" altLang="zh-CN" sz="1600" dirty="0"/>
-              <a:t>@property (retain) </a:t>
-            </a:r>
-            <a:r>
-              <a:rPr lang="en-US" altLang="zh-CN" sz="1600" dirty="0" err="1"/>
-              <a:t>CLLocationManager</a:t>
-            </a:r>
-            <a:r>
-              <a:rPr lang="en-US" altLang="zh-CN" sz="1600" dirty="0"/>
-              <a:t> *</a:t>
-            </a:r>
-            <a:r>
-              <a:rPr lang="en-US" altLang="zh-CN" sz="1600" dirty="0" err="1"/>
-              <a:t>locManager</a:t>
-            </a:r>
-            <a:r>
-              <a:rPr lang="en-US" altLang="zh-CN" sz="1600" dirty="0"/>
-              <a:t>;</a:t>
-            </a:r>
-          </a:p>
-          <a:p>
-            <a:pPr>
-              <a:lnSpc>
-                <a:spcPct val="130000"/>
-              </a:lnSpc>
-            </a:pPr>
-            <a:r>
-              <a:rPr lang="en-US" altLang="zh-CN" sz="1600" dirty="0"/>
-              <a:t>@end</a:t>
-            </a:r>
-          </a:p>
-          <a:p>
-            <a:pPr>
-              <a:lnSpc>
-                <a:spcPct val="130000"/>
-              </a:lnSpc>
-            </a:pPr>
-            <a:r>
-              <a:rPr lang="en-US" altLang="zh-CN" sz="1600" dirty="0"/>
-              <a:t>//</a:t>
-            </a:r>
-            <a:r>
-              <a:rPr lang="zh-CN" altLang="en-US" sz="1600" dirty="0"/>
-              <a:t>错误处理回调</a:t>
-            </a:r>
-          </a:p>
-          <a:p>
-            <a:pPr>
-              <a:lnSpc>
-                <a:spcPct val="130000"/>
-              </a:lnSpc>
-            </a:pPr>
-            <a:r>
-              <a:rPr lang="en-US" altLang="zh-CN" sz="1600" dirty="0"/>
-              <a:t>- (void)</a:t>
-            </a:r>
-            <a:r>
-              <a:rPr lang="en-US" altLang="zh-CN" sz="1600" dirty="0" err="1"/>
-              <a:t>locationManager</a:t>
-            </a:r>
-            <a:r>
-              <a:rPr lang="en-US" altLang="zh-CN" sz="1600" dirty="0"/>
-              <a:t>:(</a:t>
-            </a:r>
-            <a:r>
-              <a:rPr lang="en-US" altLang="zh-CN" sz="1600" dirty="0" err="1"/>
-              <a:t>CLLocationManager</a:t>
-            </a:r>
-            <a:r>
-              <a:rPr lang="en-US" altLang="zh-CN" sz="1600" dirty="0"/>
-              <a:t> *)manager </a:t>
-            </a:r>
-            <a:r>
-              <a:rPr lang="en-US" altLang="zh-CN" sz="1600" dirty="0" err="1"/>
-              <a:t>didFailWithError</a:t>
-            </a:r>
-            <a:r>
-              <a:rPr lang="en-US" altLang="zh-CN" sz="1600" dirty="0"/>
-              <a:t>:(</a:t>
-            </a:r>
-            <a:r>
-              <a:rPr lang="en-US" altLang="zh-CN" sz="1600" dirty="0" err="1"/>
-              <a:t>NSError</a:t>
-            </a:r>
-            <a:r>
-              <a:rPr lang="en-US" altLang="zh-CN" sz="1600" dirty="0"/>
-              <a:t> *)error{</a:t>
-            </a:r>
-          </a:p>
-          <a:p>
-            <a:pPr lvl="1">
-              <a:lnSpc>
-                <a:spcPct val="130000"/>
-              </a:lnSpc>
-            </a:pPr>
-            <a:r>
-              <a:rPr lang="en-US" altLang="zh-CN" sz="1600" dirty="0" err="1"/>
-              <a:t>NSLog</a:t>
-            </a:r>
-            <a:r>
-              <a:rPr lang="en-US" altLang="zh-CN" sz="1600" dirty="0"/>
-              <a:t>(@"Location manager error: %@", [error description]);</a:t>
-            </a:r>
-          </a:p>
-          <a:p>
-            <a:pPr>
-              <a:lnSpc>
-                <a:spcPct val="130000"/>
-              </a:lnSpc>
-            </a:pPr>
-            <a:r>
-              <a:rPr lang="en-US" altLang="zh-CN" sz="1600" dirty="0"/>
-              <a:t>}</a:t>
-            </a:r>
-          </a:p>
-          <a:p>
-            <a:pPr>
-              <a:lnSpc>
-                <a:spcPct val="130000"/>
-              </a:lnSpc>
-            </a:pPr>
-            <a:r>
-              <a:rPr lang="en-US" altLang="zh-CN" sz="1600" dirty="0"/>
-              <a:t>//</a:t>
-            </a:r>
-            <a:r>
-              <a:rPr lang="zh-CN" altLang="en-US" sz="1600" dirty="0"/>
-              <a:t>方向更新回调</a:t>
-            </a:r>
-          </a:p>
-          <a:p>
-            <a:pPr>
-              <a:lnSpc>
-                <a:spcPct val="130000"/>
-              </a:lnSpc>
-            </a:pPr>
-            <a:r>
-              <a:rPr lang="en-US" altLang="zh-CN" sz="1600" dirty="0"/>
-              <a:t>- (void)</a:t>
-            </a:r>
-            <a:r>
-              <a:rPr lang="en-US" altLang="zh-CN" sz="1600" dirty="0" err="1"/>
-              <a:t>locationManager</a:t>
-            </a:r>
-            <a:r>
-              <a:rPr lang="en-US" altLang="zh-CN" sz="1600" dirty="0"/>
-              <a:t>:(</a:t>
-            </a:r>
-            <a:r>
-              <a:rPr lang="en-US" altLang="zh-CN" sz="1600" dirty="0" err="1"/>
-              <a:t>CLLocationManager</a:t>
-            </a:r>
-            <a:r>
-              <a:rPr lang="en-US" altLang="zh-CN" sz="1600" dirty="0"/>
-              <a:t> *)manager </a:t>
-            </a:r>
-            <a:r>
-              <a:rPr lang="en-US" altLang="zh-CN" sz="1600" dirty="0" err="1"/>
-              <a:t>didUpdateHeading</a:t>
-            </a:r>
-            <a:r>
-              <a:rPr lang="en-US" altLang="zh-CN" sz="1600" dirty="0"/>
-              <a:t>:(</a:t>
-            </a:r>
-            <a:r>
-              <a:rPr lang="en-US" altLang="zh-CN" sz="1600" dirty="0" err="1"/>
-              <a:t>CLHeading</a:t>
-            </a:r>
-            <a:r>
-              <a:rPr lang="en-US" altLang="zh-CN" sz="1600" dirty="0"/>
-              <a:t> *)</a:t>
-            </a:r>
-            <a:r>
-              <a:rPr lang="en-US" altLang="zh-CN" sz="1600" dirty="0" err="1"/>
-              <a:t>newHeading</a:t>
-            </a:r>
-            <a:r>
-              <a:rPr lang="en-US" altLang="zh-CN" sz="1600" dirty="0"/>
-              <a:t>{</a:t>
-            </a:r>
-          </a:p>
-          <a:p>
-            <a:pPr lvl="1">
-              <a:lnSpc>
-                <a:spcPct val="130000"/>
-              </a:lnSpc>
-            </a:pPr>
-            <a:r>
-              <a:rPr lang="en-US" altLang="zh-CN" sz="1600" dirty="0" err="1"/>
-              <a:t>CGFloat</a:t>
-            </a:r>
-            <a:r>
-              <a:rPr lang="en-US" altLang="zh-CN" sz="1600" dirty="0"/>
-              <a:t> heading = -1.0f * M_PI * </a:t>
-            </a:r>
-            <a:r>
-              <a:rPr lang="en-US" altLang="zh-CN" sz="1600" dirty="0" err="1"/>
-              <a:t>newHeading.magneticHeading</a:t>
-            </a:r>
-            <a:r>
-              <a:rPr lang="en-US" altLang="zh-CN" sz="1600" dirty="0"/>
-              <a:t> / 180.0f;</a:t>
-            </a:r>
-          </a:p>
-          <a:p>
-            <a:pPr lvl="1">
-              <a:lnSpc>
-                <a:spcPct val="130000"/>
-              </a:lnSpc>
-            </a:pPr>
-            <a:r>
-              <a:rPr lang="en-US" altLang="zh-CN" sz="1600" dirty="0" err="1"/>
-              <a:t>arrow.transform</a:t>
-            </a:r>
-            <a:r>
-              <a:rPr lang="en-US" altLang="zh-CN" sz="1600" dirty="0"/>
-              <a:t> = </a:t>
-            </a:r>
-            <a:r>
-              <a:rPr lang="en-US" altLang="zh-CN" sz="1600" dirty="0" err="1"/>
-              <a:t>CGAffineTransformMakeRotation</a:t>
-            </a:r>
-            <a:r>
-              <a:rPr lang="en-US" altLang="zh-CN" sz="1600" dirty="0"/>
-              <a:t>(heading);</a:t>
-            </a:r>
-          </a:p>
-          <a:p>
-            <a:pPr>
-              <a:lnSpc>
-                <a:spcPct val="130000"/>
-              </a:lnSpc>
-            </a:pPr>
-            <a:r>
-              <a:rPr lang="en-US" altLang="zh-CN" sz="1600" dirty="0"/>
-              <a:t>}</a:t>
-            </a:r>
-            <a:endParaRPr kumimoji="1" lang="zh-CN" altLang="en-US" sz="1600" dirty="0">
-              <a:solidFill>
-                <a:srgbClr val="ADDD68"/>
-              </a:solidFill>
-            </a:endParaRPr>
-          </a:p>
-        </p:txBody>
-      </p:sp>
-    </p:spTree>
-    <p:extLst>
-      <p:ext uri="{BB962C8B-B14F-4D97-AF65-F5344CB8AC3E}">
-        <p14:creationId xmlns:p14="http://schemas.microsoft.com/office/powerpoint/2010/main" val="1693337814"/>
-      </p:ext>
-    </p:extLst>
-  </p:cSld>
-  <p:clrMapOvr>
-    <a:masterClrMapping/>
-  </p:clrMapOvr>
-  <p:timing>
-    <p:tnLst>
-      <p:par>
-        <p:cTn xmlns:p14="http://schemas.microsoft.com/office/powerpoint/2010/main" id="1" dur="indefinite" restart="never" nodeType="tmRoot"/>
-      </p:par>
-    </p:tnLst>
-  </p:timing>
-</p:sld>
-</file>
-
-<file path=ppt/slides/slide22.xml><?xml version="1.0" encoding="utf-8"?>
-<p:sld xmlns:a="http://schemas.openxmlformats.org/drawingml/2006/main" xmlns:r="http://schemas.openxmlformats.org/officeDocument/2006/relationships" xmlns:p="http://schemas.openxmlformats.org/presentationml/2006/main">
-  <p:cSld>
-    <p:spTree>
-      <p:nvGrpSpPr>
-        <p:cNvPr id="1" name=""/>
-        <p:cNvGrpSpPr/>
-        <p:nvPr/>
-      </p:nvGrpSpPr>
-      <p:grpSpPr>
-        <a:xfrm>
-          <a:off x="0" y="0"/>
-          <a:ext cx="0" cy="0"/>
-          <a:chOff x="0" y="0"/>
-          <a:chExt cx="0" cy="0"/>
-        </a:xfrm>
-      </p:grpSpPr>
-      <p:sp>
-        <p:nvSpPr>
-          <p:cNvPr id="2" name="标题 1"/>
-          <p:cNvSpPr>
-            <a:spLocks noGrp="1"/>
-          </p:cNvSpPr>
-          <p:nvPr>
-            <p:ph type="title"/>
-          </p:nvPr>
-        </p:nvSpPr>
-        <p:spPr/>
-        <p:txBody>
-          <a:bodyPr/>
-          <a:lstStyle/>
-          <a:p>
-            <a:r>
-              <a:rPr lang="zh-CN" altLang="en-US" b="0" dirty="0"/>
-              <a:t>罗盘案例 </a:t>
-            </a:r>
-            <a:r>
-              <a:rPr lang="en-US" altLang="zh-CN" b="0" dirty="0"/>
-              <a:t>2</a:t>
-            </a:r>
-            <a:endParaRPr kumimoji="1" lang="zh-CN" altLang="en-US" dirty="0"/>
-          </a:p>
-        </p:txBody>
-      </p:sp>
-      <p:sp>
-        <p:nvSpPr>
-          <p:cNvPr id="3" name="幻灯片编号占位符 2"/>
-          <p:cNvSpPr>
-            <a:spLocks noGrp="1"/>
-          </p:cNvSpPr>
-          <p:nvPr>
-            <p:ph type="sldNum" sz="quarter" idx="4"/>
-          </p:nvPr>
-        </p:nvSpPr>
-        <p:spPr/>
-        <p:txBody>
-          <a:bodyPr/>
-          <a:lstStyle/>
-          <a:p>
-            <a:fld id="{BF10DB53-D7D3-4DB6-A29F-40217B92EC88}" type="slidenum">
-              <a:rPr lang="en-US" smtClean="0"/>
-              <a:pPr/>
-              <a:t>21</a:t>
-            </a:fld>
-            <a:endParaRPr lang="en-US" dirty="0"/>
-          </a:p>
-        </p:txBody>
-      </p:sp>
-      <p:sp>
-        <p:nvSpPr>
-          <p:cNvPr id="5" name="文本框 4"/>
-          <p:cNvSpPr txBox="1"/>
-          <p:nvPr/>
-        </p:nvSpPr>
-        <p:spPr>
-          <a:xfrm>
-            <a:off x="107504" y="1246205"/>
-            <a:ext cx="8928992" cy="5611795"/>
+            <a:off x="179512" y="1340768"/>
+            <a:ext cx="8712968" cy="3939539"/>
           </a:xfrm>
           <a:prstGeom prst="rect">
             <a:avLst/>
@@ -13594,13 +8603,30 @@
               </a:lnSpc>
             </a:pPr>
             <a:r>
-              <a:rPr lang="en-US" altLang="zh-CN" sz="1600" dirty="0"/>
-              <a:t>//</a:t>
-            </a:r>
-            <a:r>
-              <a:rPr lang="zh-CN" altLang="en-US" sz="1600" dirty="0"/>
-              <a:t>显示方向校准警告</a:t>
-            </a:r>
+              <a:rPr lang="zh-CN" altLang="zh-CN" sz="2400" dirty="0"/>
+              <a:t>-</a:t>
+            </a:r>
+            <a:r>
+              <a:rPr lang="en-US" altLang="zh-CN" sz="2400" dirty="0" smtClean="0"/>
+              <a:t> </a:t>
+            </a:r>
+            <a:r>
+              <a:rPr lang="en-US" altLang="zh-CN" sz="2400" dirty="0"/>
+              <a:t>(void)call:(</a:t>
+            </a:r>
+            <a:r>
+              <a:rPr lang="en-US" altLang="zh-CN" sz="2400" dirty="0" err="1"/>
+              <a:t>NSString</a:t>
+            </a:r>
+            <a:r>
+              <a:rPr lang="en-US" altLang="zh-CN" sz="2400" dirty="0"/>
+              <a:t> *)</a:t>
+            </a:r>
+            <a:r>
+              <a:rPr lang="en-US" altLang="zh-CN" sz="2400" dirty="0" err="1"/>
+              <a:t>telephoneNum</a:t>
+            </a:r>
+            <a:endParaRPr lang="en-US" altLang="zh-CN" sz="2400" dirty="0"/>
           </a:p>
           <a:p>
             <a:pPr>
@@ -13609,24 +8635,110 @@
               </a:lnSpc>
             </a:pPr>
             <a:r>
-              <a:rPr lang="en-US" altLang="zh-CN" sz="1600" dirty="0"/>
-              <a:t>- (BOOL)</a:t>
-            </a:r>
-            <a:r>
-              <a:rPr lang="en-US" altLang="zh-CN" sz="1600" dirty="0" err="1"/>
-              <a:t>locationManagerShouldDisplayHeadingCalibration</a:t>
-            </a:r>
-            <a:r>
-              <a:rPr lang="en-US" altLang="zh-CN" sz="1600" dirty="0"/>
-              <a:t>:(</a:t>
-            </a:r>
-            <a:r>
-              <a:rPr lang="en-US" altLang="zh-CN" sz="1600" dirty="0" err="1"/>
-              <a:t>CLLocationManager</a:t>
-            </a:r>
-            <a:r>
-              <a:rPr lang="en-US" altLang="zh-CN" sz="1600" dirty="0"/>
-              <a:t> *)manager{</a:t>
+              <a:rPr lang="en-US" altLang="zh-CN" sz="2400" dirty="0"/>
+              <a:t>{</a:t>
+            </a:r>
+          </a:p>
+          <a:p>
+            <a:pPr lvl="1">
+              <a:lnSpc>
+                <a:spcPct val="150000"/>
+              </a:lnSpc>
+            </a:pPr>
+            <a:r>
+              <a:rPr lang="en-US" altLang="zh-CN" sz="2400" dirty="0"/>
+              <a:t>    </a:t>
+            </a:r>
+            <a:r>
+              <a:rPr lang="en-US" altLang="zh-CN" sz="2400" dirty="0" err="1"/>
+              <a:t>NSString</a:t>
+            </a:r>
+            <a:r>
+              <a:rPr lang="en-US" altLang="zh-CN" sz="2400" dirty="0"/>
+              <a:t> *</a:t>
+            </a:r>
+            <a:r>
+              <a:rPr lang="en-US" altLang="zh-CN" sz="2400" dirty="0" err="1"/>
+              <a:t>str</a:t>
+            </a:r>
+            <a:r>
+              <a:rPr lang="en-US" altLang="zh-CN" sz="2400" dirty="0"/>
+              <a:t> = [</a:t>
+            </a:r>
+            <a:r>
+              <a:rPr lang="en-US" altLang="zh-CN" sz="2400" dirty="0" err="1"/>
+              <a:t>NSString</a:t>
+            </a:r>
+            <a:r>
+              <a:rPr lang="en-US" altLang="zh-CN" sz="2400" dirty="0"/>
+              <a:t> </a:t>
+            </a:r>
+            <a:r>
+              <a:rPr lang="en-US" altLang="zh-CN" sz="2400" dirty="0" err="1"/>
+              <a:t>stringWithFormat</a:t>
+            </a:r>
+            <a:r>
+              <a:rPr lang="en-US" altLang="zh-CN" sz="2400" dirty="0"/>
+              <a:t>:@"</a:t>
+            </a:r>
+            <a:r>
+              <a:rPr lang="en-US" altLang="zh-CN" sz="2400" dirty="0" err="1"/>
+              <a:t>telprompt</a:t>
+            </a:r>
+            <a:r>
+              <a:rPr lang="en-US" altLang="zh-CN" sz="2400" dirty="0"/>
+              <a:t>://%@", </a:t>
+            </a:r>
+            <a:r>
+              <a:rPr lang="en-US" altLang="zh-CN" sz="2400" dirty="0" err="1"/>
+              <a:t>telephoneNum</a:t>
+            </a:r>
+            <a:r>
+              <a:rPr lang="en-US" altLang="zh-CN" sz="2400" dirty="0"/>
+              <a:t>];</a:t>
+            </a:r>
+          </a:p>
+          <a:p>
+            <a:pPr lvl="1">
+              <a:lnSpc>
+                <a:spcPct val="150000"/>
+              </a:lnSpc>
+            </a:pPr>
+            <a:r>
+              <a:rPr lang="en-US" altLang="zh-CN" sz="2400" dirty="0"/>
+              <a:t>    [[</a:t>
+            </a:r>
+            <a:r>
+              <a:rPr lang="en-US" altLang="zh-CN" sz="2400" dirty="0" err="1"/>
+              <a:t>UIApplication</a:t>
+            </a:r>
+            <a:r>
+              <a:rPr lang="en-US" altLang="zh-CN" sz="2400" dirty="0"/>
+              <a:t> </a:t>
+            </a:r>
+            <a:r>
+              <a:rPr lang="en-US" altLang="zh-CN" sz="2400" dirty="0" err="1"/>
+              <a:t>sharedApplication</a:t>
+            </a:r>
+            <a:r>
+              <a:rPr lang="en-US" altLang="zh-CN" sz="2400" dirty="0"/>
+              <a:t>] </a:t>
+            </a:r>
+            <a:r>
+              <a:rPr lang="en-US" altLang="zh-CN" sz="2400" dirty="0" err="1"/>
+              <a:t>openURL</a:t>
+            </a:r>
+            <a:r>
+              <a:rPr lang="en-US" altLang="zh-CN" sz="2400" dirty="0"/>
+              <a:t>:[NSURL </a:t>
+            </a:r>
+            <a:r>
+              <a:rPr lang="en-US" altLang="zh-CN" sz="2400" dirty="0" err="1"/>
+              <a:t>URLWithString:str</a:t>
+            </a:r>
+            <a:r>
+              <a:rPr lang="en-US" altLang="zh-CN" sz="2400" dirty="0"/>
+              <a:t>]];</a:t>
             </a:r>
           </a:p>
           <a:p>
@@ -13636,457 +8748,17 @@
               </a:lnSpc>
             </a:pPr>
             <a:r>
-              <a:rPr lang="en-US" altLang="zh-CN" sz="1600" dirty="0"/>
-              <a:t>return YES; }</a:t>
-            </a:r>
-          </a:p>
-          <a:p>
-            <a:pPr>
-              <a:lnSpc>
-                <a:spcPct val="150000"/>
-              </a:lnSpc>
-            </a:pPr>
-            <a:r>
-              <a:rPr lang="en-US" altLang="zh-CN" sz="1600" dirty="0"/>
-              <a:t>- (void) </a:t>
-            </a:r>
-            <a:r>
-              <a:rPr lang="en-US" altLang="zh-CN" sz="1600" dirty="0" err="1"/>
-              <a:t>viewDidLoad</a:t>
-            </a:r>
-            <a:r>
-              <a:rPr lang="en-US" altLang="zh-CN" sz="1600" dirty="0"/>
-              <a:t>{</a:t>
-            </a:r>
-          </a:p>
-          <a:p>
-            <a:pPr lvl="1">
-              <a:lnSpc>
-                <a:spcPct val="150000"/>
-              </a:lnSpc>
-            </a:pPr>
-            <a:r>
-              <a:rPr lang="en-US" altLang="zh-CN" sz="1600" dirty="0" err="1"/>
-              <a:t>self.navigationController.navigationBar.tintColor</a:t>
-            </a:r>
-            <a:r>
-              <a:rPr lang="en-US" altLang="zh-CN" sz="1600" dirty="0"/>
-              <a:t> = COOKBOOK_PURPLE_COLOR;</a:t>
-            </a:r>
-          </a:p>
-          <a:p>
-            <a:pPr lvl="1">
-              <a:lnSpc>
-                <a:spcPct val="150000"/>
-              </a:lnSpc>
-            </a:pPr>
-            <a:r>
-              <a:rPr lang="en-US" altLang="zh-CN" sz="1600" dirty="0"/>
-              <a:t>//</a:t>
-            </a:r>
-            <a:r>
-              <a:rPr lang="zh-CN" altLang="en-US" sz="1600" dirty="0"/>
-              <a:t>实例化位置管理器</a:t>
-            </a:r>
-          </a:p>
-          <a:p>
-            <a:pPr lvl="1">
-              <a:lnSpc>
-                <a:spcPct val="150000"/>
-              </a:lnSpc>
-            </a:pPr>
-            <a:r>
-              <a:rPr lang="en-US" altLang="zh-CN" sz="1600" dirty="0" err="1"/>
-              <a:t>self.locManager</a:t>
-            </a:r>
-            <a:r>
-              <a:rPr lang="en-US" altLang="zh-CN" sz="1600" dirty="0"/>
-              <a:t> = [[[</a:t>
-            </a:r>
-            <a:r>
-              <a:rPr lang="en-US" altLang="zh-CN" sz="1600" dirty="0" err="1"/>
-              <a:t>CLLocationManager</a:t>
-            </a:r>
-            <a:r>
-              <a:rPr lang="en-US" altLang="zh-CN" sz="1600" dirty="0"/>
-              <a:t> </a:t>
-            </a:r>
-            <a:r>
-              <a:rPr lang="en-US" altLang="zh-CN" sz="1600" dirty="0" err="1"/>
-              <a:t>alloc</a:t>
-            </a:r>
-            <a:r>
-              <a:rPr lang="en-US" altLang="zh-CN" sz="1600" dirty="0"/>
-              <a:t>] </a:t>
-            </a:r>
-            <a:r>
-              <a:rPr lang="en-US" altLang="zh-CN" sz="1600" dirty="0" err="1"/>
-              <a:t>init</a:t>
-            </a:r>
-            <a:r>
-              <a:rPr lang="en-US" altLang="zh-CN" sz="1600" dirty="0"/>
-              <a:t>] </a:t>
-            </a:r>
-            <a:r>
-              <a:rPr lang="en-US" altLang="zh-CN" sz="1600" dirty="0" err="1"/>
-              <a:t>autorelease</a:t>
-            </a:r>
-            <a:r>
-              <a:rPr lang="en-US" altLang="zh-CN" sz="1600" dirty="0"/>
-              <a:t>];</a:t>
-            </a:r>
-          </a:p>
-          <a:p>
-            <a:pPr lvl="1">
-              <a:lnSpc>
-                <a:spcPct val="150000"/>
-              </a:lnSpc>
-            </a:pPr>
-            <a:r>
-              <a:rPr lang="en-US" altLang="zh-CN" sz="1600" dirty="0"/>
-              <a:t>//</a:t>
-            </a:r>
-            <a:r>
-              <a:rPr lang="zh-CN" altLang="en-US" sz="1600" dirty="0"/>
-              <a:t>设置委托对象</a:t>
-            </a:r>
-          </a:p>
-          <a:p>
-            <a:pPr lvl="1">
-              <a:lnSpc>
-                <a:spcPct val="150000"/>
-              </a:lnSpc>
-            </a:pPr>
-            <a:r>
-              <a:rPr lang="en-US" altLang="zh-CN" sz="1600" dirty="0" err="1"/>
-              <a:t>self.locManager.delegate</a:t>
-            </a:r>
-            <a:r>
-              <a:rPr lang="en-US" altLang="zh-CN" sz="1600" dirty="0"/>
-              <a:t> = self;</a:t>
-            </a:r>
-          </a:p>
-          <a:p>
-            <a:pPr lvl="1">
-              <a:lnSpc>
-                <a:spcPct val="150000"/>
-              </a:lnSpc>
-            </a:pPr>
-            <a:r>
-              <a:rPr lang="en-US" altLang="zh-CN" sz="1600" dirty="0"/>
-              <a:t>//</a:t>
-            </a:r>
-            <a:r>
-              <a:rPr lang="zh-CN" altLang="en-US" sz="1600" dirty="0"/>
-              <a:t>如果能够生成方向相关的事件，就更新方向</a:t>
-            </a:r>
-          </a:p>
-          <a:p>
-            <a:pPr lvl="1">
-              <a:lnSpc>
-                <a:spcPct val="150000"/>
-              </a:lnSpc>
-            </a:pPr>
-            <a:r>
-              <a:rPr lang="en-US" altLang="zh-CN" sz="1600" dirty="0"/>
-              <a:t>if ([</a:t>
-            </a:r>
-            <a:r>
-              <a:rPr lang="en-US" altLang="zh-CN" sz="1600" dirty="0" err="1"/>
-              <a:t>CLLocationManager</a:t>
-            </a:r>
-            <a:r>
-              <a:rPr lang="en-US" altLang="zh-CN" sz="1600" dirty="0"/>
-              <a:t> </a:t>
-            </a:r>
-            <a:r>
-              <a:rPr lang="en-US" altLang="zh-CN" sz="1600" dirty="0" err="1"/>
-              <a:t>headingAvailable</a:t>
-            </a:r>
-            <a:r>
-              <a:rPr lang="en-US" altLang="zh-CN" sz="1600" dirty="0"/>
-              <a:t>])</a:t>
-            </a:r>
-          </a:p>
-          <a:p>
-            <a:pPr lvl="2">
-              <a:lnSpc>
-                <a:spcPct val="150000"/>
-              </a:lnSpc>
-            </a:pPr>
-            <a:r>
-              <a:rPr lang="en-US" altLang="zh-CN" sz="1600" dirty="0"/>
-              <a:t>[</a:t>
-            </a:r>
-            <a:r>
-              <a:rPr lang="en-US" altLang="zh-CN" sz="1600" dirty="0" err="1"/>
-              <a:t>self.locManager</a:t>
-            </a:r>
-            <a:r>
-              <a:rPr lang="en-US" altLang="zh-CN" sz="1600" dirty="0"/>
-              <a:t> </a:t>
-            </a:r>
-            <a:r>
-              <a:rPr lang="en-US" altLang="zh-CN" sz="1600" dirty="0" err="1"/>
-              <a:t>startUpdatingHeading</a:t>
-            </a:r>
-            <a:r>
-              <a:rPr lang="en-US" altLang="zh-CN" sz="1600" dirty="0"/>
-              <a:t>];</a:t>
-            </a:r>
-          </a:p>
-          <a:p>
-            <a:pPr lvl="1">
-              <a:lnSpc>
-                <a:spcPct val="150000"/>
-              </a:lnSpc>
-            </a:pPr>
-            <a:r>
-              <a:rPr lang="en-US" altLang="zh-CN" sz="1600" dirty="0"/>
-              <a:t>else</a:t>
-            </a:r>
-          </a:p>
-          <a:p>
-            <a:pPr lvl="2">
-              <a:lnSpc>
-                <a:spcPct val="150000"/>
-              </a:lnSpc>
-            </a:pPr>
-            <a:r>
-              <a:rPr lang="en-US" altLang="zh-CN" sz="1600" dirty="0" err="1"/>
-              <a:t>arrow.alpha</a:t>
-            </a:r>
-            <a:r>
-              <a:rPr lang="en-US" altLang="zh-CN" sz="1600" dirty="0"/>
-              <a:t> = 0.0f;</a:t>
-            </a:r>
-          </a:p>
-          <a:p>
-            <a:pPr>
-              <a:lnSpc>
-                <a:spcPct val="150000"/>
-              </a:lnSpc>
-            </a:pPr>
-            <a:r>
-              <a:rPr lang="en-US" altLang="zh-CN" sz="1600" dirty="0"/>
-              <a:t>} ** </a:t>
-            </a:r>
-            <a:r>
-              <a:rPr lang="zh-CN" altLang="en-US" sz="1600" dirty="0"/>
-              <a:t>参考案例：</a:t>
-            </a:r>
-            <a:r>
-              <a:rPr lang="en-US" altLang="zh-CN" sz="1600" dirty="0" err="1"/>
-              <a:t>LocationHeadingDemo</a:t>
-            </a:r>
-            <a:r>
-              <a:rPr lang="en-US" altLang="zh-CN" sz="1600" dirty="0"/>
-              <a:t> </a:t>
-            </a:r>
-            <a:r>
-              <a:rPr lang="zh-CN" altLang="en-US" sz="1600" dirty="0"/>
-              <a:t>需要手机支持</a:t>
-            </a:r>
-            <a:endParaRPr kumimoji="1" lang="zh-CN" altLang="en-US" sz="1600" dirty="0">
-              <a:solidFill>
-                <a:srgbClr val="ADDD68"/>
-              </a:solidFill>
-            </a:endParaRPr>
+              <a:rPr lang="en-US" altLang="zh-CN" sz="2400" dirty="0"/>
+              <a:t>}</a:t>
+            </a:r>
+            <a:endParaRPr kumimoji="1" lang="zh-CN" altLang="en-US" sz="2400" dirty="0"/>
           </a:p>
         </p:txBody>
       </p:sp>
     </p:spTree>
     <p:extLst>
       <p:ext uri="{BB962C8B-B14F-4D97-AF65-F5344CB8AC3E}">
-        <p14:creationId xmlns:p14="http://schemas.microsoft.com/office/powerpoint/2010/main" val="3473935115"/>
-      </p:ext>
-    </p:extLst>
-  </p:cSld>
-  <p:clrMapOvr>
-    <a:masterClrMapping/>
-  </p:clrMapOvr>
-  <p:timing>
-    <p:tnLst>
-      <p:par>
-        <p:cTn xmlns:p14="http://schemas.microsoft.com/office/powerpoint/2010/main" id="1" dur="indefinite" restart="never" nodeType="tmRoot"/>
-      </p:par>
-    </p:tnLst>
-  </p:timing>
-</p:sld>
-</file>
-
-<file path=ppt/slides/slide23.xml><?xml version="1.0" encoding="utf-8"?>
-<p:sld xmlns:a="http://schemas.openxmlformats.org/drawingml/2006/main" xmlns:r="http://schemas.openxmlformats.org/officeDocument/2006/relationships" xmlns:p="http://schemas.openxmlformats.org/presentationml/2006/main">
-  <p:cSld>
-    <p:spTree>
-      <p:nvGrpSpPr>
-        <p:cNvPr id="1" name=""/>
-        <p:cNvGrpSpPr/>
-        <p:nvPr/>
-      </p:nvGrpSpPr>
-      <p:grpSpPr>
-        <a:xfrm>
-          <a:off x="0" y="0"/>
-          <a:ext cx="0" cy="0"/>
-          <a:chOff x="0" y="0"/>
-          <a:chExt cx="0" cy="0"/>
-        </a:xfrm>
-      </p:grpSpPr>
-      <p:sp>
-        <p:nvSpPr>
-          <p:cNvPr id="2" name="标题 1"/>
-          <p:cNvSpPr>
-            <a:spLocks noGrp="1"/>
-          </p:cNvSpPr>
-          <p:nvPr>
-            <p:ph type="title"/>
-          </p:nvPr>
-        </p:nvSpPr>
-        <p:spPr/>
-        <p:txBody>
-          <a:bodyPr/>
-          <a:lstStyle/>
-          <a:p>
-            <a:r>
-              <a:rPr lang="zh-CN" altLang="en-US" b="0" dirty="0"/>
-              <a:t>总结</a:t>
-            </a:r>
-            <a:endParaRPr kumimoji="1" lang="zh-CN" altLang="en-US" dirty="0"/>
-          </a:p>
-        </p:txBody>
-      </p:sp>
-      <p:sp>
-        <p:nvSpPr>
-          <p:cNvPr id="3" name="幻灯片编号占位符 2"/>
-          <p:cNvSpPr>
-            <a:spLocks noGrp="1"/>
-          </p:cNvSpPr>
-          <p:nvPr>
-            <p:ph type="sldNum" sz="quarter" idx="4"/>
-          </p:nvPr>
-        </p:nvSpPr>
-        <p:spPr/>
-        <p:txBody>
-          <a:bodyPr/>
-          <a:lstStyle/>
-          <a:p>
-            <a:fld id="{BF10DB53-D7D3-4DB6-A29F-40217B92EC88}" type="slidenum">
-              <a:rPr lang="en-US" smtClean="0"/>
-              <a:pPr/>
-              <a:t>22</a:t>
-            </a:fld>
-            <a:endParaRPr lang="en-US" dirty="0"/>
-          </a:p>
-        </p:txBody>
-      </p:sp>
-      <p:sp>
-        <p:nvSpPr>
-          <p:cNvPr id="5" name="文本框 4"/>
-          <p:cNvSpPr txBox="1"/>
-          <p:nvPr/>
-        </p:nvSpPr>
-        <p:spPr>
-          <a:xfrm>
-            <a:off x="179512" y="1196752"/>
-            <a:ext cx="8856984" cy="2831544"/>
-          </a:xfrm>
-          <a:prstGeom prst="rect">
-            <a:avLst/>
-          </a:prstGeom>
-          <a:noFill/>
-        </p:spPr>
-        <p:txBody>
-          <a:bodyPr wrap="square" rtlCol="0">
-            <a:spAutoFit/>
-          </a:bodyPr>
-          <a:lstStyle/>
-          <a:p>
-            <a:pPr marL="342900" indent="-342900">
-              <a:lnSpc>
-                <a:spcPct val="150000"/>
-              </a:lnSpc>
-              <a:buClr>
-                <a:srgbClr val="00FFFF"/>
-              </a:buClr>
-              <a:buFont typeface="Wingdings" charset="2"/>
-              <a:buChar char="Ø"/>
-            </a:pPr>
-            <a:r>
-              <a:rPr lang="zh-CN" altLang="en-US" sz="2400" dirty="0"/>
-              <a:t>多点触摸</a:t>
-            </a:r>
-          </a:p>
-          <a:p>
-            <a:pPr marL="342900" indent="-342900">
-              <a:lnSpc>
-                <a:spcPct val="150000"/>
-              </a:lnSpc>
-              <a:buClr>
-                <a:srgbClr val="00FFFF"/>
-              </a:buClr>
-              <a:buFont typeface="Wingdings" charset="2"/>
-              <a:buChar char="Ø"/>
-            </a:pPr>
-            <a:r>
-              <a:rPr lang="zh-TW" altLang="en-US" sz="2400" dirty="0"/>
-              <a:t>手势</a:t>
-            </a:r>
-          </a:p>
-          <a:p>
-            <a:pPr marL="342900" indent="-342900">
-              <a:lnSpc>
-                <a:spcPct val="150000"/>
-              </a:lnSpc>
-              <a:buClr>
-                <a:srgbClr val="00FFFF"/>
-              </a:buClr>
-              <a:buFont typeface="Wingdings" charset="2"/>
-              <a:buChar char="Ø"/>
-            </a:pPr>
-            <a:r>
-              <a:rPr lang="zh-TW" altLang="en-US" sz="2400" dirty="0"/>
-              <a:t>运动事件</a:t>
-            </a:r>
-          </a:p>
-          <a:p>
-            <a:pPr marL="342900" indent="-342900">
-              <a:lnSpc>
-                <a:spcPct val="150000"/>
-              </a:lnSpc>
-              <a:buClr>
-                <a:srgbClr val="00FFFF"/>
-              </a:buClr>
-              <a:buFont typeface="Wingdings" charset="2"/>
-              <a:buChar char="Ø"/>
-            </a:pPr>
-            <a:r>
-              <a:rPr lang="zh-TW" altLang="en-US" sz="2400" dirty="0"/>
-              <a:t>加速计</a:t>
-            </a:r>
-          </a:p>
-          <a:p>
-            <a:pPr marL="342900" indent="-342900">
-              <a:lnSpc>
-                <a:spcPct val="150000"/>
-              </a:lnSpc>
-              <a:buClr>
-                <a:srgbClr val="00FFFF"/>
-              </a:buClr>
-              <a:buFont typeface="Wingdings" charset="2"/>
-              <a:buChar char="Ø"/>
-            </a:pPr>
-            <a:r>
-              <a:rPr lang="zh-TW" altLang="en-US" sz="2400" dirty="0"/>
-              <a:t>罗盘</a:t>
-            </a:r>
-            <a:endParaRPr kumimoji="1" lang="zh-CN" altLang="en-US" sz="2400" dirty="0"/>
-          </a:p>
-        </p:txBody>
-      </p:sp>
-    </p:spTree>
-    <p:extLst>
-      <p:ext uri="{BB962C8B-B14F-4D97-AF65-F5344CB8AC3E}">
-        <p14:creationId xmlns:p14="http://schemas.microsoft.com/office/powerpoint/2010/main" val="3892597727"/>
+        <p14:creationId xmlns:p14="http://schemas.microsoft.com/office/powerpoint/2010/main" val="989070818"/>
       </p:ext>
     </p:extLst>
   </p:cSld>
@@ -14136,8 +8808,8 @@
           <a:lstStyle/>
           <a:p>
             <a:r>
-              <a:rPr lang="zh-CN" altLang="en-US" b="0" dirty="0"/>
-              <a:t>开启多点触摸事件</a:t>
+              <a:rPr kumimoji="1" lang="zh-CN" altLang="en-US" dirty="0" smtClean="0"/>
+              <a:t>短信</a:t>
             </a:r>
             <a:endParaRPr kumimoji="1" lang="zh-CN" altLang="en-US" dirty="0"/>
           </a:p>
@@ -14175,8 +8847,8 @@
         </p:nvSpPr>
         <p:spPr>
           <a:xfrm>
-            <a:off x="179512" y="1340768"/>
-            <a:ext cx="8712968" cy="2831544"/>
+            <a:off x="179512" y="1220256"/>
+            <a:ext cx="8712968" cy="5632312"/>
           </a:xfrm>
           <a:prstGeom prst="rect">
             <a:avLst/>
@@ -14189,113 +8861,382 @@
           </a:bodyPr>
           <a:lstStyle/>
           <a:p>
-            <a:pPr marL="342900" indent="-342900">
-              <a:lnSpc>
-                <a:spcPct val="150000"/>
-              </a:lnSpc>
-              <a:buClr>
-                <a:srgbClr val="00FFFF"/>
-              </a:buClr>
-              <a:buFont typeface="Wingdings" charset="2"/>
-              <a:buChar char="Ø"/>
-            </a:pPr>
-            <a:r>
-              <a:rPr lang="zh-CN" altLang="en-US" sz="2400" dirty="0" smtClean="0"/>
-              <a:t>缺省情况下</a:t>
-            </a:r>
-            <a:r>
-              <a:rPr lang="zh-CN" altLang="en-US" sz="2400" dirty="0"/>
-              <a:t>，视图只接收多点触摸序列的第一个触摸事件，</a:t>
-            </a:r>
-            <a:r>
-              <a:rPr lang="zh-CN" altLang="en-US" sz="2400" dirty="0" smtClean="0"/>
-              <a:t>而忽</a:t>
-            </a:r>
-            <a:r>
-              <a:rPr lang="zh-CN" altLang="en-US" sz="2400" dirty="0"/>
-              <a:t>略所有其它事件</a:t>
-            </a:r>
-            <a:r>
-              <a:rPr lang="zh-CN" altLang="en-US" sz="2400" dirty="0" smtClean="0"/>
-              <a:t>。</a:t>
-            </a:r>
-            <a:endParaRPr lang="en-US" altLang="zh-CN" sz="2400" dirty="0" smtClean="0"/>
-          </a:p>
-          <a:p>
-            <a:pPr>
-              <a:lnSpc>
-                <a:spcPct val="150000"/>
-              </a:lnSpc>
-            </a:pPr>
-            <a:endParaRPr lang="zh-CN" altLang="en-US" sz="2400" dirty="0"/>
-          </a:p>
-          <a:p>
-            <a:pPr marL="342900" indent="-342900">
-              <a:lnSpc>
-                <a:spcPct val="150000"/>
-              </a:lnSpc>
-              <a:buClr>
-                <a:srgbClr val="00FFFF"/>
-              </a:buClr>
-              <a:buFont typeface="Wingdings" charset="2"/>
-              <a:buChar char="Ø"/>
-            </a:pPr>
-            <a:r>
-              <a:rPr lang="zh-CN" altLang="en-US" sz="2400" dirty="0" smtClean="0"/>
-              <a:t>处理多点触摸</a:t>
-            </a:r>
-            <a:r>
-              <a:rPr lang="zh-CN" altLang="en-US" sz="2400" dirty="0"/>
-              <a:t>，必须使它启用这个功能。在代码或</a:t>
-            </a:r>
-            <a:r>
-              <a:rPr lang="en-US" altLang="zh-CN" sz="2400" dirty="0"/>
-              <a:t>IB</a:t>
-            </a:r>
-            <a:r>
-              <a:rPr lang="zh-CN" altLang="en-US" sz="2400" dirty="0" smtClean="0"/>
-              <a:t>的查看器</a:t>
-            </a:r>
-            <a:r>
-              <a:rPr lang="zh-TW" altLang="en-US" sz="2400" dirty="0" smtClean="0"/>
-              <a:t>窗</a:t>
-            </a:r>
-            <a:r>
-              <a:rPr lang="zh-TW" altLang="en-US" sz="2400" dirty="0"/>
-              <a:t>口中将视图的</a:t>
-            </a:r>
-            <a:r>
-              <a:rPr lang="en-US" altLang="zh-TW" sz="2400" dirty="0" err="1">
-                <a:solidFill>
-                  <a:srgbClr val="FF6700"/>
-                </a:solidFill>
-              </a:rPr>
-              <a:t>multipleTouchEnabled</a:t>
-            </a:r>
-            <a:r>
-              <a:rPr lang="zh-TW" altLang="en-US" sz="2400" dirty="0"/>
-              <a:t>属性设置为</a:t>
-            </a:r>
-            <a:r>
-              <a:rPr lang="en-US" altLang="zh-TW" sz="2400" dirty="0">
-                <a:solidFill>
-                  <a:srgbClr val="FFFF00"/>
-                </a:solidFill>
-              </a:rPr>
-              <a:t>YES</a:t>
-            </a:r>
-            <a:r>
-              <a:rPr lang="zh-TW" altLang="en-US" sz="2400" dirty="0"/>
-              <a:t>。</a:t>
-            </a:r>
-            <a:endParaRPr kumimoji="1" lang="zh-CN" altLang="en-US" sz="2400" dirty="0"/>
+            <a:r>
+              <a:rPr lang="en-US" altLang="zh-CN" sz="1600" dirty="0" smtClean="0"/>
+              <a:t>//</a:t>
+            </a:r>
+            <a:r>
+              <a:rPr lang="zh-CN" altLang="en-US" sz="1600" dirty="0" smtClean="0"/>
+              <a:t> 这</a:t>
+            </a:r>
+            <a:r>
+              <a:rPr lang="en-US" altLang="zh-CN" sz="1600" dirty="0" smtClean="0"/>
+              <a:t>2</a:t>
+            </a:r>
+            <a:r>
+              <a:rPr lang="zh-CN" altLang="en-US" sz="1600" dirty="0" smtClean="0"/>
+              <a:t>种方式都可以</a:t>
+            </a:r>
+            <a:endParaRPr lang="en-US" altLang="zh-CN" sz="1600" dirty="0" smtClean="0"/>
+          </a:p>
+          <a:p>
+            <a:r>
+              <a:rPr lang="en-US" altLang="zh-CN" sz="1600" dirty="0"/>
+              <a:t>- (void)</a:t>
+            </a:r>
+            <a:r>
+              <a:rPr lang="en-US" altLang="zh-CN" sz="1600" dirty="0" err="1"/>
+              <a:t>sendSMS</a:t>
+            </a:r>
+            <a:r>
+              <a:rPr lang="en-US" altLang="zh-CN" sz="1600" dirty="0"/>
+              <a:t>:(</a:t>
+            </a:r>
+            <a:r>
+              <a:rPr lang="en-US" altLang="zh-CN" sz="1600" dirty="0" err="1"/>
+              <a:t>NSString</a:t>
+            </a:r>
+            <a:r>
+              <a:rPr lang="en-US" altLang="zh-CN" sz="1600" dirty="0"/>
+              <a:t> *)</a:t>
+            </a:r>
+            <a:r>
+              <a:rPr lang="en-US" altLang="zh-CN" sz="1600" dirty="0" err="1"/>
+              <a:t>telephoneNum</a:t>
+            </a:r>
+            <a:endParaRPr lang="en-US" altLang="zh-CN" sz="1600" dirty="0"/>
+          </a:p>
+          <a:p>
+            <a:r>
+              <a:rPr lang="en-US" altLang="zh-CN" sz="1600" dirty="0"/>
+              <a:t>{</a:t>
+            </a:r>
+          </a:p>
+          <a:p>
+            <a:r>
+              <a:rPr lang="en-US" altLang="zh-CN" sz="1600" dirty="0"/>
+              <a:t>    /*</a:t>
+            </a:r>
+          </a:p>
+          <a:p>
+            <a:r>
+              <a:rPr lang="en-US" altLang="zh-CN" sz="1600" dirty="0"/>
+              <a:t>    </a:t>
+            </a:r>
+            <a:r>
+              <a:rPr lang="en-US" altLang="zh-CN" sz="1600" dirty="0" err="1"/>
+              <a:t>NSString</a:t>
+            </a:r>
+            <a:r>
+              <a:rPr lang="en-US" altLang="zh-CN" sz="1600" dirty="0"/>
+              <a:t> *</a:t>
+            </a:r>
+            <a:r>
+              <a:rPr lang="en-US" altLang="zh-CN" sz="1600" dirty="0" err="1"/>
+              <a:t>str</a:t>
+            </a:r>
+            <a:r>
+              <a:rPr lang="en-US" altLang="zh-CN" sz="1600" dirty="0"/>
+              <a:t> = [</a:t>
+            </a:r>
+            <a:r>
+              <a:rPr lang="en-US" altLang="zh-CN" sz="1600" dirty="0" err="1"/>
+              <a:t>NSString</a:t>
+            </a:r>
+            <a:r>
+              <a:rPr lang="en-US" altLang="zh-CN" sz="1600" dirty="0"/>
+              <a:t> </a:t>
+            </a:r>
+            <a:r>
+              <a:rPr lang="en-US" altLang="zh-CN" sz="1600" dirty="0" err="1"/>
+              <a:t>stringWithFormat</a:t>
+            </a:r>
+            <a:r>
+              <a:rPr lang="en-US" altLang="zh-CN" sz="1600" dirty="0"/>
+              <a:t>:@"</a:t>
+            </a:r>
+            <a:r>
+              <a:rPr lang="en-US" altLang="zh-CN" sz="1600" dirty="0" err="1"/>
+              <a:t>sms</a:t>
+            </a:r>
+            <a:r>
+              <a:rPr lang="en-US" altLang="zh-CN" sz="1600" dirty="0"/>
+              <a:t>://%@", </a:t>
+            </a:r>
+            <a:r>
+              <a:rPr lang="en-US" altLang="zh-CN" sz="1600" dirty="0" err="1"/>
+              <a:t>telephoneNum</a:t>
+            </a:r>
+            <a:r>
+              <a:rPr lang="en-US" altLang="zh-CN" sz="1600" dirty="0"/>
+              <a:t>];</a:t>
+            </a:r>
+          </a:p>
+          <a:p>
+            <a:r>
+              <a:rPr lang="en-US" altLang="zh-CN" sz="1600" dirty="0"/>
+              <a:t>    [[</a:t>
+            </a:r>
+            <a:r>
+              <a:rPr lang="en-US" altLang="zh-CN" sz="1600" dirty="0" err="1"/>
+              <a:t>UIApplication</a:t>
+            </a:r>
+            <a:r>
+              <a:rPr lang="en-US" altLang="zh-CN" sz="1600" dirty="0"/>
+              <a:t> </a:t>
+            </a:r>
+            <a:r>
+              <a:rPr lang="en-US" altLang="zh-CN" sz="1600" dirty="0" err="1"/>
+              <a:t>sharedApplication</a:t>
+            </a:r>
+            <a:r>
+              <a:rPr lang="en-US" altLang="zh-CN" sz="1600" dirty="0"/>
+              <a:t>] </a:t>
+            </a:r>
+            <a:r>
+              <a:rPr lang="en-US" altLang="zh-CN" sz="1600" dirty="0" err="1"/>
+              <a:t>openURL</a:t>
+            </a:r>
+            <a:r>
+              <a:rPr lang="en-US" altLang="zh-CN" sz="1600" dirty="0"/>
+              <a:t>:[NSURL </a:t>
+            </a:r>
+            <a:r>
+              <a:rPr lang="en-US" altLang="zh-CN" sz="1600" dirty="0" err="1"/>
+              <a:t>URLWithString:str</a:t>
+            </a:r>
+            <a:r>
+              <a:rPr lang="en-US" altLang="zh-CN" sz="1600" dirty="0"/>
+              <a:t>]];</a:t>
+            </a:r>
+          </a:p>
+          <a:p>
+            <a:r>
+              <a:rPr lang="en-US" altLang="zh-CN" sz="1600" dirty="0"/>
+              <a:t>     */</a:t>
+            </a:r>
+          </a:p>
+          <a:p>
+            <a:r>
+              <a:rPr lang="en-US" altLang="zh-CN" sz="1600" dirty="0"/>
+              <a:t>    </a:t>
+            </a:r>
+          </a:p>
+          <a:p>
+            <a:r>
+              <a:rPr lang="en-US" altLang="zh-CN" sz="1600" dirty="0"/>
+              <a:t>    </a:t>
+            </a:r>
+            <a:r>
+              <a:rPr lang="en-US" altLang="zh-CN" sz="1600" dirty="0" err="1"/>
+              <a:t>MFMessageComposeViewController</a:t>
+            </a:r>
+            <a:r>
+              <a:rPr lang="en-US" altLang="zh-CN" sz="1600" dirty="0"/>
+              <a:t> *message = [[</a:t>
+            </a:r>
+            <a:r>
+              <a:rPr lang="en-US" altLang="zh-CN" sz="1600" dirty="0" err="1"/>
+              <a:t>MFMessageComposeViewController</a:t>
+            </a:r>
+            <a:r>
+              <a:rPr lang="en-US" altLang="zh-CN" sz="1600" dirty="0"/>
+              <a:t> </a:t>
+            </a:r>
+            <a:r>
+              <a:rPr lang="en-US" altLang="zh-CN" sz="1600" dirty="0" err="1"/>
+              <a:t>alloc</a:t>
+            </a:r>
+            <a:r>
+              <a:rPr lang="en-US" altLang="zh-CN" sz="1600" dirty="0"/>
+              <a:t>] </a:t>
+            </a:r>
+            <a:r>
+              <a:rPr lang="en-US" altLang="zh-CN" sz="1600" dirty="0" err="1"/>
+              <a:t>init</a:t>
+            </a:r>
+            <a:r>
+              <a:rPr lang="en-US" altLang="zh-CN" sz="1600" dirty="0"/>
+              <a:t>];</a:t>
+            </a:r>
+          </a:p>
+          <a:p>
+            <a:r>
+              <a:rPr lang="en-US" altLang="zh-CN" sz="1600" dirty="0"/>
+              <a:t>    if (message)</a:t>
+            </a:r>
+          </a:p>
+          <a:p>
+            <a:r>
+              <a:rPr lang="en-US" altLang="zh-CN" sz="1600" dirty="0"/>
+              <a:t>    {</a:t>
+            </a:r>
+          </a:p>
+          <a:p>
+            <a:r>
+              <a:rPr lang="en-US" altLang="zh-CN" sz="1600" dirty="0"/>
+              <a:t>        </a:t>
+            </a:r>
+            <a:r>
+              <a:rPr lang="en-US" altLang="zh-CN" sz="1600" dirty="0" err="1"/>
+              <a:t>message.modalTransitionStyle</a:t>
+            </a:r>
+            <a:r>
+              <a:rPr lang="en-US" altLang="zh-CN" sz="1600" dirty="0"/>
+              <a:t> = </a:t>
+            </a:r>
+            <a:r>
+              <a:rPr lang="en-US" altLang="zh-CN" sz="1600" dirty="0" err="1"/>
+              <a:t>UIModalPresentationFullScreen</a:t>
+            </a:r>
+            <a:r>
+              <a:rPr lang="en-US" altLang="zh-CN" sz="1600" dirty="0"/>
+              <a:t>;</a:t>
+            </a:r>
+          </a:p>
+          <a:p>
+            <a:r>
+              <a:rPr lang="en-US" altLang="zh-CN" sz="1600" dirty="0"/>
+              <a:t>        </a:t>
+            </a:r>
+            <a:r>
+              <a:rPr lang="en-US" altLang="zh-CN" sz="1600" dirty="0" err="1"/>
+              <a:t>message.messageComposeDelegate</a:t>
+            </a:r>
+            <a:r>
+              <a:rPr lang="en-US" altLang="zh-CN" sz="1600" dirty="0"/>
+              <a:t> = self;</a:t>
+            </a:r>
+          </a:p>
+          <a:p>
+            <a:r>
+              <a:rPr lang="en-US" altLang="zh-CN" sz="1600" dirty="0"/>
+              <a:t>        </a:t>
+            </a:r>
+            <a:r>
+              <a:rPr lang="en-US" altLang="zh-CN" sz="1600" dirty="0" err="1"/>
+              <a:t>message.subject</a:t>
+            </a:r>
+            <a:r>
+              <a:rPr lang="en-US" altLang="zh-CN" sz="1600" dirty="0"/>
+              <a:t> = nil;</a:t>
+            </a:r>
+          </a:p>
+          <a:p>
+            <a:r>
+              <a:rPr lang="fi-FI" altLang="zh-CN" sz="1600" dirty="0"/>
+              <a:t>        </a:t>
+            </a:r>
+            <a:r>
+              <a:rPr lang="fi-FI" altLang="zh-CN" sz="1600" dirty="0" err="1"/>
+              <a:t>message.body</a:t>
+            </a:r>
+            <a:r>
+              <a:rPr lang="fi-FI" altLang="zh-CN" sz="1600" dirty="0"/>
+              <a:t> = </a:t>
+            </a:r>
+            <a:r>
+              <a:rPr lang="fi-FI" altLang="zh-CN" sz="1600" dirty="0" err="1"/>
+              <a:t>nil</a:t>
+            </a:r>
+            <a:r>
+              <a:rPr lang="fi-FI" altLang="zh-CN" sz="1600" dirty="0"/>
+              <a:t>;</a:t>
+            </a:r>
+          </a:p>
+          <a:p>
+            <a:r>
+              <a:rPr lang="fi-FI" altLang="zh-CN" sz="1600" dirty="0"/>
+              <a:t>        </a:t>
+            </a:r>
+            <a:r>
+              <a:rPr lang="fi-FI" altLang="zh-CN" sz="1600" dirty="0" err="1"/>
+              <a:t>message.recipients</a:t>
+            </a:r>
+            <a:r>
+              <a:rPr lang="fi-FI" altLang="zh-CN" sz="1600" dirty="0"/>
+              <a:t> = [</a:t>
+            </a:r>
+            <a:r>
+              <a:rPr lang="fi-FI" altLang="zh-CN" sz="1600" dirty="0" err="1"/>
+              <a:t>NSArray</a:t>
+            </a:r>
+            <a:r>
+              <a:rPr lang="fi-FI" altLang="zh-CN" sz="1600" dirty="0"/>
+              <a:t> </a:t>
+            </a:r>
+            <a:r>
+              <a:rPr lang="fi-FI" altLang="zh-CN" sz="1600" dirty="0" err="1"/>
+              <a:t>arrayWithObjects:telephoneNum,nil</a:t>
+            </a:r>
+            <a:r>
+              <a:rPr lang="fi-FI" altLang="zh-CN" sz="1600" dirty="0"/>
+              <a:t>];</a:t>
+            </a:r>
+          </a:p>
+          <a:p>
+            <a:r>
+              <a:rPr lang="fi-FI" altLang="zh-CN" sz="1600" dirty="0"/>
+              <a:t>        </a:t>
+            </a:r>
+          </a:p>
+          <a:p>
+            <a:r>
+              <a:rPr lang="fi-FI" altLang="zh-CN" sz="1600" dirty="0"/>
+              <a:t>        [</a:t>
+            </a:r>
+            <a:r>
+              <a:rPr lang="fi-FI" altLang="zh-CN" sz="1600" dirty="0" err="1"/>
+              <a:t>SharedAppDelegate.window.rootViewController</a:t>
+            </a:r>
+            <a:r>
+              <a:rPr lang="fi-FI" altLang="zh-CN" sz="1600" dirty="0"/>
+              <a:t> </a:t>
+            </a:r>
+            <a:r>
+              <a:rPr lang="fi-FI" altLang="zh-CN" sz="1600" dirty="0" err="1"/>
+              <a:t>presentViewController:message</a:t>
+            </a:r>
+            <a:r>
+              <a:rPr lang="fi-FI" altLang="zh-CN" sz="1600" dirty="0"/>
+              <a:t> </a:t>
+            </a:r>
+            <a:r>
+              <a:rPr lang="fi-FI" altLang="zh-CN" sz="1600" dirty="0" err="1"/>
+              <a:t>animated:YES</a:t>
+            </a:r>
+            <a:r>
+              <a:rPr lang="fi-FI" altLang="zh-CN" sz="1600" dirty="0"/>
+              <a:t> </a:t>
+            </a:r>
+            <a:r>
+              <a:rPr lang="fi-FI" altLang="zh-CN" sz="1600" dirty="0" err="1"/>
+              <a:t>completion:nil</a:t>
+            </a:r>
+            <a:r>
+              <a:rPr lang="fi-FI" altLang="zh-CN" sz="1600" dirty="0"/>
+              <a:t>];</a:t>
+            </a:r>
+          </a:p>
+          <a:p>
+            <a:r>
+              <a:rPr lang="fi-FI" altLang="zh-CN" sz="1600" dirty="0"/>
+              <a:t>    }</a:t>
+            </a:r>
+          </a:p>
+          <a:p>
+            <a:r>
+              <a:rPr lang="fi-FI" altLang="zh-CN" sz="1600" dirty="0"/>
+              <a:t>}</a:t>
+            </a:r>
+            <a:endParaRPr kumimoji="1" lang="zh-CN" altLang="en-US" sz="1600" dirty="0"/>
           </a:p>
         </p:txBody>
       </p:sp>
     </p:spTree>
     <p:extLst>
       <p:ext uri="{BB962C8B-B14F-4D97-AF65-F5344CB8AC3E}">
-        <p14:creationId xmlns:p14="http://schemas.microsoft.com/office/powerpoint/2010/main" val="989070818"/>
+        <p14:creationId xmlns:p14="http://schemas.microsoft.com/office/powerpoint/2010/main" val="1503403650"/>
       </p:ext>
     </p:extLst>
   </p:cSld>
@@ -14345,8 +9286,8 @@
           <a:lstStyle/>
           <a:p>
             <a:r>
-              <a:rPr lang="zh-CN" altLang="en-US" b="0" dirty="0"/>
-              <a:t>手势</a:t>
+              <a:rPr kumimoji="1" lang="zh-CN" altLang="en-US" dirty="0" smtClean="0"/>
+              <a:t>邮件</a:t>
             </a:r>
             <a:endParaRPr kumimoji="1" lang="zh-CN" altLang="en-US" dirty="0"/>
           </a:p>
@@ -14384,8 +9325,8 @@
         </p:nvSpPr>
         <p:spPr>
           <a:xfrm>
-            <a:off x="107504" y="1124744"/>
-            <a:ext cx="8712968" cy="5601532"/>
+            <a:off x="179512" y="1340768"/>
+            <a:ext cx="8712968" cy="5262980"/>
           </a:xfrm>
           <a:prstGeom prst="rect">
             <a:avLst/>
@@ -14398,204 +9339,403 @@
           </a:bodyPr>
           <a:lstStyle/>
           <a:p>
-            <a:pPr marL="342900" indent="-342900">
-              <a:lnSpc>
-                <a:spcPct val="150000"/>
-              </a:lnSpc>
-              <a:buClr>
-                <a:srgbClr val="00FFFF"/>
-              </a:buClr>
-              <a:buFont typeface="Wingdings" charset="2"/>
-              <a:buChar char="Ø"/>
-            </a:pPr>
-            <a:r>
-              <a:rPr lang="zh-CN" altLang="en-US" sz="2400" dirty="0" smtClean="0"/>
-              <a:t>常见</a:t>
-            </a:r>
-            <a:r>
-              <a:rPr lang="zh-CN" altLang="en-US" sz="2400" dirty="0"/>
-              <a:t>的手势是触击：即用户用手指触碰一个对象。</a:t>
-            </a:r>
-          </a:p>
-          <a:p>
-            <a:pPr marL="342900" indent="-342900">
-              <a:lnSpc>
-                <a:spcPct val="150000"/>
-              </a:lnSpc>
-              <a:buClr>
-                <a:srgbClr val="00FFFF"/>
-              </a:buClr>
-              <a:buFont typeface="Wingdings" charset="2"/>
-              <a:buChar char="Ø"/>
-            </a:pPr>
-            <a:r>
-              <a:rPr lang="zh-CN" altLang="en-US" sz="2400" dirty="0" smtClean="0"/>
-              <a:t>响应</a:t>
-            </a:r>
-            <a:r>
-              <a:rPr lang="zh-CN" altLang="en-US" sz="2400" dirty="0"/>
-              <a:t>者对象可以以一种方式响应单击，</a:t>
-            </a:r>
-            <a:r>
-              <a:rPr lang="zh-CN" altLang="en-US" sz="2400" dirty="0" smtClean="0"/>
-              <a:t>而以另外一种方式响应双击</a:t>
-            </a:r>
-            <a:r>
-              <a:rPr lang="zh-CN" altLang="en-US" sz="2400" dirty="0"/>
-              <a:t>，甚至可能以第三种方式响应三次触击。</a:t>
-            </a:r>
-          </a:p>
-          <a:p>
-            <a:pPr marL="342900" indent="-342900">
-              <a:lnSpc>
-                <a:spcPct val="150000"/>
-              </a:lnSpc>
-              <a:buClr>
-                <a:srgbClr val="00FFFF"/>
-              </a:buClr>
-              <a:buFont typeface="Wingdings" charset="2"/>
-              <a:buChar char="Ø"/>
-            </a:pPr>
-            <a:r>
-              <a:rPr lang="zh-CN" altLang="en-US" sz="2400" dirty="0" smtClean="0"/>
-              <a:t>通过</a:t>
-            </a:r>
-            <a:r>
-              <a:rPr lang="en-US" altLang="zh-CN" sz="2400" dirty="0" err="1">
-                <a:solidFill>
-                  <a:srgbClr val="FFFF00"/>
-                </a:solidFill>
-              </a:rPr>
-              <a:t>UITouch</a:t>
-            </a:r>
-            <a:r>
-              <a:rPr lang="zh-CN" altLang="en-US" sz="2400" dirty="0"/>
-              <a:t>对象的</a:t>
-            </a:r>
-            <a:r>
-              <a:rPr lang="en-US" altLang="zh-CN" sz="2400" dirty="0" err="1">
-                <a:solidFill>
-                  <a:srgbClr val="FFFF00"/>
-                </a:solidFill>
-              </a:rPr>
-              <a:t>tapCount</a:t>
-            </a:r>
-            <a:r>
-              <a:rPr lang="zh-CN" altLang="en-US" sz="2400" dirty="0"/>
-              <a:t>属性来确定用户在一个响应者对</a:t>
-            </a:r>
-            <a:r>
-              <a:rPr lang="zh-CN" altLang="en-US" sz="2400" dirty="0" smtClean="0"/>
-              <a:t>象上的触击</a:t>
-            </a:r>
-            <a:r>
-              <a:rPr lang="zh-CN" altLang="en-US" sz="2400" dirty="0"/>
-              <a:t>次数</a:t>
-            </a:r>
-          </a:p>
-          <a:p>
-            <a:pPr marL="342900" indent="-342900">
-              <a:lnSpc>
-                <a:spcPct val="150000"/>
-              </a:lnSpc>
-              <a:buClr>
-                <a:srgbClr val="00FFFF"/>
-              </a:buClr>
-              <a:buFont typeface="Wingdings" charset="2"/>
-              <a:buChar char="Ø"/>
-            </a:pPr>
-            <a:r>
-              <a:rPr lang="zh-TW" altLang="en-US" sz="2400" dirty="0" smtClean="0"/>
-              <a:t>取得</a:t>
-            </a:r>
-            <a:r>
-              <a:rPr lang="en-US" altLang="zh-TW" sz="2400" dirty="0" err="1">
-                <a:solidFill>
-                  <a:schemeClr val="accent3"/>
-                </a:solidFill>
-              </a:rPr>
-              <a:t>tapCount</a:t>
-            </a:r>
-            <a:r>
-              <a:rPr lang="zh-TW" altLang="en-US" sz="2400" dirty="0"/>
-              <a:t>值的最好地方</a:t>
-            </a:r>
-            <a:r>
-              <a:rPr lang="en-US" altLang="zh-TW" sz="2400" dirty="0" err="1">
-                <a:solidFill>
-                  <a:schemeClr val="accent3"/>
-                </a:solidFill>
-              </a:rPr>
-              <a:t>touchesEnded</a:t>
-            </a:r>
-            <a:r>
-              <a:rPr lang="zh-TW" altLang="en-US" sz="2400" dirty="0"/>
-              <a:t>方法。</a:t>
-            </a:r>
-            <a:r>
-              <a:rPr lang="zh-TW" altLang="en-US" sz="2400" dirty="0" smtClean="0"/>
-              <a:t>因为它与用户手指离开屏</a:t>
-            </a:r>
-            <a:r>
-              <a:rPr lang="zh-TW" altLang="en-US" sz="2400" dirty="0"/>
-              <a:t>幕的阶段相对应。</a:t>
-            </a:r>
-          </a:p>
-          <a:p>
-            <a:pPr marL="342900" indent="-342900">
-              <a:lnSpc>
-                <a:spcPct val="150000"/>
-              </a:lnSpc>
-              <a:buClr>
-                <a:srgbClr val="00FFFF"/>
-              </a:buClr>
-              <a:buFont typeface="Wingdings" charset="2"/>
-              <a:buChar char="Ø"/>
-            </a:pPr>
-            <a:r>
-              <a:rPr lang="zh-TW" altLang="en-US" sz="2400" dirty="0" smtClean="0"/>
-              <a:t>在触摸结束阶段</a:t>
-            </a:r>
-            <a:r>
-              <a:rPr lang="zh-TW" altLang="en-US" sz="2400" dirty="0"/>
-              <a:t>（ </a:t>
-            </a:r>
-            <a:r>
-              <a:rPr lang="en-US" altLang="zh-TW" sz="2400" dirty="0" err="1"/>
-              <a:t>UITouchPhaseEnded</a:t>
-            </a:r>
-            <a:r>
-              <a:rPr lang="zh-TW" altLang="en-US" sz="2400" dirty="0"/>
-              <a:t>）考察触击</a:t>
-            </a:r>
-            <a:r>
-              <a:rPr lang="zh-TW" altLang="en-US" sz="2400" dirty="0" smtClean="0"/>
-              <a:t>的次数可以确</a:t>
-            </a:r>
-            <a:r>
-              <a:rPr lang="zh-TW" altLang="en-US" sz="2400" dirty="0"/>
-              <a:t>定手指是真的触击，而不是其它动作，</a:t>
-            </a:r>
-            <a:r>
-              <a:rPr lang="zh-TW" altLang="en-US" sz="2400" dirty="0" smtClean="0"/>
-              <a:t>比如手指接触屏幕后拖动</a:t>
-            </a:r>
-            <a:r>
-              <a:rPr lang="zh-TW" altLang="en-US" sz="2400" dirty="0"/>
-              <a:t>的动作。</a:t>
-            </a:r>
-            <a:endParaRPr lang="zh-TW" altLang="en-US" sz="2400" dirty="0">
-              <a:solidFill>
-                <a:srgbClr val="FF6700"/>
-              </a:solidFill>
-            </a:endParaRPr>
+            <a:r>
+              <a:rPr lang="en-US" altLang="zh-CN" sz="1600" dirty="0" smtClean="0"/>
+              <a:t>//</a:t>
+            </a:r>
+            <a:r>
+              <a:rPr lang="zh-CN" altLang="en-US" sz="1600" dirty="0" smtClean="0"/>
+              <a:t> 这</a:t>
+            </a:r>
+            <a:r>
+              <a:rPr lang="en-US" altLang="zh-CN" sz="1600" dirty="0" smtClean="0"/>
+              <a:t>2</a:t>
+            </a:r>
+            <a:r>
+              <a:rPr lang="zh-CN" altLang="en-US" sz="1600" dirty="0" smtClean="0"/>
+              <a:t>种方式都可以</a:t>
+            </a:r>
+            <a:endParaRPr lang="en-US" altLang="zh-CN" sz="1600" dirty="0" smtClean="0"/>
+          </a:p>
+          <a:p>
+            <a:r>
+              <a:rPr lang="en-US" altLang="zh-CN" sz="1600" dirty="0" smtClean="0"/>
+              <a:t>- </a:t>
+            </a:r>
+            <a:r>
+              <a:rPr lang="en-US" altLang="zh-CN" sz="1600" dirty="0"/>
+              <a:t>(void)</a:t>
+            </a:r>
+            <a:r>
+              <a:rPr lang="en-US" altLang="zh-CN" sz="1600" dirty="0" err="1"/>
+              <a:t>sendEmail</a:t>
+            </a:r>
+            <a:r>
+              <a:rPr lang="en-US" altLang="zh-CN" sz="1600" dirty="0"/>
+              <a:t>:(</a:t>
+            </a:r>
+            <a:r>
+              <a:rPr lang="en-US" altLang="zh-CN" sz="1600" dirty="0" err="1"/>
+              <a:t>NSString</a:t>
+            </a:r>
+            <a:r>
+              <a:rPr lang="en-US" altLang="zh-CN" sz="1600" dirty="0"/>
+              <a:t> *)</a:t>
+            </a:r>
+            <a:r>
+              <a:rPr lang="en-US" altLang="zh-CN" sz="1600" dirty="0" err="1"/>
+              <a:t>emailAddr</a:t>
+            </a:r>
+            <a:endParaRPr lang="en-US" altLang="zh-CN" sz="1600" dirty="0"/>
+          </a:p>
+          <a:p>
+            <a:r>
+              <a:rPr lang="en-US" altLang="zh-CN" sz="1600" dirty="0"/>
+              <a:t>{</a:t>
+            </a:r>
+          </a:p>
+          <a:p>
+            <a:r>
+              <a:rPr lang="en-US" altLang="zh-CN" sz="1600" dirty="0"/>
+              <a:t>    /*</a:t>
+            </a:r>
+          </a:p>
+          <a:p>
+            <a:r>
+              <a:rPr lang="en-US" altLang="zh-CN" sz="1600" dirty="0"/>
+              <a:t>    </a:t>
+            </a:r>
+            <a:r>
+              <a:rPr lang="en-US" altLang="zh-CN" sz="1600" dirty="0" err="1"/>
+              <a:t>NSString</a:t>
+            </a:r>
+            <a:r>
+              <a:rPr lang="en-US" altLang="zh-CN" sz="1600" dirty="0"/>
+              <a:t> *</a:t>
+            </a:r>
+            <a:r>
+              <a:rPr lang="en-US" altLang="zh-CN" sz="1600" dirty="0" err="1"/>
+              <a:t>str</a:t>
+            </a:r>
+            <a:r>
+              <a:rPr lang="en-US" altLang="zh-CN" sz="1600" dirty="0"/>
+              <a:t> = [</a:t>
+            </a:r>
+            <a:r>
+              <a:rPr lang="en-US" altLang="zh-CN" sz="1600" dirty="0" err="1"/>
+              <a:t>NSString</a:t>
+            </a:r>
+            <a:r>
+              <a:rPr lang="en-US" altLang="zh-CN" sz="1600" dirty="0"/>
+              <a:t> </a:t>
+            </a:r>
+            <a:r>
+              <a:rPr lang="en-US" altLang="zh-CN" sz="1600" dirty="0" err="1"/>
+              <a:t>stringWithFormat</a:t>
+            </a:r>
+            <a:r>
+              <a:rPr lang="en-US" altLang="zh-CN" sz="1600" dirty="0"/>
+              <a:t>:@"mailto://%@", </a:t>
+            </a:r>
+            <a:r>
+              <a:rPr lang="en-US" altLang="zh-CN" sz="1600" dirty="0" err="1"/>
+              <a:t>emailAddr</a:t>
+            </a:r>
+            <a:r>
+              <a:rPr lang="en-US" altLang="zh-CN" sz="1600" dirty="0"/>
+              <a:t>];</a:t>
+            </a:r>
+          </a:p>
+          <a:p>
+            <a:r>
+              <a:rPr lang="en-US" altLang="zh-CN" sz="1600" dirty="0"/>
+              <a:t>    [[</a:t>
+            </a:r>
+            <a:r>
+              <a:rPr lang="en-US" altLang="zh-CN" sz="1600" dirty="0" err="1"/>
+              <a:t>UIApplication</a:t>
+            </a:r>
+            <a:r>
+              <a:rPr lang="en-US" altLang="zh-CN" sz="1600" dirty="0"/>
+              <a:t> </a:t>
+            </a:r>
+            <a:r>
+              <a:rPr lang="en-US" altLang="zh-CN" sz="1600" dirty="0" err="1"/>
+              <a:t>sharedApplication</a:t>
+            </a:r>
+            <a:r>
+              <a:rPr lang="en-US" altLang="zh-CN" sz="1600" dirty="0"/>
+              <a:t>] </a:t>
+            </a:r>
+            <a:r>
+              <a:rPr lang="en-US" altLang="zh-CN" sz="1600" dirty="0" err="1"/>
+              <a:t>openURL</a:t>
+            </a:r>
+            <a:r>
+              <a:rPr lang="en-US" altLang="zh-CN" sz="1600" dirty="0"/>
+              <a:t>:[NSURL </a:t>
+            </a:r>
+            <a:r>
+              <a:rPr lang="en-US" altLang="zh-CN" sz="1600" dirty="0" err="1"/>
+              <a:t>URLWithString:str</a:t>
+            </a:r>
+            <a:r>
+              <a:rPr lang="en-US" altLang="zh-CN" sz="1600" dirty="0"/>
+              <a:t>]];</a:t>
+            </a:r>
+          </a:p>
+          <a:p>
+            <a:r>
+              <a:rPr lang="en-US" altLang="zh-CN" sz="1600" dirty="0"/>
+              <a:t>     */</a:t>
+            </a:r>
+          </a:p>
+          <a:p>
+            <a:r>
+              <a:rPr lang="en-US" altLang="zh-CN" sz="1600" dirty="0"/>
+              <a:t>    </a:t>
+            </a:r>
+          </a:p>
+          <a:p>
+            <a:r>
+              <a:rPr lang="en-US" altLang="zh-CN" sz="1600" dirty="0"/>
+              <a:t>    </a:t>
+            </a:r>
+            <a:r>
+              <a:rPr lang="en-US" altLang="zh-CN" sz="1600" dirty="0" err="1"/>
+              <a:t>MFMailComposeViewController</a:t>
+            </a:r>
+            <a:r>
+              <a:rPr lang="en-US" altLang="zh-CN" sz="1600" dirty="0"/>
+              <a:t> *mail = [[</a:t>
+            </a:r>
+            <a:r>
+              <a:rPr lang="en-US" altLang="zh-CN" sz="1600" dirty="0" err="1"/>
+              <a:t>MFMailComposeViewController</a:t>
+            </a:r>
+            <a:r>
+              <a:rPr lang="en-US" altLang="zh-CN" sz="1600" dirty="0"/>
+              <a:t> </a:t>
+            </a:r>
+            <a:r>
+              <a:rPr lang="en-US" altLang="zh-CN" sz="1600" dirty="0" err="1"/>
+              <a:t>alloc</a:t>
+            </a:r>
+            <a:r>
+              <a:rPr lang="en-US" altLang="zh-CN" sz="1600" dirty="0"/>
+              <a:t>] </a:t>
+            </a:r>
+            <a:r>
+              <a:rPr lang="en-US" altLang="zh-CN" sz="1600" dirty="0" err="1"/>
+              <a:t>init</a:t>
+            </a:r>
+            <a:r>
+              <a:rPr lang="en-US" altLang="zh-CN" sz="1600" dirty="0"/>
+              <a:t>];</a:t>
+            </a:r>
+          </a:p>
+          <a:p>
+            <a:r>
+              <a:rPr lang="en-US" altLang="zh-CN" sz="1600" dirty="0"/>
+              <a:t>    if (mail)</a:t>
+            </a:r>
+          </a:p>
+          <a:p>
+            <a:r>
+              <a:rPr lang="en-US" altLang="zh-CN" sz="1600" dirty="0"/>
+              <a:t>    {</a:t>
+            </a:r>
+          </a:p>
+          <a:p>
+            <a:r>
+              <a:rPr lang="en-US" altLang="zh-CN" sz="1600" dirty="0"/>
+              <a:t>        </a:t>
+            </a:r>
+            <a:r>
+              <a:rPr lang="en-US" altLang="zh-CN" sz="1600" dirty="0" err="1"/>
+              <a:t>mail.modalTransitionStyle</a:t>
+            </a:r>
+            <a:r>
+              <a:rPr lang="en-US" altLang="zh-CN" sz="1600" dirty="0"/>
+              <a:t> = </a:t>
+            </a:r>
+            <a:r>
+              <a:rPr lang="en-US" altLang="zh-CN" sz="1600" dirty="0" err="1"/>
+              <a:t>UIModalPresentationFullScreen</a:t>
+            </a:r>
+            <a:r>
+              <a:rPr lang="en-US" altLang="zh-CN" sz="1600" dirty="0"/>
+              <a:t>;</a:t>
+            </a:r>
+          </a:p>
+          <a:p>
+            <a:r>
+              <a:rPr lang="en-US" altLang="zh-CN" sz="1600" dirty="0"/>
+              <a:t>        </a:t>
+            </a:r>
+            <a:r>
+              <a:rPr lang="en-US" altLang="zh-CN" sz="1600" dirty="0" err="1"/>
+              <a:t>mail.mailComposeDelegate</a:t>
+            </a:r>
+            <a:r>
+              <a:rPr lang="en-US" altLang="zh-CN" sz="1600" dirty="0"/>
+              <a:t> = self;</a:t>
+            </a:r>
+          </a:p>
+          <a:p>
+            <a:r>
+              <a:rPr lang="zh-TW" altLang="en-US" sz="1600" dirty="0"/>
+              <a:t>        </a:t>
+            </a:r>
+            <a:r>
+              <a:rPr lang="en-US" altLang="zh-TW" sz="1600" dirty="0"/>
+              <a:t>[mail </a:t>
+            </a:r>
+            <a:r>
+              <a:rPr lang="en-US" altLang="zh-TW" sz="1600" dirty="0" err="1"/>
+              <a:t>setSubject:nil</a:t>
+            </a:r>
+            <a:r>
+              <a:rPr lang="en-US" altLang="zh-TW" sz="1600" dirty="0"/>
+              <a:t>];                  // </a:t>
+            </a:r>
+            <a:r>
+              <a:rPr lang="zh-TW" altLang="en-US" sz="1600" dirty="0"/>
+              <a:t>设置主题</a:t>
+            </a:r>
+          </a:p>
+          <a:p>
+            <a:r>
+              <a:rPr lang="en-US" altLang="zh-CN" sz="1600" dirty="0"/>
+              <a:t>        [mail </a:t>
+            </a:r>
+            <a:r>
+              <a:rPr lang="en-US" altLang="zh-CN" sz="1600" dirty="0" err="1"/>
+              <a:t>setMessageBody:nil</a:t>
+            </a:r>
+            <a:r>
+              <a:rPr lang="en-US" altLang="zh-CN" sz="1600" dirty="0"/>
+              <a:t> </a:t>
+            </a:r>
+            <a:r>
+              <a:rPr lang="en-US" altLang="zh-CN" sz="1600" dirty="0" err="1"/>
+              <a:t>isHTML:YES</a:t>
+            </a:r>
+            <a:r>
+              <a:rPr lang="en-US" altLang="zh-CN" sz="1600" dirty="0"/>
+              <a:t>];</a:t>
+            </a:r>
+          </a:p>
+          <a:p>
+            <a:r>
+              <a:rPr lang="en-US" altLang="zh-CN" sz="1600" dirty="0"/>
+              <a:t>        [mail </a:t>
+            </a:r>
+            <a:r>
+              <a:rPr lang="en-US" altLang="zh-CN" sz="1600" dirty="0" err="1"/>
+              <a:t>setToRecipients</a:t>
+            </a:r>
+            <a:r>
+              <a:rPr lang="en-US" altLang="zh-CN" sz="1600" dirty="0"/>
+              <a:t>:[</a:t>
+            </a:r>
+            <a:r>
+              <a:rPr lang="en-US" altLang="zh-CN" sz="1600" dirty="0" err="1"/>
+              <a:t>NSArray</a:t>
+            </a:r>
+            <a:r>
+              <a:rPr lang="en-US" altLang="zh-CN" sz="1600" dirty="0"/>
+              <a:t> </a:t>
+            </a:r>
+            <a:r>
+              <a:rPr lang="en-US" altLang="zh-CN" sz="1600" dirty="0" err="1"/>
+              <a:t>arrayWithObjects:emailAddr,nil</a:t>
+            </a:r>
+            <a:r>
+              <a:rPr lang="en-US" altLang="zh-CN" sz="1600" dirty="0"/>
+              <a:t>]]; // </a:t>
+            </a:r>
+            <a:r>
+              <a:rPr lang="zh-CN" altLang="en-US" sz="1600" dirty="0"/>
+              <a:t>设置收件人</a:t>
+            </a:r>
+            <a:r>
+              <a:rPr lang="en-US" altLang="zh-CN" sz="1600" dirty="0"/>
+              <a:t>,</a:t>
+            </a:r>
+            <a:r>
+              <a:rPr lang="zh-CN" altLang="en-US" sz="1600" dirty="0"/>
+              <a:t>可以设置多人</a:t>
+            </a:r>
+            <a:endParaRPr lang="en-US" altLang="zh-CN" sz="1600" dirty="0"/>
+          </a:p>
+          <a:p>
+            <a:r>
+              <a:rPr lang="en-US" altLang="zh-CN" sz="1600" dirty="0"/>
+              <a:t>        </a:t>
+            </a:r>
+          </a:p>
+          <a:p>
+            <a:r>
+              <a:rPr lang="en-US" altLang="zh-CN" sz="1600" dirty="0"/>
+              <a:t>        </a:t>
+            </a:r>
+            <a:r>
+              <a:rPr lang="en-US" altLang="zh-CN" sz="1600" dirty="0" smtClean="0"/>
+              <a:t>[</a:t>
+            </a:r>
+            <a:r>
+              <a:rPr lang="en-US" altLang="zh-CN" sz="1600" dirty="0" smtClean="0"/>
+              <a:t>self</a:t>
+            </a:r>
+            <a:r>
+              <a:rPr lang="en-US" altLang="zh-CN" sz="1600" dirty="0" smtClean="0"/>
+              <a:t> </a:t>
+            </a:r>
+            <a:r>
+              <a:rPr lang="en-US" altLang="zh-CN" sz="1600" dirty="0" err="1"/>
+              <a:t>presentViewController:mail</a:t>
+            </a:r>
+            <a:r>
+              <a:rPr lang="en-US" altLang="zh-CN" sz="1600" dirty="0"/>
+              <a:t> </a:t>
+            </a:r>
+            <a:r>
+              <a:rPr lang="en-US" altLang="zh-CN" sz="1600" dirty="0" err="1"/>
+              <a:t>animated:YES</a:t>
+            </a:r>
+            <a:r>
+              <a:rPr lang="en-US" altLang="zh-CN" sz="1600" dirty="0"/>
+              <a:t> </a:t>
+            </a:r>
+            <a:r>
+              <a:rPr lang="en-US" altLang="zh-CN" sz="1600" dirty="0" err="1"/>
+              <a:t>completion:nil</a:t>
+            </a:r>
+            <a:r>
+              <a:rPr lang="en-US" altLang="zh-CN" sz="1600" dirty="0"/>
+              <a:t>];</a:t>
+            </a:r>
+          </a:p>
+          <a:p>
+            <a:r>
+              <a:rPr lang="en-US" altLang="zh-CN" sz="1600" dirty="0"/>
+              <a:t>    }</a:t>
+            </a:r>
+          </a:p>
+          <a:p>
+            <a:r>
+              <a:rPr lang="en-US" altLang="zh-CN" sz="1600" dirty="0"/>
+              <a:t>}</a:t>
+            </a:r>
+            <a:endParaRPr kumimoji="1" lang="zh-CN" altLang="en-US" sz="1600" dirty="0"/>
           </a:p>
         </p:txBody>
       </p:sp>
     </p:spTree>
     <p:extLst>
       <p:ext uri="{BB962C8B-B14F-4D97-AF65-F5344CB8AC3E}">
-        <p14:creationId xmlns:p14="http://schemas.microsoft.com/office/powerpoint/2010/main" val="1212880226"/>
+        <p14:creationId xmlns:p14="http://schemas.microsoft.com/office/powerpoint/2010/main" val="3353123917"/>
       </p:ext>
     </p:extLst>
   </p:cSld>
@@ -14646,7 +9786,7 @@
           <a:p>
             <a:r>
               <a:rPr lang="zh-CN" altLang="en-US" b="0" dirty="0"/>
-              <a:t>检测双击手势</a:t>
+              <a:t>总结</a:t>
             </a:r>
             <a:endParaRPr kumimoji="1" lang="zh-CN" altLang="en-US" dirty="0"/>
           </a:p>
@@ -14684,951 +9824,8 @@
         </p:nvSpPr>
         <p:spPr>
           <a:xfrm>
-            <a:off x="107504" y="1268760"/>
-            <a:ext cx="8856984" cy="3416320"/>
-          </a:xfrm>
-          <a:prstGeom prst="rect">
-            <a:avLst/>
-          </a:prstGeom>
-          <a:noFill/>
-        </p:spPr>
-        <p:txBody>
-          <a:bodyPr wrap="square" rtlCol="0">
-            <a:spAutoFit/>
-          </a:bodyPr>
-          <a:lstStyle/>
-          <a:p>
-            <a:r>
-              <a:rPr lang="en-US" altLang="zh-CN" sz="2400" dirty="0"/>
-              <a:t>- (void) </a:t>
-            </a:r>
-            <a:r>
-              <a:rPr lang="en-US" altLang="zh-CN" sz="2400" dirty="0" err="1"/>
-              <a:t>touchesEnded</a:t>
-            </a:r>
-            <a:r>
-              <a:rPr lang="en-US" altLang="zh-CN" sz="2400" dirty="0"/>
-              <a:t>:(</a:t>
-            </a:r>
-            <a:r>
-              <a:rPr lang="en-US" altLang="zh-CN" sz="2400" dirty="0" err="1"/>
-              <a:t>NSSet</a:t>
-            </a:r>
-            <a:r>
-              <a:rPr lang="en-US" altLang="zh-CN" sz="2400" dirty="0"/>
-              <a:t>*)</a:t>
-            </a:r>
-            <a:r>
-              <a:rPr lang="en-US" altLang="zh-CN" sz="2400" dirty="0" smtClean="0"/>
-              <a:t>touches </a:t>
-            </a:r>
-            <a:r>
-              <a:rPr lang="en-US" altLang="zh-CN" sz="2400" dirty="0" err="1" smtClean="0"/>
-              <a:t>withEvent</a:t>
-            </a:r>
-            <a:r>
-              <a:rPr lang="en-US" altLang="zh-CN" sz="2400" dirty="0" smtClean="0"/>
-              <a:t>(</a:t>
-            </a:r>
-            <a:r>
-              <a:rPr lang="en-US" altLang="zh-CN" sz="2400" dirty="0" err="1"/>
-              <a:t>UIEvent</a:t>
-            </a:r>
-            <a:r>
-              <a:rPr lang="en-US" altLang="zh-CN" sz="2400" dirty="0"/>
-              <a:t>*)event</a:t>
-            </a:r>
-          </a:p>
-          <a:p>
-            <a:r>
-              <a:rPr lang="en-US" altLang="zh-CN" sz="2400" dirty="0"/>
-              <a:t>{</a:t>
-            </a:r>
-          </a:p>
-          <a:p>
-            <a:pPr lvl="1"/>
-            <a:r>
-              <a:rPr lang="en-US" altLang="zh-CN" sz="2400" dirty="0" err="1"/>
-              <a:t>UITouch</a:t>
-            </a:r>
-            <a:r>
-              <a:rPr lang="en-US" altLang="zh-CN" sz="2400" dirty="0"/>
-              <a:t> *touch = [touches </a:t>
-            </a:r>
-            <a:r>
-              <a:rPr lang="en-US" altLang="zh-CN" sz="2400" dirty="0" err="1"/>
-              <a:t>anyObject</a:t>
-            </a:r>
-            <a:r>
-              <a:rPr lang="en-US" altLang="zh-CN" sz="2400" dirty="0"/>
-              <a:t>];</a:t>
-            </a:r>
-          </a:p>
-          <a:p>
-            <a:pPr lvl="1"/>
-            <a:r>
-              <a:rPr lang="en-US" altLang="zh-CN" sz="2400" dirty="0"/>
-              <a:t>if ([touch </a:t>
-            </a:r>
-            <a:r>
-              <a:rPr lang="en-US" altLang="zh-CN" sz="2400" dirty="0" err="1"/>
-              <a:t>tapCount</a:t>
-            </a:r>
-            <a:r>
-              <a:rPr lang="en-US" altLang="zh-CN" sz="2400" dirty="0"/>
-              <a:t>] == 2) {</a:t>
-            </a:r>
-          </a:p>
-          <a:p>
-            <a:pPr lvl="2"/>
-            <a:r>
-              <a:rPr lang="en-US" altLang="zh-CN" sz="2400" dirty="0" err="1"/>
-              <a:t>CGPoint</a:t>
-            </a:r>
-            <a:r>
-              <a:rPr lang="en-US" altLang="zh-CN" sz="2400" dirty="0"/>
-              <a:t> </a:t>
-            </a:r>
-            <a:r>
-              <a:rPr lang="en-US" altLang="zh-CN" sz="2400" dirty="0" err="1"/>
-              <a:t>tapPoint</a:t>
-            </a:r>
-            <a:r>
-              <a:rPr lang="en-US" altLang="zh-CN" sz="2400" dirty="0"/>
-              <a:t> = [touch </a:t>
-            </a:r>
-            <a:r>
-              <a:rPr lang="en-US" altLang="zh-CN" sz="2400" dirty="0" err="1"/>
-              <a:t>locationInView:self</a:t>
-            </a:r>
-            <a:r>
-              <a:rPr lang="en-US" altLang="zh-CN" sz="2400" dirty="0"/>
-              <a:t>];</a:t>
-            </a:r>
-          </a:p>
-          <a:p>
-            <a:pPr lvl="2"/>
-            <a:r>
-              <a:rPr lang="en-US" altLang="zh-CN" sz="2400" dirty="0"/>
-              <a:t>// Process a double-tap gesture</a:t>
-            </a:r>
-          </a:p>
-          <a:p>
-            <a:pPr lvl="1"/>
-            <a:r>
-              <a:rPr lang="en-US" altLang="zh-CN" sz="2400" dirty="0"/>
-              <a:t>}</a:t>
-            </a:r>
-          </a:p>
-          <a:p>
-            <a:r>
-              <a:rPr lang="en-US" altLang="zh-CN" sz="2400" dirty="0"/>
-              <a:t>}</a:t>
-            </a:r>
-            <a:endParaRPr lang="en-US" altLang="zh-CN" sz="2400" dirty="0" smtClean="0">
-              <a:solidFill>
-                <a:srgbClr val="FF6700"/>
-              </a:solidFill>
-            </a:endParaRPr>
-          </a:p>
-        </p:txBody>
-      </p:sp>
-    </p:spTree>
-    <p:extLst>
-      <p:ext uri="{BB962C8B-B14F-4D97-AF65-F5344CB8AC3E}">
-        <p14:creationId xmlns:p14="http://schemas.microsoft.com/office/powerpoint/2010/main" val="2370196897"/>
-      </p:ext>
-    </p:extLst>
-  </p:cSld>
-  <p:clrMapOvr>
-    <a:masterClrMapping/>
-  </p:clrMapOvr>
-  <p:timing>
-    <p:tnLst>
-      <p:par>
-        <p:cTn xmlns:p14="http://schemas.microsoft.com/office/powerpoint/2010/main" id="1" dur="indefinite" restart="never" nodeType="tmRoot"/>
-      </p:par>
-    </p:tnLst>
-  </p:timing>
-</p:sld>
-</file>
-
-<file path=ppt/slides/slide6.xml><?xml version="1.0" encoding="utf-8"?>
-<p:sld xmlns:a="http://schemas.openxmlformats.org/drawingml/2006/main" xmlns:r="http://schemas.openxmlformats.org/officeDocument/2006/relationships" xmlns:p="http://schemas.openxmlformats.org/presentationml/2006/main">
-  <p:cSld>
-    <p:spTree>
-      <p:nvGrpSpPr>
-        <p:cNvPr id="1" name=""/>
-        <p:cNvGrpSpPr/>
-        <p:nvPr/>
-      </p:nvGrpSpPr>
-      <p:grpSpPr>
-        <a:xfrm>
-          <a:off x="0" y="0"/>
-          <a:ext cx="0" cy="0"/>
-          <a:chOff x="0" y="0"/>
-          <a:chExt cx="0" cy="0"/>
-        </a:xfrm>
-      </p:grpSpPr>
-      <p:sp>
-        <p:nvSpPr>
-          <p:cNvPr id="2" name="标题 1"/>
-          <p:cNvSpPr>
-            <a:spLocks noGrp="1"/>
-          </p:cNvSpPr>
-          <p:nvPr>
-            <p:ph type="title"/>
-          </p:nvPr>
-        </p:nvSpPr>
-        <p:spPr/>
-        <p:txBody>
-          <a:bodyPr/>
-          <a:lstStyle/>
-          <a:p>
-            <a:r>
-              <a:rPr lang="zh-CN" altLang="en-US" b="0" dirty="0"/>
-              <a:t>跟踪碰擦手势</a:t>
-            </a:r>
-            <a:r>
-              <a:rPr lang="en-US" altLang="zh-CN" b="0" dirty="0"/>
-              <a:t>1</a:t>
-            </a:r>
-            <a:endParaRPr kumimoji="1" lang="zh-CN" altLang="en-US" dirty="0"/>
-          </a:p>
-        </p:txBody>
-      </p:sp>
-      <p:sp>
-        <p:nvSpPr>
-          <p:cNvPr id="3" name="幻灯片编号占位符 2"/>
-          <p:cNvSpPr>
-            <a:spLocks noGrp="1"/>
-          </p:cNvSpPr>
-          <p:nvPr>
-            <p:ph type="sldNum" sz="quarter" idx="4"/>
-          </p:nvPr>
-        </p:nvSpPr>
-        <p:spPr/>
-        <p:txBody>
-          <a:bodyPr/>
-          <a:lstStyle/>
-          <a:p>
-            <a:fld id="{BF10DB53-D7D3-4DB6-A29F-40217B92EC88}" type="slidenum">
-              <a:rPr lang="en-US" smtClean="0"/>
-              <a:pPr/>
-              <a:t>5</a:t>
-            </a:fld>
-            <a:endParaRPr lang="en-US" dirty="0"/>
-          </a:p>
-        </p:txBody>
-      </p:sp>
-      <p:sp>
-        <p:nvSpPr>
-          <p:cNvPr id="4" name="文本框 3"/>
-          <p:cNvSpPr txBox="1"/>
-          <p:nvPr/>
-        </p:nvSpPr>
-        <p:spPr>
-          <a:xfrm>
             <a:off x="179512" y="1196752"/>
-            <a:ext cx="8784976" cy="4204228"/>
-          </a:xfrm>
-          <a:prstGeom prst="rect">
-            <a:avLst/>
-          </a:prstGeom>
-          <a:noFill/>
-        </p:spPr>
-        <p:txBody>
-          <a:bodyPr wrap="square" rtlCol="0">
-            <a:spAutoFit/>
-          </a:bodyPr>
-          <a:lstStyle/>
-          <a:p>
-            <a:pPr>
-              <a:lnSpc>
-                <a:spcPct val="140000"/>
-              </a:lnSpc>
-            </a:pPr>
-            <a:r>
-              <a:rPr lang="en-US" altLang="zh-CN" sz="2400" dirty="0"/>
-              <a:t>#</a:t>
-            </a:r>
-            <a:r>
-              <a:rPr lang="en-US" altLang="zh-CN" sz="2400" dirty="0" err="1"/>
-              <a:t>defi</a:t>
-            </a:r>
-            <a:r>
-              <a:rPr lang="en-US" altLang="zh-CN" sz="2400" dirty="0"/>
-              <a:t> ne HORIZ_SWIPE_DRAG_MIN 12</a:t>
-            </a:r>
-          </a:p>
-          <a:p>
-            <a:pPr>
-              <a:lnSpc>
-                <a:spcPct val="140000"/>
-              </a:lnSpc>
-            </a:pPr>
-            <a:r>
-              <a:rPr lang="en-US" altLang="zh-CN" sz="2400" dirty="0"/>
-              <a:t>#</a:t>
-            </a:r>
-            <a:r>
-              <a:rPr lang="en-US" altLang="zh-CN" sz="2400" dirty="0" err="1"/>
-              <a:t>defi</a:t>
-            </a:r>
-            <a:r>
-              <a:rPr lang="en-US" altLang="zh-CN" sz="2400" dirty="0"/>
-              <a:t> ne VERT_SWIPE_DRAG_MAX </a:t>
-            </a:r>
-            <a:r>
-              <a:rPr lang="en-US" altLang="zh-CN" sz="2400" dirty="0" smtClean="0"/>
-              <a:t>4</a:t>
-            </a:r>
-          </a:p>
-          <a:p>
-            <a:pPr>
-              <a:lnSpc>
-                <a:spcPct val="140000"/>
-              </a:lnSpc>
-            </a:pPr>
-            <a:endParaRPr lang="en-US" altLang="zh-CN" sz="2400" dirty="0"/>
-          </a:p>
-          <a:p>
-            <a:pPr>
-              <a:lnSpc>
-                <a:spcPct val="140000"/>
-              </a:lnSpc>
-            </a:pPr>
-            <a:r>
-              <a:rPr lang="en-US" altLang="zh-CN" sz="2400" dirty="0"/>
-              <a:t>- (void)</a:t>
-            </a:r>
-            <a:r>
-              <a:rPr lang="en-US" altLang="zh-CN" sz="2400" dirty="0" err="1"/>
-              <a:t>touchesBegan</a:t>
-            </a:r>
-            <a:r>
-              <a:rPr lang="en-US" altLang="zh-CN" sz="2400" dirty="0"/>
-              <a:t>:(</a:t>
-            </a:r>
-            <a:r>
-              <a:rPr lang="en-US" altLang="zh-CN" sz="2400" dirty="0" err="1"/>
-              <a:t>NSSet</a:t>
-            </a:r>
-            <a:r>
-              <a:rPr lang="en-US" altLang="zh-CN" sz="2400" dirty="0"/>
-              <a:t> *)touches </a:t>
-            </a:r>
-            <a:r>
-              <a:rPr lang="en-US" altLang="zh-CN" sz="2400" dirty="0" err="1"/>
-              <a:t>withEvent</a:t>
-            </a:r>
-            <a:r>
-              <a:rPr lang="en-US" altLang="zh-CN" sz="2400" dirty="0"/>
-              <a:t>:(</a:t>
-            </a:r>
-            <a:r>
-              <a:rPr lang="en-US" altLang="zh-CN" sz="2400" dirty="0" err="1"/>
-              <a:t>UIEvent</a:t>
-            </a:r>
-            <a:r>
-              <a:rPr lang="en-US" altLang="zh-CN" sz="2400" dirty="0"/>
-              <a:t> *)event{</a:t>
-            </a:r>
-          </a:p>
-          <a:p>
-            <a:pPr lvl="1">
-              <a:lnSpc>
-                <a:spcPct val="140000"/>
-              </a:lnSpc>
-            </a:pPr>
-            <a:r>
-              <a:rPr lang="en-US" altLang="zh-CN" sz="2400" dirty="0" err="1"/>
-              <a:t>UITouch</a:t>
-            </a:r>
-            <a:r>
-              <a:rPr lang="en-US" altLang="zh-CN" sz="2400" dirty="0"/>
-              <a:t> *touch = [touches </a:t>
-            </a:r>
-            <a:r>
-              <a:rPr lang="en-US" altLang="zh-CN" sz="2400" dirty="0" err="1"/>
-              <a:t>anyObject</a:t>
-            </a:r>
-            <a:r>
-              <a:rPr lang="en-US" altLang="zh-CN" sz="2400" dirty="0"/>
-              <a:t>];</a:t>
-            </a:r>
-          </a:p>
-          <a:p>
-            <a:pPr lvl="1">
-              <a:lnSpc>
-                <a:spcPct val="140000"/>
-              </a:lnSpc>
-            </a:pPr>
-            <a:r>
-              <a:rPr lang="en-US" altLang="zh-CN" sz="2400" dirty="0" err="1"/>
-              <a:t>startTouchPosition</a:t>
-            </a:r>
-            <a:r>
-              <a:rPr lang="en-US" altLang="zh-CN" sz="2400" dirty="0"/>
-              <a:t> = [touch </a:t>
-            </a:r>
-            <a:r>
-              <a:rPr lang="en-US" altLang="zh-CN" sz="2400" dirty="0" err="1"/>
-              <a:t>locationInView:self</a:t>
-            </a:r>
-            <a:r>
-              <a:rPr lang="en-US" altLang="zh-CN" sz="2400" dirty="0"/>
-              <a:t>];</a:t>
-            </a:r>
-          </a:p>
-          <a:p>
-            <a:pPr>
-              <a:lnSpc>
-                <a:spcPct val="140000"/>
-              </a:lnSpc>
-            </a:pPr>
-            <a:r>
-              <a:rPr lang="en-US" altLang="zh-CN" sz="2400" dirty="0"/>
-              <a:t>}</a:t>
-            </a:r>
-            <a:endParaRPr kumimoji="1" lang="zh-CN" altLang="en-US" sz="2400" dirty="0">
-              <a:solidFill>
-                <a:srgbClr val="FFFF00"/>
-              </a:solidFill>
-            </a:endParaRPr>
-          </a:p>
-        </p:txBody>
-      </p:sp>
-    </p:spTree>
-    <p:extLst>
-      <p:ext uri="{BB962C8B-B14F-4D97-AF65-F5344CB8AC3E}">
-        <p14:creationId xmlns:p14="http://schemas.microsoft.com/office/powerpoint/2010/main" val="3830065932"/>
-      </p:ext>
-    </p:extLst>
-  </p:cSld>
-  <p:clrMapOvr>
-    <a:masterClrMapping/>
-  </p:clrMapOvr>
-  <p:timing>
-    <p:tnLst>
-      <p:par>
-        <p:cTn xmlns:p14="http://schemas.microsoft.com/office/powerpoint/2010/main" id="1" dur="indefinite" restart="never" nodeType="tmRoot"/>
-      </p:par>
-    </p:tnLst>
-  </p:timing>
-</p:sld>
-</file>
-
-<file path=ppt/slides/slide7.xml><?xml version="1.0" encoding="utf-8"?>
-<p:sld xmlns:a="http://schemas.openxmlformats.org/drawingml/2006/main" xmlns:r="http://schemas.openxmlformats.org/officeDocument/2006/relationships" xmlns:p="http://schemas.openxmlformats.org/presentationml/2006/main">
-  <p:cSld>
-    <p:spTree>
-      <p:nvGrpSpPr>
-        <p:cNvPr id="1" name=""/>
-        <p:cNvGrpSpPr/>
-        <p:nvPr/>
-      </p:nvGrpSpPr>
-      <p:grpSpPr>
-        <a:xfrm>
-          <a:off x="0" y="0"/>
-          <a:ext cx="0" cy="0"/>
-          <a:chOff x="0" y="0"/>
-          <a:chExt cx="0" cy="0"/>
-        </a:xfrm>
-      </p:grpSpPr>
-      <p:sp>
-        <p:nvSpPr>
-          <p:cNvPr id="2" name="标题 1"/>
-          <p:cNvSpPr>
-            <a:spLocks noGrp="1"/>
-          </p:cNvSpPr>
-          <p:nvPr>
-            <p:ph type="title"/>
-          </p:nvPr>
-        </p:nvSpPr>
-        <p:spPr/>
-        <p:txBody>
-          <a:bodyPr/>
-          <a:lstStyle/>
-          <a:p>
-            <a:r>
-              <a:rPr lang="zh-CN" altLang="en-US" b="0" dirty="0"/>
-              <a:t>跟踪碰擦手势</a:t>
-            </a:r>
-            <a:r>
-              <a:rPr lang="en-US" altLang="zh-CN" b="0" dirty="0"/>
-              <a:t>2</a:t>
-            </a:r>
-            <a:endParaRPr kumimoji="1" lang="zh-CN" altLang="en-US" dirty="0"/>
-          </a:p>
-        </p:txBody>
-      </p:sp>
-      <p:sp>
-        <p:nvSpPr>
-          <p:cNvPr id="3" name="幻灯片编号占位符 2"/>
-          <p:cNvSpPr>
-            <a:spLocks noGrp="1"/>
-          </p:cNvSpPr>
-          <p:nvPr>
-            <p:ph type="sldNum" sz="quarter" idx="4"/>
-          </p:nvPr>
-        </p:nvSpPr>
-        <p:spPr/>
-        <p:txBody>
-          <a:bodyPr/>
-          <a:lstStyle/>
-          <a:p>
-            <a:fld id="{BF10DB53-D7D3-4DB6-A29F-40217B92EC88}" type="slidenum">
-              <a:rPr lang="en-US" smtClean="0"/>
-              <a:pPr/>
-              <a:t>6</a:t>
-            </a:fld>
-            <a:endParaRPr lang="en-US" dirty="0"/>
-          </a:p>
-        </p:txBody>
-      </p:sp>
-      <p:sp>
-        <p:nvSpPr>
-          <p:cNvPr id="5" name="文本框 4"/>
-          <p:cNvSpPr txBox="1"/>
-          <p:nvPr/>
-        </p:nvSpPr>
-        <p:spPr>
-          <a:xfrm>
-            <a:off x="179512" y="1235949"/>
-            <a:ext cx="8712968" cy="5242462"/>
-          </a:xfrm>
-          <a:prstGeom prst="rect">
-            <a:avLst/>
-          </a:prstGeom>
-          <a:noFill/>
-        </p:spPr>
-        <p:txBody>
-          <a:bodyPr wrap="square" rtlCol="0">
-            <a:spAutoFit/>
-          </a:bodyPr>
-          <a:lstStyle/>
-          <a:p>
-            <a:pPr>
-              <a:lnSpc>
-                <a:spcPct val="150000"/>
-              </a:lnSpc>
-            </a:pPr>
-            <a:r>
-              <a:rPr lang="en-US" altLang="zh-CN" sz="1600" dirty="0"/>
-              <a:t>- (void)</a:t>
-            </a:r>
-            <a:r>
-              <a:rPr lang="en-US" altLang="zh-CN" sz="1600" dirty="0" err="1"/>
-              <a:t>touchesMoved</a:t>
-            </a:r>
-            <a:r>
-              <a:rPr lang="en-US" altLang="zh-CN" sz="1600" dirty="0"/>
-              <a:t>:(</a:t>
-            </a:r>
-            <a:r>
-              <a:rPr lang="en-US" altLang="zh-CN" sz="1600" dirty="0" err="1"/>
-              <a:t>NSSet</a:t>
-            </a:r>
-            <a:r>
-              <a:rPr lang="en-US" altLang="zh-CN" sz="1600" dirty="0"/>
-              <a:t> *)touches </a:t>
-            </a:r>
-            <a:r>
-              <a:rPr lang="en-US" altLang="zh-CN" sz="1600" dirty="0" err="1"/>
-              <a:t>withEvent</a:t>
-            </a:r>
-            <a:r>
-              <a:rPr lang="en-US" altLang="zh-CN" sz="1600" dirty="0"/>
-              <a:t>:(</a:t>
-            </a:r>
-            <a:r>
-              <a:rPr lang="en-US" altLang="zh-CN" sz="1600" dirty="0" err="1"/>
-              <a:t>UIEvent</a:t>
-            </a:r>
-            <a:r>
-              <a:rPr lang="en-US" altLang="zh-CN" sz="1600" dirty="0"/>
-              <a:t> *)event{</a:t>
-            </a:r>
-          </a:p>
-          <a:p>
-            <a:pPr lvl="1">
-              <a:lnSpc>
-                <a:spcPct val="150000"/>
-              </a:lnSpc>
-            </a:pPr>
-            <a:r>
-              <a:rPr lang="en-US" altLang="zh-CN" sz="1600" dirty="0" err="1"/>
-              <a:t>UITouch</a:t>
-            </a:r>
-            <a:r>
-              <a:rPr lang="en-US" altLang="zh-CN" sz="1600" dirty="0"/>
-              <a:t> *touch = [touches </a:t>
-            </a:r>
-            <a:r>
-              <a:rPr lang="en-US" altLang="zh-CN" sz="1600" dirty="0" err="1"/>
-              <a:t>anyObject</a:t>
-            </a:r>
-            <a:r>
-              <a:rPr lang="en-US" altLang="zh-CN" sz="1600" dirty="0"/>
-              <a:t>];</a:t>
-            </a:r>
-          </a:p>
-          <a:p>
-            <a:pPr lvl="1">
-              <a:lnSpc>
-                <a:spcPct val="150000"/>
-              </a:lnSpc>
-            </a:pPr>
-            <a:r>
-              <a:rPr lang="en-US" altLang="zh-CN" sz="1600" dirty="0" err="1"/>
-              <a:t>CGPoint</a:t>
-            </a:r>
-            <a:r>
-              <a:rPr lang="en-US" altLang="zh-CN" sz="1600" dirty="0"/>
-              <a:t> </a:t>
-            </a:r>
-            <a:r>
-              <a:rPr lang="en-US" altLang="zh-CN" sz="1600" dirty="0" err="1"/>
-              <a:t>currentTouchPosition</a:t>
-            </a:r>
-            <a:r>
-              <a:rPr lang="en-US" altLang="zh-CN" sz="1600" dirty="0"/>
-              <a:t> = [touch </a:t>
-            </a:r>
-            <a:r>
-              <a:rPr lang="en-US" altLang="zh-CN" sz="1600" dirty="0" err="1"/>
-              <a:t>locationInView:self</a:t>
-            </a:r>
-            <a:r>
-              <a:rPr lang="en-US" altLang="zh-CN" sz="1600" dirty="0"/>
-              <a:t>];</a:t>
-            </a:r>
-          </a:p>
-          <a:p>
-            <a:pPr lvl="1">
-              <a:lnSpc>
-                <a:spcPct val="150000"/>
-              </a:lnSpc>
-            </a:pPr>
-            <a:r>
-              <a:rPr lang="en-US" altLang="zh-CN" sz="1600" dirty="0"/>
-              <a:t>if (</a:t>
-            </a:r>
-            <a:r>
-              <a:rPr lang="en-US" altLang="zh-CN" sz="1600" dirty="0" err="1"/>
-              <a:t>fabsf</a:t>
-            </a:r>
-            <a:r>
-              <a:rPr lang="en-US" altLang="zh-CN" sz="1600" dirty="0"/>
-              <a:t>(</a:t>
-            </a:r>
-            <a:r>
-              <a:rPr lang="en-US" altLang="zh-CN" sz="1600" dirty="0" err="1"/>
-              <a:t>startTouchPosition.x</a:t>
-            </a:r>
-            <a:r>
-              <a:rPr lang="en-US" altLang="zh-CN" sz="1600" dirty="0"/>
-              <a:t> - </a:t>
-            </a:r>
-            <a:r>
-              <a:rPr lang="en-US" altLang="zh-CN" sz="1600" dirty="0" err="1"/>
-              <a:t>currentTouchPosition.x</a:t>
-            </a:r>
-            <a:r>
-              <a:rPr lang="en-US" altLang="zh-CN" sz="1600" dirty="0"/>
-              <a:t>) &gt;=HORIZ_SWIPE_DRAG_MIN &amp;&amp;</a:t>
-            </a:r>
-          </a:p>
-          <a:p>
-            <a:pPr lvl="1">
-              <a:lnSpc>
-                <a:spcPct val="150000"/>
-              </a:lnSpc>
-            </a:pPr>
-            <a:r>
-              <a:rPr lang="en-US" altLang="zh-CN" sz="1600" dirty="0" err="1"/>
-              <a:t>fabsf</a:t>
-            </a:r>
-            <a:r>
-              <a:rPr lang="en-US" altLang="zh-CN" sz="1600" dirty="0"/>
-              <a:t>(</a:t>
-            </a:r>
-            <a:r>
-              <a:rPr lang="en-US" altLang="zh-CN" sz="1600" dirty="0" err="1"/>
-              <a:t>startTouchPosition.y</a:t>
-            </a:r>
-            <a:r>
-              <a:rPr lang="en-US" altLang="zh-CN" sz="1600" dirty="0"/>
-              <a:t> - </a:t>
-            </a:r>
-            <a:r>
-              <a:rPr lang="en-US" altLang="zh-CN" sz="1600" dirty="0" err="1"/>
-              <a:t>currentTouchPosition.y</a:t>
-            </a:r>
-            <a:r>
-              <a:rPr lang="en-US" altLang="zh-CN" sz="1600" dirty="0"/>
-              <a:t>) &lt;=VERT_SWIPE_DRAG_MAX){</a:t>
-            </a:r>
-          </a:p>
-          <a:p>
-            <a:pPr lvl="2">
-              <a:lnSpc>
-                <a:spcPct val="150000"/>
-              </a:lnSpc>
-            </a:pPr>
-            <a:r>
-              <a:rPr lang="en-US" altLang="zh-CN" sz="1600" dirty="0"/>
-              <a:t>//</a:t>
-            </a:r>
-          </a:p>
-          <a:p>
-            <a:pPr lvl="2">
-              <a:lnSpc>
-                <a:spcPct val="150000"/>
-              </a:lnSpc>
-            </a:pPr>
-            <a:r>
-              <a:rPr lang="en-US" altLang="zh-CN" sz="1600" dirty="0"/>
-              <a:t>if (</a:t>
-            </a:r>
-            <a:r>
-              <a:rPr lang="en-US" altLang="zh-CN" sz="1600" dirty="0" err="1"/>
-              <a:t>startTouchPosition.x</a:t>
-            </a:r>
-            <a:r>
-              <a:rPr lang="en-US" altLang="zh-CN" sz="1600" dirty="0"/>
-              <a:t> &lt; </a:t>
-            </a:r>
-            <a:r>
-              <a:rPr lang="en-US" altLang="zh-CN" sz="1600" dirty="0" err="1"/>
-              <a:t>currentTouchPosition.x</a:t>
-            </a:r>
-            <a:r>
-              <a:rPr lang="en-US" altLang="zh-CN" sz="1600" dirty="0"/>
-              <a:t>)</a:t>
-            </a:r>
-          </a:p>
-          <a:p>
-            <a:pPr lvl="3">
-              <a:lnSpc>
-                <a:spcPct val="150000"/>
-              </a:lnSpc>
-            </a:pPr>
-            <a:r>
-              <a:rPr lang="en-US" altLang="zh-CN" sz="1600" dirty="0"/>
-              <a:t>[self </a:t>
-            </a:r>
-            <a:r>
-              <a:rPr lang="en-US" altLang="zh-CN" sz="1600" dirty="0" err="1"/>
-              <a:t>myProcessRightSwipe:touches</a:t>
-            </a:r>
-            <a:r>
-              <a:rPr lang="en-US" altLang="zh-CN" sz="1600" dirty="0"/>
-              <a:t> </a:t>
-            </a:r>
-            <a:r>
-              <a:rPr lang="en-US" altLang="zh-CN" sz="1600" dirty="0" err="1"/>
-              <a:t>withEvent:event</a:t>
-            </a:r>
-            <a:r>
-              <a:rPr lang="en-US" altLang="zh-CN" sz="1600" dirty="0"/>
-              <a:t>];</a:t>
-            </a:r>
-          </a:p>
-          <a:p>
-            <a:pPr lvl="2">
-              <a:lnSpc>
-                <a:spcPct val="150000"/>
-              </a:lnSpc>
-            </a:pPr>
-            <a:r>
-              <a:rPr lang="en-US" altLang="zh-CN" sz="1600" dirty="0"/>
-              <a:t>else</a:t>
-            </a:r>
-          </a:p>
-          <a:p>
-            <a:pPr lvl="3">
-              <a:lnSpc>
-                <a:spcPct val="150000"/>
-              </a:lnSpc>
-            </a:pPr>
-            <a:r>
-              <a:rPr lang="en-US" altLang="zh-CN" sz="1600" dirty="0"/>
-              <a:t>[self </a:t>
-            </a:r>
-            <a:r>
-              <a:rPr lang="en-US" altLang="zh-CN" sz="1600" dirty="0" err="1"/>
-              <a:t>myProcessLeftSwipe:touches</a:t>
-            </a:r>
-            <a:r>
-              <a:rPr lang="en-US" altLang="zh-CN" sz="1600" dirty="0"/>
-              <a:t> </a:t>
-            </a:r>
-            <a:r>
-              <a:rPr lang="en-US" altLang="zh-CN" sz="1600" dirty="0" err="1"/>
-              <a:t>withEvent:event</a:t>
-            </a:r>
-            <a:r>
-              <a:rPr lang="en-US" altLang="zh-CN" sz="1600" dirty="0"/>
-              <a:t>];</a:t>
-            </a:r>
-          </a:p>
-          <a:p>
-            <a:pPr lvl="2">
-              <a:lnSpc>
-                <a:spcPct val="150000"/>
-              </a:lnSpc>
-            </a:pPr>
-            <a:r>
-              <a:rPr lang="en-US" altLang="zh-CN" sz="1600" dirty="0"/>
-              <a:t>}</a:t>
-            </a:r>
-          </a:p>
-          <a:p>
-            <a:pPr lvl="2">
-              <a:lnSpc>
-                <a:spcPct val="150000"/>
-              </a:lnSpc>
-            </a:pPr>
-            <a:r>
-              <a:rPr lang="en-US" altLang="zh-CN" sz="1600" dirty="0"/>
-              <a:t>else{</a:t>
-            </a:r>
-          </a:p>
-          <a:p>
-            <a:pPr lvl="2">
-              <a:lnSpc>
-                <a:spcPct val="150000"/>
-              </a:lnSpc>
-            </a:pPr>
-            <a:r>
-              <a:rPr lang="en-US" altLang="zh-CN" sz="1600" dirty="0" smtClean="0"/>
-              <a:t>}</a:t>
-            </a:r>
-          </a:p>
-          <a:p>
-            <a:pPr>
-              <a:lnSpc>
-                <a:spcPct val="150000"/>
-              </a:lnSpc>
-            </a:pPr>
-            <a:r>
-              <a:rPr lang="en-US" altLang="zh-CN" sz="1600" dirty="0" smtClean="0"/>
-              <a:t>}</a:t>
-            </a:r>
-            <a:endParaRPr kumimoji="1" lang="zh-CN" altLang="en-US" sz="1600" dirty="0">
-              <a:solidFill>
-                <a:srgbClr val="FFFF00"/>
-              </a:solidFill>
-            </a:endParaRPr>
-          </a:p>
-        </p:txBody>
-      </p:sp>
-    </p:spTree>
-    <p:extLst>
-      <p:ext uri="{BB962C8B-B14F-4D97-AF65-F5344CB8AC3E}">
-        <p14:creationId xmlns:p14="http://schemas.microsoft.com/office/powerpoint/2010/main" val="2103606827"/>
-      </p:ext>
-    </p:extLst>
-  </p:cSld>
-  <p:clrMapOvr>
-    <a:masterClrMapping/>
-  </p:clrMapOvr>
-  <p:timing>
-    <p:tnLst>
-      <p:par>
-        <p:cTn xmlns:p14="http://schemas.microsoft.com/office/powerpoint/2010/main" id="1" dur="indefinite" restart="never" nodeType="tmRoot"/>
-      </p:par>
-    </p:tnLst>
-  </p:timing>
-</p:sld>
-</file>
-
-<file path=ppt/slides/slide8.xml><?xml version="1.0" encoding="utf-8"?>
-<p:sld xmlns:a="http://schemas.openxmlformats.org/drawingml/2006/main" xmlns:r="http://schemas.openxmlformats.org/officeDocument/2006/relationships" xmlns:p="http://schemas.openxmlformats.org/presentationml/2006/main">
-  <p:cSld>
-    <p:spTree>
-      <p:nvGrpSpPr>
-        <p:cNvPr id="1" name=""/>
-        <p:cNvGrpSpPr/>
-        <p:nvPr/>
-      </p:nvGrpSpPr>
-      <p:grpSpPr>
-        <a:xfrm>
-          <a:off x="0" y="0"/>
-          <a:ext cx="0" cy="0"/>
-          <a:chOff x="0" y="0"/>
-          <a:chExt cx="0" cy="0"/>
-        </a:xfrm>
-      </p:grpSpPr>
-      <p:sp>
-        <p:nvSpPr>
-          <p:cNvPr id="2" name="标题 1"/>
-          <p:cNvSpPr>
-            <a:spLocks noGrp="1"/>
-          </p:cNvSpPr>
-          <p:nvPr>
-            <p:ph type="title"/>
-          </p:nvPr>
-        </p:nvSpPr>
-        <p:spPr/>
-        <p:txBody>
-          <a:bodyPr>
-            <a:normAutofit/>
-          </a:bodyPr>
-          <a:lstStyle/>
-          <a:p>
-            <a:r>
-              <a:rPr lang="zh-TW" altLang="en-US" b="0" dirty="0"/>
-              <a:t>跟踪</a:t>
-            </a:r>
-            <a:r>
-              <a:rPr lang="en-US" altLang="zh-TW" b="0" dirty="0" err="1"/>
-              <a:t>UITouch</a:t>
-            </a:r>
-            <a:r>
-              <a:rPr lang="zh-TW" altLang="en-US" b="0" dirty="0"/>
-              <a:t>对象的变化</a:t>
-            </a:r>
-            <a:endParaRPr kumimoji="1" lang="zh-CN" altLang="en-US" dirty="0"/>
-          </a:p>
-        </p:txBody>
-      </p:sp>
-      <p:sp>
-        <p:nvSpPr>
-          <p:cNvPr id="3" name="幻灯片编号占位符 2"/>
-          <p:cNvSpPr>
-            <a:spLocks noGrp="1"/>
-          </p:cNvSpPr>
-          <p:nvPr>
-            <p:ph type="sldNum" sz="quarter" idx="4"/>
-          </p:nvPr>
-        </p:nvSpPr>
-        <p:spPr/>
-        <p:txBody>
-          <a:bodyPr/>
-          <a:lstStyle/>
-          <a:p>
-            <a:fld id="{BF10DB53-D7D3-4DB6-A29F-40217B92EC88}" type="slidenum">
-              <a:rPr lang="en-US" smtClean="0"/>
-              <a:pPr/>
-              <a:t>7</a:t>
-            </a:fld>
-            <a:endParaRPr lang="en-US" dirty="0"/>
-          </a:p>
-        </p:txBody>
-      </p:sp>
-      <p:sp>
-        <p:nvSpPr>
-          <p:cNvPr id="5" name="文本框 4"/>
-          <p:cNvSpPr txBox="1"/>
-          <p:nvPr/>
-        </p:nvSpPr>
-        <p:spPr>
-          <a:xfrm>
-            <a:off x="107504" y="1196752"/>
-            <a:ext cx="8928992" cy="5144998"/>
+            <a:ext cx="8856984" cy="1723549"/>
           </a:xfrm>
           <a:prstGeom prst="rect">
             <a:avLst/>
@@ -15652,45 +9849,10 @@
               <a:buChar char="Ø"/>
             </a:pPr>
             <a:r>
-              <a:rPr lang="zh-CN" altLang="en-US" sz="2000" dirty="0" smtClean="0"/>
-              <a:t>在事件处理代码中</a:t>
-            </a:r>
-            <a:r>
-              <a:rPr lang="zh-CN" altLang="en-US" sz="2000" dirty="0"/>
-              <a:t>，您可以将触摸状态的相关位置保存下来，</a:t>
-            </a:r>
-            <a:r>
-              <a:rPr lang="zh-CN" altLang="en-US" sz="2000" dirty="0" smtClean="0"/>
-              <a:t>以便在必要时和变化之</a:t>
-            </a:r>
-            <a:r>
-              <a:rPr lang="zh-CN" altLang="en-US" sz="2000" dirty="0"/>
-              <a:t>后的</a:t>
-            </a:r>
-            <a:r>
-              <a:rPr lang="en-US" altLang="zh-CN" sz="2000" dirty="0" err="1"/>
-              <a:t>UITouch</a:t>
-            </a:r>
-            <a:r>
-              <a:rPr lang="zh-CN" altLang="en-US" sz="2000" dirty="0"/>
-              <a:t>实例进行比较</a:t>
-            </a:r>
-            <a:r>
-              <a:rPr lang="zh-CN" altLang="en-US" sz="2000" dirty="0" smtClean="0"/>
-              <a:t>。</a:t>
-            </a:r>
-            <a:endParaRPr lang="en-US" altLang="zh-CN" sz="2000" dirty="0" smtClean="0"/>
-          </a:p>
-          <a:p>
-            <a:pPr>
-              <a:lnSpc>
-                <a:spcPct val="150000"/>
-              </a:lnSpc>
-              <a:buClr>
-                <a:srgbClr val="00FFFF"/>
-              </a:buClr>
-            </a:pPr>
-            <a:endParaRPr lang="zh-CN" altLang="en-US" sz="2000" dirty="0"/>
+              <a:rPr lang="zh-CN" altLang="en-US" sz="2400" dirty="0"/>
+              <a:t>电话</a:t>
+            </a:r>
+            <a:endParaRPr lang="zh-TW" altLang="en-US" sz="2400" dirty="0"/>
           </a:p>
           <a:p>
             <a:pPr marL="342900" indent="-342900">
@@ -15704,405 +9866,34 @@
               <a:buChar char="Ø"/>
             </a:pPr>
             <a:r>
-              <a:rPr lang="zh-CN" altLang="en-US" sz="2000" dirty="0" smtClean="0"/>
-              <a:t>假定您希望将每个触摸对</a:t>
-            </a:r>
-            <a:r>
-              <a:rPr lang="zh-CN" altLang="en-US" sz="2000" dirty="0"/>
-              <a:t>象的最后位置和其初始位置进行比较</a:t>
-            </a:r>
-            <a:r>
-              <a:rPr lang="zh-CN" altLang="en-US" sz="2000" dirty="0" smtClean="0"/>
-              <a:t>，</a:t>
-            </a:r>
-            <a:r>
-              <a:rPr lang="zh-TW" altLang="en-US" sz="2000" dirty="0" smtClean="0"/>
-              <a:t>则在</a:t>
-            </a:r>
-            <a:r>
-              <a:rPr lang="en-US" altLang="zh-TW" sz="2000" dirty="0" err="1"/>
-              <a:t>touchesBegan:withEvent</a:t>
-            </a:r>
-            <a:r>
-              <a:rPr lang="en-US" altLang="zh-TW" sz="2000" dirty="0"/>
-              <a:t>: </a:t>
-            </a:r>
-            <a:r>
-              <a:rPr lang="zh-TW" altLang="en-US" sz="2000" dirty="0"/>
-              <a:t>方法中， </a:t>
-            </a:r>
-            <a:r>
-              <a:rPr lang="zh-TW" altLang="en-US" sz="2000" dirty="0" smtClean="0"/>
-              <a:t>您可以通过</a:t>
-            </a:r>
-            <a:r>
-              <a:rPr lang="en-US" altLang="zh-TW" sz="2000" dirty="0" err="1" smtClean="0"/>
-              <a:t>locationInView</a:t>
-            </a:r>
-            <a:r>
-              <a:rPr lang="en-US" altLang="zh-TW" sz="2000" dirty="0"/>
-              <a:t>:</a:t>
-            </a:r>
-            <a:r>
-              <a:rPr lang="zh-TW" altLang="en-US" sz="2000" dirty="0"/>
-              <a:t>方法得到每个触摸对象的初始位置， </a:t>
-            </a:r>
-            <a:r>
-              <a:rPr lang="zh-TW" altLang="en-US" sz="2000" dirty="0" smtClean="0"/>
-              <a:t>并以</a:t>
-            </a:r>
-            <a:r>
-              <a:rPr lang="en-US" altLang="zh-TW" sz="2000" dirty="0" err="1" smtClean="0"/>
-              <a:t>UITouch</a:t>
-            </a:r>
-            <a:r>
-              <a:rPr lang="zh-TW" altLang="en-US" sz="2000" dirty="0"/>
-              <a:t>对象的地址作为键，将它们存储在</a:t>
-            </a:r>
-            <a:r>
-              <a:rPr lang="en-US" altLang="zh-TW" sz="2000" dirty="0" err="1"/>
-              <a:t>CFDictionaryRef</a:t>
-            </a:r>
-            <a:r>
-              <a:rPr lang="zh-TW" altLang="en-US" sz="2000" dirty="0" smtClean="0"/>
-              <a:t>封</a:t>
-            </a:r>
-            <a:r>
-              <a:rPr lang="zh-CN" altLang="en-US" sz="2000" dirty="0" smtClean="0"/>
-              <a:t>装类型中</a:t>
-            </a:r>
-            <a:r>
-              <a:rPr lang="zh-CN" altLang="en-US" sz="2000" dirty="0"/>
-              <a:t>；然后，在</a:t>
-            </a:r>
-            <a:r>
-              <a:rPr lang="en-US" altLang="zh-CN" sz="2000" dirty="0" err="1"/>
-              <a:t>touchesEnded:withEvent</a:t>
-            </a:r>
-            <a:r>
-              <a:rPr lang="en-US" altLang="zh-CN" sz="2000" dirty="0"/>
-              <a:t>:</a:t>
-            </a:r>
-            <a:r>
-              <a:rPr lang="zh-CN" altLang="en-US" sz="2000" dirty="0"/>
-              <a:t>方法中，</a:t>
-            </a:r>
-            <a:r>
-              <a:rPr lang="zh-CN" altLang="en-US" sz="2000" dirty="0" smtClean="0"/>
-              <a:t>可以通过传入</a:t>
-            </a:r>
-            <a:r>
-              <a:rPr lang="en-US" altLang="zh-CN" sz="2000" dirty="0" err="1"/>
-              <a:t>UITouch</a:t>
-            </a:r>
-            <a:r>
-              <a:rPr lang="zh-CN" altLang="en-US" sz="2000" dirty="0"/>
-              <a:t>对象的地址取得该对象的初始位置，并将它和</a:t>
-            </a:r>
-            <a:r>
-              <a:rPr lang="zh-CN" altLang="en-US" sz="2000" dirty="0" smtClean="0"/>
-              <a:t>当前位置进行比较</a:t>
-            </a:r>
-            <a:r>
-              <a:rPr lang="zh-CN" altLang="en-US" sz="2000" dirty="0"/>
-              <a:t>（您应该使用</a:t>
-            </a:r>
-            <a:r>
-              <a:rPr lang="en-US" altLang="zh-CN" sz="2000" dirty="0" err="1"/>
-              <a:t>CFDictionaryRef</a:t>
-            </a:r>
-            <a:r>
-              <a:rPr lang="zh-CN" altLang="en-US" sz="2000" dirty="0"/>
-              <a:t>类型，而不</a:t>
-            </a:r>
-            <a:r>
-              <a:rPr lang="zh-CN" altLang="en-US" sz="2000" dirty="0" smtClean="0"/>
-              <a:t>是</a:t>
-            </a:r>
-            <a:r>
-              <a:rPr lang="en-US" altLang="zh-CN" sz="2000" dirty="0" err="1" smtClean="0"/>
-              <a:t>NSDictionary</a:t>
-            </a:r>
-            <a:r>
-              <a:rPr lang="zh-CN" altLang="en-US" sz="2000" dirty="0"/>
-              <a:t>对象，因为后者需要对其存储的项目进行拷贝，</a:t>
-            </a:r>
-            <a:r>
-              <a:rPr lang="zh-CN" altLang="en-US" sz="2000" dirty="0" smtClean="0"/>
-              <a:t>而</a:t>
-            </a:r>
-            <a:r>
-              <a:rPr lang="en-US" altLang="zh-CN" sz="2000" dirty="0" err="1" smtClean="0"/>
-              <a:t>UITouch</a:t>
-            </a:r>
-            <a:r>
-              <a:rPr lang="zh-CN" altLang="en-US" sz="2000" dirty="0"/>
-              <a:t>类并不采纳</a:t>
-            </a:r>
-            <a:r>
-              <a:rPr lang="en-US" altLang="zh-CN" sz="2000" dirty="0" err="1"/>
-              <a:t>NSCopying</a:t>
-            </a:r>
-            <a:r>
-              <a:rPr lang="zh-CN" altLang="en-US" sz="2000" dirty="0"/>
-              <a:t>协议，该协议在对象拷贝过</a:t>
-            </a:r>
-            <a:r>
-              <a:rPr lang="zh-CN" altLang="en-US" sz="2000" dirty="0" smtClean="0"/>
-              <a:t>程中是必须</a:t>
-            </a:r>
-            <a:r>
-              <a:rPr lang="zh-CN" altLang="en-US" sz="2000" dirty="0"/>
-              <a:t>的）。</a:t>
-            </a:r>
-            <a:endParaRPr lang="en-US" altLang="zh-CN" sz="2000" dirty="0"/>
+              <a:rPr lang="zh-CN" altLang="en-US" sz="2400" dirty="0"/>
+              <a:t>短信</a:t>
+            </a:r>
+            <a:endParaRPr lang="zh-TW" altLang="en-US" sz="2400" dirty="0"/>
+          </a:p>
+          <a:p>
+            <a:pPr marL="342900" indent="-342900">
+              <a:lnSpc>
+                <a:spcPct val="150000"/>
+              </a:lnSpc>
+              <a:buClr>
+                <a:srgbClr val="00FFFF"/>
+              </a:buClr>
+              <a:buFont typeface="Wingdings" charset="2"/>
+              <a:buChar char="Ø"/>
+            </a:pPr>
+            <a:r>
+              <a:rPr lang="zh-CN" altLang="en-US" sz="2400" dirty="0"/>
+              <a:t>邮件</a:t>
+            </a:r>
+            <a:endParaRPr kumimoji="1" lang="zh-CN" altLang="en-US" sz="2400" dirty="0"/>
           </a:p>
         </p:txBody>
       </p:sp>
     </p:spTree>
     <p:extLst>
       <p:ext uri="{BB962C8B-B14F-4D97-AF65-F5344CB8AC3E}">
-        <p14:creationId xmlns:p14="http://schemas.microsoft.com/office/powerpoint/2010/main" val="1021330720"/>
-      </p:ext>
-    </p:extLst>
-  </p:cSld>
-  <p:clrMapOvr>
-    <a:masterClrMapping/>
-  </p:clrMapOvr>
-  <p:timing>
-    <p:tnLst>
-      <p:par>
-        <p:cTn xmlns:p14="http://schemas.microsoft.com/office/powerpoint/2010/main" id="1" dur="indefinite" restart="never" nodeType="tmRoot"/>
-      </p:par>
-    </p:tnLst>
-  </p:timing>
-</p:sld>
-</file>
-
-<file path=ppt/slides/slide9.xml><?xml version="1.0" encoding="utf-8"?>
-<p:sld xmlns:a="http://schemas.openxmlformats.org/drawingml/2006/main" xmlns:r="http://schemas.openxmlformats.org/officeDocument/2006/relationships" xmlns:p="http://schemas.openxmlformats.org/presentationml/2006/main">
-  <p:cSld>
-    <p:spTree>
-      <p:nvGrpSpPr>
-        <p:cNvPr id="1" name=""/>
-        <p:cNvGrpSpPr/>
-        <p:nvPr/>
-      </p:nvGrpSpPr>
-      <p:grpSpPr>
-        <a:xfrm>
-          <a:off x="0" y="0"/>
-          <a:ext cx="0" cy="0"/>
-          <a:chOff x="0" y="0"/>
-          <a:chExt cx="0" cy="0"/>
-        </a:xfrm>
-      </p:grpSpPr>
-      <p:sp>
-        <p:nvSpPr>
-          <p:cNvPr id="2" name="标题 1"/>
-          <p:cNvSpPr>
-            <a:spLocks noGrp="1"/>
-          </p:cNvSpPr>
-          <p:nvPr>
-            <p:ph type="title"/>
-          </p:nvPr>
-        </p:nvSpPr>
-        <p:spPr/>
-        <p:txBody>
-          <a:bodyPr>
-            <a:normAutofit fontScale="90000"/>
-          </a:bodyPr>
-          <a:lstStyle/>
-          <a:p>
-            <a:r>
-              <a:rPr lang="zh-CN" altLang="en-US" b="0" dirty="0"/>
-              <a:t>确定多点触摸序列中最后一个手指何时离开</a:t>
-            </a:r>
-            <a:endParaRPr kumimoji="1" lang="zh-CN" altLang="en-US" dirty="0"/>
-          </a:p>
-        </p:txBody>
-      </p:sp>
-      <p:sp>
-        <p:nvSpPr>
-          <p:cNvPr id="3" name="幻灯片编号占位符 2"/>
-          <p:cNvSpPr>
-            <a:spLocks noGrp="1"/>
-          </p:cNvSpPr>
-          <p:nvPr>
-            <p:ph type="sldNum" sz="quarter" idx="4"/>
-          </p:nvPr>
-        </p:nvSpPr>
-        <p:spPr/>
-        <p:txBody>
-          <a:bodyPr/>
-          <a:lstStyle/>
-          <a:p>
-            <a:fld id="{BF10DB53-D7D3-4DB6-A29F-40217B92EC88}" type="slidenum">
-              <a:rPr lang="en-US" smtClean="0"/>
-              <a:pPr/>
-              <a:t>8</a:t>
-            </a:fld>
-            <a:endParaRPr lang="en-US" dirty="0"/>
-          </a:p>
-        </p:txBody>
-      </p:sp>
-      <p:sp>
-        <p:nvSpPr>
-          <p:cNvPr id="5" name="文本框 4"/>
-          <p:cNvSpPr txBox="1"/>
-          <p:nvPr/>
-        </p:nvSpPr>
-        <p:spPr>
-          <a:xfrm>
-            <a:off x="179512" y="1268760"/>
-            <a:ext cx="8856984" cy="4493537"/>
-          </a:xfrm>
-          <a:prstGeom prst="rect">
-            <a:avLst/>
-          </a:prstGeom>
-          <a:noFill/>
-        </p:spPr>
-        <p:txBody>
-          <a:bodyPr wrap="square" rtlCol="0">
-            <a:spAutoFit/>
-          </a:bodyPr>
-          <a:lstStyle/>
-          <a:p>
-            <a:pPr>
-              <a:lnSpc>
-                <a:spcPct val="150000"/>
-              </a:lnSpc>
-            </a:pPr>
-            <a:r>
-              <a:rPr lang="zh-CN" altLang="en-US" sz="2400" dirty="0"/>
-              <a:t>可以将传入的集合参数中包含的</a:t>
-            </a:r>
-            <a:r>
-              <a:rPr lang="en-US" altLang="zh-CN" sz="2400" dirty="0" err="1"/>
-              <a:t>UITouch</a:t>
-            </a:r>
-            <a:r>
-              <a:rPr lang="zh-CN" altLang="en-US" sz="2400" dirty="0"/>
-              <a:t>对象数量和</a:t>
-            </a:r>
-            <a:r>
-              <a:rPr lang="en-US" altLang="zh-CN" sz="2400" dirty="0" err="1"/>
-              <a:t>UIEvent</a:t>
-            </a:r>
-            <a:r>
-              <a:rPr lang="zh-CN" altLang="en-US" sz="2400" dirty="0"/>
-              <a:t>参数对象中与该视图关联</a:t>
-            </a:r>
-            <a:r>
-              <a:rPr lang="zh-CN" altLang="en-US" sz="2400" dirty="0" smtClean="0"/>
-              <a:t>的触摸对象数量相比较</a:t>
-            </a:r>
-            <a:r>
-              <a:rPr lang="zh-CN" altLang="en-US" sz="2400" dirty="0"/>
-              <a:t>。请看下面的例子：</a:t>
-            </a:r>
-          </a:p>
-          <a:p>
-            <a:pPr>
-              <a:lnSpc>
-                <a:spcPct val="150000"/>
-              </a:lnSpc>
-            </a:pPr>
-            <a:r>
-              <a:rPr lang="en-US" altLang="zh-CN" sz="2400" dirty="0"/>
-              <a:t>- (void)</a:t>
-            </a:r>
-            <a:r>
-              <a:rPr lang="en-US" altLang="zh-CN" sz="2400" dirty="0" err="1"/>
-              <a:t>touchesEnded</a:t>
-            </a:r>
-            <a:r>
-              <a:rPr lang="en-US" altLang="zh-CN" sz="2400" dirty="0"/>
-              <a:t>:(</a:t>
-            </a:r>
-            <a:r>
-              <a:rPr lang="en-US" altLang="zh-CN" sz="2400" dirty="0" err="1"/>
-              <a:t>NSSet</a:t>
-            </a:r>
-            <a:r>
-              <a:rPr lang="en-US" altLang="zh-CN" sz="2400" dirty="0"/>
-              <a:t>*)touches </a:t>
-            </a:r>
-            <a:r>
-              <a:rPr lang="en-US" altLang="zh-CN" sz="2400" dirty="0" err="1" smtClean="0"/>
-              <a:t>withEvent</a:t>
-            </a:r>
-            <a:r>
-              <a:rPr lang="en-US" altLang="zh-CN" sz="2400" dirty="0" smtClean="0"/>
-              <a:t>(</a:t>
-            </a:r>
-            <a:r>
-              <a:rPr lang="en-US" altLang="zh-CN" sz="2400" dirty="0" err="1"/>
-              <a:t>UIEvent</a:t>
-            </a:r>
-            <a:r>
-              <a:rPr lang="en-US" altLang="zh-CN" sz="2400" dirty="0"/>
-              <a:t>*)event {</a:t>
-            </a:r>
-          </a:p>
-          <a:p>
-            <a:pPr lvl="1">
-              <a:lnSpc>
-                <a:spcPct val="150000"/>
-              </a:lnSpc>
-            </a:pPr>
-            <a:r>
-              <a:rPr lang="en-US" altLang="zh-CN" sz="2400" dirty="0"/>
-              <a:t>if ([touches count] == [[event </a:t>
-            </a:r>
-            <a:r>
-              <a:rPr lang="en-US" altLang="zh-CN" sz="2400" dirty="0" err="1"/>
-              <a:t>touchesForView:self</a:t>
-            </a:r>
-            <a:r>
-              <a:rPr lang="en-US" altLang="zh-CN" sz="2400" dirty="0"/>
-              <a:t>] count]) {</a:t>
-            </a:r>
-          </a:p>
-          <a:p>
-            <a:pPr lvl="2">
-              <a:lnSpc>
-                <a:spcPct val="150000"/>
-              </a:lnSpc>
-            </a:pPr>
-            <a:r>
-              <a:rPr lang="en-US" altLang="zh-CN" sz="2400" dirty="0"/>
-              <a:t>// last finger has lifted....</a:t>
-            </a:r>
-          </a:p>
-          <a:p>
-            <a:pPr lvl="1">
-              <a:lnSpc>
-                <a:spcPct val="150000"/>
-              </a:lnSpc>
-            </a:pPr>
-            <a:r>
-              <a:rPr lang="en-US" altLang="zh-CN" sz="2400" dirty="0"/>
-              <a:t>}</a:t>
-            </a:r>
-          </a:p>
-          <a:p>
-            <a:pPr>
-              <a:lnSpc>
-                <a:spcPct val="150000"/>
-              </a:lnSpc>
-            </a:pPr>
-            <a:r>
-              <a:rPr lang="en-US" altLang="zh-CN" sz="2400" dirty="0"/>
-              <a:t>}</a:t>
-            </a:r>
-            <a:endParaRPr kumimoji="1" lang="zh-CN" altLang="en-US" sz="2400" dirty="0"/>
-          </a:p>
-        </p:txBody>
-      </p:sp>
-    </p:spTree>
-    <p:extLst>
-      <p:ext uri="{BB962C8B-B14F-4D97-AF65-F5344CB8AC3E}">
-        <p14:creationId xmlns:p14="http://schemas.microsoft.com/office/powerpoint/2010/main" val="834987495"/>
+        <p14:creationId xmlns:p14="http://schemas.microsoft.com/office/powerpoint/2010/main" val="3892597727"/>
       </p:ext>
     </p:extLst>
   </p:cSld>
